--- a/Leveraging Log Analytics in Custom Applications.pptx
+++ b/Leveraging Log Analytics in Custom Applications.pptx
@@ -2,7 +2,7 @@
 <file path=ppt/presentation.xml><?xml version="1.0" encoding="utf-8"?>
 <p:presentation xmlns:a="http://schemas.openxmlformats.org/drawingml/2006/main" xmlns:r="http://schemas.openxmlformats.org/officeDocument/2006/relationships" xmlns:p="http://schemas.openxmlformats.org/presentationml/2006/main" saveSubsetFonts="1">
   <p:sldMasterIdLst>
-    <p:sldMasterId id="2147483648" r:id="rId1"/>
+    <p:sldMasterId id="2147483788" r:id="rId1"/>
   </p:sldMasterIdLst>
   <p:notesMasterIdLst>
     <p:notesMasterId r:id="rId8"/>
@@ -21,7 +21,7 @@
     <a:defPPr>
       <a:defRPr lang="en-US"/>
     </a:defPPr>
-    <a:lvl1pPr marL="0" algn="l" defTabSz="914400" rtl="0" eaLnBrk="1" latinLnBrk="0" hangingPunct="1">
+    <a:lvl1pPr marL="0" algn="l" defTabSz="457200" rtl="0" eaLnBrk="1" latinLnBrk="0" hangingPunct="1">
       <a:defRPr sz="1800" kern="1200">
         <a:solidFill>
           <a:schemeClr val="tx1"/>
@@ -31,7 +31,7 @@
         <a:cs typeface="+mn-cs"/>
       </a:defRPr>
     </a:lvl1pPr>
-    <a:lvl2pPr marL="457200" algn="l" defTabSz="914400" rtl="0" eaLnBrk="1" latinLnBrk="0" hangingPunct="1">
+    <a:lvl2pPr marL="457200" algn="l" defTabSz="457200" rtl="0" eaLnBrk="1" latinLnBrk="0" hangingPunct="1">
       <a:defRPr sz="1800" kern="1200">
         <a:solidFill>
           <a:schemeClr val="tx1"/>
@@ -41,7 +41,7 @@
         <a:cs typeface="+mn-cs"/>
       </a:defRPr>
     </a:lvl2pPr>
-    <a:lvl3pPr marL="914400" algn="l" defTabSz="914400" rtl="0" eaLnBrk="1" latinLnBrk="0" hangingPunct="1">
+    <a:lvl3pPr marL="914400" algn="l" defTabSz="457200" rtl="0" eaLnBrk="1" latinLnBrk="0" hangingPunct="1">
       <a:defRPr sz="1800" kern="1200">
         <a:solidFill>
           <a:schemeClr val="tx1"/>
@@ -51,7 +51,7 @@
         <a:cs typeface="+mn-cs"/>
       </a:defRPr>
     </a:lvl3pPr>
-    <a:lvl4pPr marL="1371600" algn="l" defTabSz="914400" rtl="0" eaLnBrk="1" latinLnBrk="0" hangingPunct="1">
+    <a:lvl4pPr marL="1371600" algn="l" defTabSz="457200" rtl="0" eaLnBrk="1" latinLnBrk="0" hangingPunct="1">
       <a:defRPr sz="1800" kern="1200">
         <a:solidFill>
           <a:schemeClr val="tx1"/>
@@ -61,7 +61,7 @@
         <a:cs typeface="+mn-cs"/>
       </a:defRPr>
     </a:lvl4pPr>
-    <a:lvl5pPr marL="1828800" algn="l" defTabSz="914400" rtl="0" eaLnBrk="1" latinLnBrk="0" hangingPunct="1">
+    <a:lvl5pPr marL="1828800" algn="l" defTabSz="457200" rtl="0" eaLnBrk="1" latinLnBrk="0" hangingPunct="1">
       <a:defRPr sz="1800" kern="1200">
         <a:solidFill>
           <a:schemeClr val="tx1"/>
@@ -71,7 +71,7 @@
         <a:cs typeface="+mn-cs"/>
       </a:defRPr>
     </a:lvl5pPr>
-    <a:lvl6pPr marL="2286000" algn="l" defTabSz="914400" rtl="0" eaLnBrk="1" latinLnBrk="0" hangingPunct="1">
+    <a:lvl6pPr marL="2286000" algn="l" defTabSz="457200" rtl="0" eaLnBrk="1" latinLnBrk="0" hangingPunct="1">
       <a:defRPr sz="1800" kern="1200">
         <a:solidFill>
           <a:schemeClr val="tx1"/>
@@ -81,7 +81,7 @@
         <a:cs typeface="+mn-cs"/>
       </a:defRPr>
     </a:lvl6pPr>
-    <a:lvl7pPr marL="2743200" algn="l" defTabSz="914400" rtl="0" eaLnBrk="1" latinLnBrk="0" hangingPunct="1">
+    <a:lvl7pPr marL="2743200" algn="l" defTabSz="457200" rtl="0" eaLnBrk="1" latinLnBrk="0" hangingPunct="1">
       <a:defRPr sz="1800" kern="1200">
         <a:solidFill>
           <a:schemeClr val="tx1"/>
@@ -91,7 +91,7 @@
         <a:cs typeface="+mn-cs"/>
       </a:defRPr>
     </a:lvl7pPr>
-    <a:lvl8pPr marL="3200400" algn="l" defTabSz="914400" rtl="0" eaLnBrk="1" latinLnBrk="0" hangingPunct="1">
+    <a:lvl8pPr marL="3200400" algn="l" defTabSz="457200" rtl="0" eaLnBrk="1" latinLnBrk="0" hangingPunct="1">
       <a:defRPr sz="1800" kern="1200">
         <a:solidFill>
           <a:schemeClr val="tx1"/>
@@ -101,7 +101,7 @@
         <a:cs typeface="+mn-cs"/>
       </a:defRPr>
     </a:lvl8pPr>
-    <a:lvl9pPr marL="3657600" algn="l" defTabSz="914400" rtl="0" eaLnBrk="1" latinLnBrk="0" hangingPunct="1">
+    <a:lvl9pPr marL="3657600" algn="l" defTabSz="457200" rtl="0" eaLnBrk="1" latinLnBrk="0" hangingPunct="1">
       <a:defRPr sz="1800" kern="1200">
         <a:solidFill>
           <a:schemeClr val="tx1"/>
@@ -202,7 +202,7 @@
           <a:p>
             <a:fld id="{A352F656-1F15-40AA-BD1D-F14C42244769}" type="datetimeFigureOut">
               <a:rPr lang="en-US" smtClean="0"/>
-              <a:t>4/24/2019</a:t>
+              <a:t>4/25/2019</a:t>
             </a:fld>
             <a:endParaRPr lang="en-US"/>
           </a:p>
@@ -557,7 +557,7 @@
 </file>
 
 <file path=ppt/slideLayouts/slideLayout1.xml><?xml version="1.0" encoding="utf-8"?>
-<p:sldLayout xmlns:a="http://schemas.openxmlformats.org/drawingml/2006/main" xmlns:r="http://schemas.openxmlformats.org/officeDocument/2006/relationships" xmlns:p="http://schemas.openxmlformats.org/presentationml/2006/main" type="title" preserve="1">
+<p:sldLayout xmlns:a="http://schemas.openxmlformats.org/drawingml/2006/main" xmlns:r="http://schemas.openxmlformats.org/officeDocument/2006/relationships" xmlns:p="http://schemas.openxmlformats.org/presentationml/2006/main" showMasterSp="0" type="title" preserve="1">
   <p:cSld name="Title Slide">
     <p:spTree>
       <p:nvGrpSpPr>
@@ -573,15 +573,562 @@
           <a:chExt cx="0" cy="0"/>
         </a:xfrm>
       </p:grpSpPr>
-      <p:sp>
-        <p:nvSpPr>
-          <p:cNvPr id="2" name="Title 1">
-            <a:extLst>
-              <a:ext uri="{FF2B5EF4-FFF2-40B4-BE49-F238E27FC236}">
-                <a16:creationId xmlns:a16="http://schemas.microsoft.com/office/drawing/2014/main" id="{18F6255F-6A50-4B62-8AA5-C3AE42219DD9}"/>
-              </a:ext>
-            </a:extLst>
-          </p:cNvPr>
+      <p:grpSp>
+        <p:nvGrpSpPr>
+          <p:cNvPr id="16" name="Group 15"/>
+          <p:cNvGrpSpPr/>
+          <p:nvPr/>
+        </p:nvGrpSpPr>
+        <p:grpSpPr>
+          <a:xfrm>
+            <a:off x="0" y="-8467"/>
+            <a:ext cx="12192000" cy="6866467"/>
+            <a:chOff x="0" y="-8467"/>
+            <a:chExt cx="12192000" cy="6866467"/>
+          </a:xfrm>
+        </p:grpSpPr>
+        <p:sp>
+          <p:nvSpPr>
+            <p:cNvPr id="15" name="Freeform 14"/>
+            <p:cNvSpPr/>
+            <p:nvPr/>
+          </p:nvSpPr>
+          <p:spPr>
+            <a:xfrm>
+              <a:off x="0" y="-7862"/>
+              <a:ext cx="863600" cy="5698067"/>
+            </a:xfrm>
+            <a:custGeom>
+              <a:avLst/>
+              <a:gdLst/>
+              <a:ahLst/>
+              <a:cxnLst/>
+              <a:rect l="l" t="t" r="r" b="b"/>
+              <a:pathLst>
+                <a:path w="863600" h="5698067">
+                  <a:moveTo>
+                    <a:pt x="0" y="8467"/>
+                  </a:moveTo>
+                  <a:lnTo>
+                    <a:pt x="863600" y="0"/>
+                  </a:lnTo>
+                  <a:lnTo>
+                    <a:pt x="863600" y="16934"/>
+                  </a:lnTo>
+                  <a:lnTo>
+                    <a:pt x="0" y="5698067"/>
+                  </a:lnTo>
+                  <a:lnTo>
+                    <a:pt x="0" y="8467"/>
+                  </a:lnTo>
+                  <a:close/>
+                </a:path>
+              </a:pathLst>
+            </a:custGeom>
+            <a:solidFill>
+              <a:schemeClr val="accent1">
+                <a:alpha val="70000"/>
+              </a:schemeClr>
+            </a:solidFill>
+            <a:ln>
+              <a:noFill/>
+            </a:ln>
+            <a:effectLst/>
+          </p:spPr>
+          <p:style>
+            <a:lnRef idx="1">
+              <a:schemeClr val="accent1"/>
+            </a:lnRef>
+            <a:fillRef idx="3">
+              <a:schemeClr val="accent1"/>
+            </a:fillRef>
+            <a:effectRef idx="2">
+              <a:schemeClr val="accent1"/>
+            </a:effectRef>
+            <a:fontRef idx="minor">
+              <a:schemeClr val="lt1"/>
+            </a:fontRef>
+          </p:style>
+        </p:sp>
+        <p:cxnSp>
+          <p:nvCxnSpPr>
+            <p:cNvPr id="19" name="Straight Connector 18"/>
+            <p:cNvCxnSpPr/>
+            <p:nvPr/>
+          </p:nvCxnSpPr>
+          <p:spPr>
+            <a:xfrm>
+              <a:off x="9371012" y="0"/>
+              <a:ext cx="1219200" cy="6858000"/>
+            </a:xfrm>
+            <a:prstGeom prst="line">
+              <a:avLst/>
+            </a:prstGeom>
+            <a:ln w="9525">
+              <a:solidFill>
+                <a:schemeClr val="accent1">
+                  <a:alpha val="70000"/>
+                </a:schemeClr>
+              </a:solidFill>
+            </a:ln>
+          </p:spPr>
+          <p:style>
+            <a:lnRef idx="2">
+              <a:schemeClr val="accent1"/>
+            </a:lnRef>
+            <a:fillRef idx="0">
+              <a:schemeClr val="accent1"/>
+            </a:fillRef>
+            <a:effectRef idx="1">
+              <a:schemeClr val="accent1"/>
+            </a:effectRef>
+            <a:fontRef idx="minor">
+              <a:schemeClr val="tx1"/>
+            </a:fontRef>
+          </p:style>
+        </p:cxnSp>
+        <p:cxnSp>
+          <p:nvCxnSpPr>
+            <p:cNvPr id="20" name="Straight Connector 19"/>
+            <p:cNvCxnSpPr/>
+            <p:nvPr/>
+          </p:nvCxnSpPr>
+          <p:spPr>
+            <a:xfrm flipH="1">
+              <a:off x="7425267" y="3681413"/>
+              <a:ext cx="4763558" cy="3176587"/>
+            </a:xfrm>
+            <a:prstGeom prst="line">
+              <a:avLst/>
+            </a:prstGeom>
+            <a:ln w="9525">
+              <a:solidFill>
+                <a:schemeClr val="accent1">
+                  <a:alpha val="70000"/>
+                </a:schemeClr>
+              </a:solidFill>
+            </a:ln>
+          </p:spPr>
+          <p:style>
+            <a:lnRef idx="2">
+              <a:schemeClr val="accent1"/>
+            </a:lnRef>
+            <a:fillRef idx="0">
+              <a:schemeClr val="accent1"/>
+            </a:fillRef>
+            <a:effectRef idx="1">
+              <a:schemeClr val="accent1"/>
+            </a:effectRef>
+            <a:fontRef idx="minor">
+              <a:schemeClr val="tx1"/>
+            </a:fontRef>
+          </p:style>
+        </p:cxnSp>
+        <p:sp>
+          <p:nvSpPr>
+            <p:cNvPr id="21" name="Rectangle 23"/>
+            <p:cNvSpPr/>
+            <p:nvPr/>
+          </p:nvSpPr>
+          <p:spPr>
+            <a:xfrm>
+              <a:off x="9181476" y="-8467"/>
+              <a:ext cx="3007349" cy="6866467"/>
+            </a:xfrm>
+            <a:custGeom>
+              <a:avLst/>
+              <a:gdLst/>
+              <a:ahLst/>
+              <a:cxnLst/>
+              <a:rect l="l" t="t" r="r" b="b"/>
+              <a:pathLst>
+                <a:path w="3007349" h="6866467">
+                  <a:moveTo>
+                    <a:pt x="2045532" y="0"/>
+                  </a:moveTo>
+                  <a:lnTo>
+                    <a:pt x="3007349" y="0"/>
+                  </a:lnTo>
+                  <a:lnTo>
+                    <a:pt x="3007349" y="6866467"/>
+                  </a:lnTo>
+                  <a:lnTo>
+                    <a:pt x="0" y="6866467"/>
+                  </a:lnTo>
+                  <a:lnTo>
+                    <a:pt x="2045532" y="0"/>
+                  </a:lnTo>
+                  <a:close/>
+                </a:path>
+              </a:pathLst>
+            </a:custGeom>
+            <a:solidFill>
+              <a:schemeClr val="accent1">
+                <a:alpha val="36000"/>
+              </a:schemeClr>
+            </a:solidFill>
+            <a:ln>
+              <a:noFill/>
+            </a:ln>
+            <a:effectLst/>
+          </p:spPr>
+          <p:style>
+            <a:lnRef idx="1">
+              <a:schemeClr val="accent1"/>
+            </a:lnRef>
+            <a:fillRef idx="3">
+              <a:schemeClr val="accent1"/>
+            </a:fillRef>
+            <a:effectRef idx="2">
+              <a:schemeClr val="accent1"/>
+            </a:effectRef>
+            <a:fontRef idx="minor">
+              <a:schemeClr val="lt1"/>
+            </a:fontRef>
+          </p:style>
+        </p:sp>
+        <p:sp>
+          <p:nvSpPr>
+            <p:cNvPr id="22" name="Rectangle 25"/>
+            <p:cNvSpPr/>
+            <p:nvPr/>
+          </p:nvSpPr>
+          <p:spPr>
+            <a:xfrm>
+              <a:off x="9603442" y="-8467"/>
+              <a:ext cx="2588558" cy="6866467"/>
+            </a:xfrm>
+            <a:custGeom>
+              <a:avLst/>
+              <a:gdLst/>
+              <a:ahLst/>
+              <a:cxnLst/>
+              <a:rect l="l" t="t" r="r" b="b"/>
+              <a:pathLst>
+                <a:path w="2573311" h="6866467">
+                  <a:moveTo>
+                    <a:pt x="0" y="0"/>
+                  </a:moveTo>
+                  <a:lnTo>
+                    <a:pt x="2573311" y="0"/>
+                  </a:lnTo>
+                  <a:lnTo>
+                    <a:pt x="2573311" y="6866467"/>
+                  </a:lnTo>
+                  <a:lnTo>
+                    <a:pt x="1202336" y="6866467"/>
+                  </a:lnTo>
+                  <a:lnTo>
+                    <a:pt x="0" y="0"/>
+                  </a:lnTo>
+                  <a:close/>
+                </a:path>
+              </a:pathLst>
+            </a:custGeom>
+            <a:solidFill>
+              <a:schemeClr val="accent1">
+                <a:alpha val="20000"/>
+              </a:schemeClr>
+            </a:solidFill>
+            <a:ln>
+              <a:noFill/>
+            </a:ln>
+            <a:effectLst/>
+          </p:spPr>
+          <p:style>
+            <a:lnRef idx="1">
+              <a:schemeClr val="accent1"/>
+            </a:lnRef>
+            <a:fillRef idx="3">
+              <a:schemeClr val="accent1"/>
+            </a:fillRef>
+            <a:effectRef idx="2">
+              <a:schemeClr val="accent1"/>
+            </a:effectRef>
+            <a:fontRef idx="minor">
+              <a:schemeClr val="lt1"/>
+            </a:fontRef>
+          </p:style>
+        </p:sp>
+        <p:sp>
+          <p:nvSpPr>
+            <p:cNvPr id="23" name="Isosceles Triangle 22"/>
+            <p:cNvSpPr/>
+            <p:nvPr/>
+          </p:nvSpPr>
+          <p:spPr>
+            <a:xfrm>
+              <a:off x="8932333" y="3048000"/>
+              <a:ext cx="3259667" cy="3810000"/>
+            </a:xfrm>
+            <a:prstGeom prst="triangle">
+              <a:avLst>
+                <a:gd name="adj" fmla="val 100000"/>
+              </a:avLst>
+            </a:prstGeom>
+            <a:solidFill>
+              <a:schemeClr val="accent1">
+                <a:lumMod val="75000"/>
+                <a:alpha val="66000"/>
+              </a:schemeClr>
+            </a:solidFill>
+            <a:ln>
+              <a:noFill/>
+            </a:ln>
+            <a:effectLst/>
+          </p:spPr>
+          <p:style>
+            <a:lnRef idx="1">
+              <a:schemeClr val="accent1"/>
+            </a:lnRef>
+            <a:fillRef idx="3">
+              <a:schemeClr val="accent1"/>
+            </a:fillRef>
+            <a:effectRef idx="2">
+              <a:schemeClr val="accent1"/>
+            </a:effectRef>
+            <a:fontRef idx="minor">
+              <a:schemeClr val="lt1"/>
+            </a:fontRef>
+          </p:style>
+        </p:sp>
+        <p:sp>
+          <p:nvSpPr>
+            <p:cNvPr id="24" name="Rectangle 27"/>
+            <p:cNvSpPr/>
+            <p:nvPr/>
+          </p:nvSpPr>
+          <p:spPr>
+            <a:xfrm>
+              <a:off x="9334500" y="-8467"/>
+              <a:ext cx="2854326" cy="6866467"/>
+            </a:xfrm>
+            <a:custGeom>
+              <a:avLst/>
+              <a:gdLst/>
+              <a:ahLst/>
+              <a:cxnLst/>
+              <a:rect l="l" t="t" r="r" b="b"/>
+              <a:pathLst>
+                <a:path w="2858013" h="6866467">
+                  <a:moveTo>
+                    <a:pt x="0" y="0"/>
+                  </a:moveTo>
+                  <a:lnTo>
+                    <a:pt x="2858013" y="0"/>
+                  </a:lnTo>
+                  <a:lnTo>
+                    <a:pt x="2858013" y="6866467"/>
+                  </a:lnTo>
+                  <a:lnTo>
+                    <a:pt x="2473942" y="6866467"/>
+                  </a:lnTo>
+                  <a:lnTo>
+                    <a:pt x="0" y="0"/>
+                  </a:lnTo>
+                  <a:close/>
+                </a:path>
+              </a:pathLst>
+            </a:custGeom>
+            <a:solidFill>
+              <a:schemeClr val="accent1">
+                <a:lumMod val="75000"/>
+                <a:alpha val="50000"/>
+              </a:schemeClr>
+            </a:solidFill>
+            <a:ln>
+              <a:noFill/>
+            </a:ln>
+            <a:effectLst/>
+          </p:spPr>
+          <p:style>
+            <a:lnRef idx="1">
+              <a:schemeClr val="accent1"/>
+            </a:lnRef>
+            <a:fillRef idx="3">
+              <a:schemeClr val="accent1"/>
+            </a:fillRef>
+            <a:effectRef idx="2">
+              <a:schemeClr val="accent1"/>
+            </a:effectRef>
+            <a:fontRef idx="minor">
+              <a:schemeClr val="lt1"/>
+            </a:fontRef>
+          </p:style>
+        </p:sp>
+        <p:sp>
+          <p:nvSpPr>
+            <p:cNvPr id="25" name="Rectangle 28"/>
+            <p:cNvSpPr/>
+            <p:nvPr/>
+          </p:nvSpPr>
+          <p:spPr>
+            <a:xfrm>
+              <a:off x="10898730" y="-8467"/>
+              <a:ext cx="1290094" cy="6866467"/>
+            </a:xfrm>
+            <a:custGeom>
+              <a:avLst/>
+              <a:gdLst/>
+              <a:ahLst/>
+              <a:cxnLst/>
+              <a:rect l="l" t="t" r="r" b="b"/>
+              <a:pathLst>
+                <a:path w="1290094" h="6858000">
+                  <a:moveTo>
+                    <a:pt x="1019735" y="0"/>
+                  </a:moveTo>
+                  <a:lnTo>
+                    <a:pt x="1290094" y="0"/>
+                  </a:lnTo>
+                  <a:lnTo>
+                    <a:pt x="1290094" y="6858000"/>
+                  </a:lnTo>
+                  <a:lnTo>
+                    <a:pt x="0" y="6858000"/>
+                  </a:lnTo>
+                  <a:lnTo>
+                    <a:pt x="1019735" y="0"/>
+                  </a:lnTo>
+                  <a:close/>
+                </a:path>
+              </a:pathLst>
+            </a:custGeom>
+            <a:solidFill>
+              <a:schemeClr val="accent2">
+                <a:alpha val="70000"/>
+              </a:schemeClr>
+            </a:solidFill>
+            <a:ln>
+              <a:noFill/>
+            </a:ln>
+            <a:effectLst/>
+          </p:spPr>
+          <p:style>
+            <a:lnRef idx="1">
+              <a:schemeClr val="accent1"/>
+            </a:lnRef>
+            <a:fillRef idx="3">
+              <a:schemeClr val="accent1"/>
+            </a:fillRef>
+            <a:effectRef idx="2">
+              <a:schemeClr val="accent1"/>
+            </a:effectRef>
+            <a:fontRef idx="minor">
+              <a:schemeClr val="lt1"/>
+            </a:fontRef>
+          </p:style>
+        </p:sp>
+        <p:sp>
+          <p:nvSpPr>
+            <p:cNvPr id="26" name="Rectangle 29"/>
+            <p:cNvSpPr/>
+            <p:nvPr/>
+          </p:nvSpPr>
+          <p:spPr>
+            <a:xfrm>
+              <a:off x="10938999" y="-8467"/>
+              <a:ext cx="1249825" cy="6866467"/>
+            </a:xfrm>
+            <a:custGeom>
+              <a:avLst/>
+              <a:gdLst/>
+              <a:ahLst/>
+              <a:cxnLst/>
+              <a:rect l="l" t="t" r="r" b="b"/>
+              <a:pathLst>
+                <a:path w="1249825" h="6858000">
+                  <a:moveTo>
+                    <a:pt x="0" y="0"/>
+                  </a:moveTo>
+                  <a:lnTo>
+                    <a:pt x="1249825" y="0"/>
+                  </a:lnTo>
+                  <a:lnTo>
+                    <a:pt x="1249825" y="6858000"/>
+                  </a:lnTo>
+                  <a:lnTo>
+                    <a:pt x="1109382" y="6858000"/>
+                  </a:lnTo>
+                  <a:lnTo>
+                    <a:pt x="0" y="0"/>
+                  </a:lnTo>
+                  <a:close/>
+                </a:path>
+              </a:pathLst>
+            </a:custGeom>
+            <a:solidFill>
+              <a:schemeClr val="accent2">
+                <a:lumMod val="75000"/>
+                <a:alpha val="80000"/>
+              </a:schemeClr>
+            </a:solidFill>
+            <a:ln>
+              <a:noFill/>
+            </a:ln>
+            <a:effectLst/>
+          </p:spPr>
+          <p:style>
+            <a:lnRef idx="1">
+              <a:schemeClr val="accent1"/>
+            </a:lnRef>
+            <a:fillRef idx="3">
+              <a:schemeClr val="accent1"/>
+            </a:fillRef>
+            <a:effectRef idx="2">
+              <a:schemeClr val="accent1"/>
+            </a:effectRef>
+            <a:fontRef idx="minor">
+              <a:schemeClr val="lt1"/>
+            </a:fontRef>
+          </p:style>
+        </p:sp>
+        <p:sp>
+          <p:nvSpPr>
+            <p:cNvPr id="27" name="Isosceles Triangle 26"/>
+            <p:cNvSpPr/>
+            <p:nvPr/>
+          </p:nvSpPr>
+          <p:spPr>
+            <a:xfrm>
+              <a:off x="10371666" y="3589867"/>
+              <a:ext cx="1817159" cy="3268133"/>
+            </a:xfrm>
+            <a:prstGeom prst="triangle">
+              <a:avLst>
+                <a:gd name="adj" fmla="val 100000"/>
+              </a:avLst>
+            </a:prstGeom>
+            <a:solidFill>
+              <a:schemeClr val="accent1">
+                <a:lumMod val="75000"/>
+                <a:alpha val="66000"/>
+              </a:schemeClr>
+            </a:solidFill>
+            <a:ln>
+              <a:noFill/>
+            </a:ln>
+            <a:effectLst/>
+          </p:spPr>
+          <p:style>
+            <a:lnRef idx="1">
+              <a:schemeClr val="accent1"/>
+            </a:lnRef>
+            <a:fillRef idx="3">
+              <a:schemeClr val="accent1"/>
+            </a:fillRef>
+            <a:effectRef idx="2">
+              <a:schemeClr val="accent1"/>
+            </a:effectRef>
+            <a:fontRef idx="minor">
+              <a:schemeClr val="lt1"/>
+            </a:fontRef>
+          </p:style>
+        </p:sp>
+      </p:grpSp>
+      <p:sp>
+        <p:nvSpPr>
+          <p:cNvPr id="2" name="Title 1"/>
           <p:cNvSpPr>
             <a:spLocks noGrp="1"/>
           </p:cNvSpPr>
@@ -591,15 +1138,21 @@
         </p:nvSpPr>
         <p:spPr>
           <a:xfrm>
-            <a:off x="1524000" y="1122363"/>
-            <a:ext cx="9144000" cy="2387600"/>
+            <a:off x="1507067" y="2404534"/>
+            <a:ext cx="7766936" cy="1646302"/>
           </a:xfrm>
         </p:spPr>
         <p:txBody>
-          <a:bodyPr anchor="b"/>
+          <a:bodyPr anchor="b">
+            <a:noAutofit/>
+          </a:bodyPr>
           <a:lstStyle>
-            <a:lvl1pPr algn="ctr">
-              <a:defRPr sz="6000"/>
+            <a:lvl1pPr algn="r">
+              <a:defRPr sz="5400">
+                <a:solidFill>
+                  <a:schemeClr val="accent1"/>
+                </a:solidFill>
+              </a:defRPr>
             </a:lvl1pPr>
           </a:lstStyle>
           <a:p>
@@ -607,18 +1160,13 @@
               <a:rPr lang="en-US"/>
               <a:t>Click to edit Master title style</a:t>
             </a:r>
-          </a:p>
-        </p:txBody>
-      </p:sp>
-      <p:sp>
-        <p:nvSpPr>
-          <p:cNvPr id="3" name="Subtitle 2">
-            <a:extLst>
-              <a:ext uri="{FF2B5EF4-FFF2-40B4-BE49-F238E27FC236}">
-                <a16:creationId xmlns:a16="http://schemas.microsoft.com/office/drawing/2014/main" id="{365FB4D0-360A-4A3C-AABB-2BA1F5AC30D1}"/>
-              </a:ext>
-            </a:extLst>
-          </p:cNvPr>
+            <a:endParaRPr lang="en-US" dirty="0"/>
+          </a:p>
+        </p:txBody>
+      </p:sp>
+      <p:sp>
+        <p:nvSpPr>
+          <p:cNvPr id="3" name="Subtitle 2"/>
           <p:cNvSpPr>
             <a:spLocks noGrp="1"/>
           </p:cNvSpPr>
@@ -628,48 +1176,103 @@
         </p:nvSpPr>
         <p:spPr>
           <a:xfrm>
-            <a:off x="1524000" y="3602038"/>
-            <a:ext cx="9144000" cy="1655762"/>
+            <a:off x="1507067" y="4050833"/>
+            <a:ext cx="7766936" cy="1096899"/>
           </a:xfrm>
         </p:spPr>
         <p:txBody>
-          <a:bodyPr/>
+          <a:bodyPr anchor="t"/>
           <a:lstStyle>
-            <a:lvl1pPr marL="0" indent="0" algn="ctr">
-              <a:buNone/>
-              <a:defRPr sz="2400"/>
+            <a:lvl1pPr marL="0" indent="0" algn="r">
+              <a:buNone/>
+              <a:defRPr>
+                <a:solidFill>
+                  <a:schemeClr val="tx1">
+                    <a:lumMod val="50000"/>
+                    <a:lumOff val="50000"/>
+                  </a:schemeClr>
+                </a:solidFill>
+              </a:defRPr>
             </a:lvl1pPr>
             <a:lvl2pPr marL="457200" indent="0" algn="ctr">
               <a:buNone/>
-              <a:defRPr sz="2000"/>
+              <a:defRPr>
+                <a:solidFill>
+                  <a:schemeClr val="tx1">
+                    <a:tint val="75000"/>
+                  </a:schemeClr>
+                </a:solidFill>
+              </a:defRPr>
             </a:lvl2pPr>
             <a:lvl3pPr marL="914400" indent="0" algn="ctr">
               <a:buNone/>
-              <a:defRPr sz="1800"/>
+              <a:defRPr>
+                <a:solidFill>
+                  <a:schemeClr val="tx1">
+                    <a:tint val="75000"/>
+                  </a:schemeClr>
+                </a:solidFill>
+              </a:defRPr>
             </a:lvl3pPr>
             <a:lvl4pPr marL="1371600" indent="0" algn="ctr">
               <a:buNone/>
-              <a:defRPr sz="1600"/>
+              <a:defRPr>
+                <a:solidFill>
+                  <a:schemeClr val="tx1">
+                    <a:tint val="75000"/>
+                  </a:schemeClr>
+                </a:solidFill>
+              </a:defRPr>
             </a:lvl4pPr>
             <a:lvl5pPr marL="1828800" indent="0" algn="ctr">
               <a:buNone/>
-              <a:defRPr sz="1600"/>
+              <a:defRPr>
+                <a:solidFill>
+                  <a:schemeClr val="tx1">
+                    <a:tint val="75000"/>
+                  </a:schemeClr>
+                </a:solidFill>
+              </a:defRPr>
             </a:lvl5pPr>
             <a:lvl6pPr marL="2286000" indent="0" algn="ctr">
               <a:buNone/>
-              <a:defRPr sz="1600"/>
+              <a:defRPr>
+                <a:solidFill>
+                  <a:schemeClr val="tx1">
+                    <a:tint val="75000"/>
+                  </a:schemeClr>
+                </a:solidFill>
+              </a:defRPr>
             </a:lvl6pPr>
             <a:lvl7pPr marL="2743200" indent="0" algn="ctr">
               <a:buNone/>
-              <a:defRPr sz="1600"/>
+              <a:defRPr>
+                <a:solidFill>
+                  <a:schemeClr val="tx1">
+                    <a:tint val="75000"/>
+                  </a:schemeClr>
+                </a:solidFill>
+              </a:defRPr>
             </a:lvl7pPr>
             <a:lvl8pPr marL="3200400" indent="0" algn="ctr">
               <a:buNone/>
-              <a:defRPr sz="1600"/>
+              <a:defRPr>
+                <a:solidFill>
+                  <a:schemeClr val="tx1">
+                    <a:tint val="75000"/>
+                  </a:schemeClr>
+                </a:solidFill>
+              </a:defRPr>
             </a:lvl8pPr>
             <a:lvl9pPr marL="3657600" indent="0" algn="ctr">
               <a:buNone/>
-              <a:defRPr sz="1600"/>
+              <a:defRPr>
+                <a:solidFill>
+                  <a:schemeClr val="tx1">
+                    <a:tint val="75000"/>
+                  </a:schemeClr>
+                </a:solidFill>
+              </a:defRPr>
             </a:lvl9pPr>
           </a:lstStyle>
           <a:p>
@@ -677,18 +1280,13 @@
               <a:rPr lang="en-US"/>
               <a:t>Click to edit Master subtitle style</a:t>
             </a:r>
-          </a:p>
-        </p:txBody>
-      </p:sp>
-      <p:sp>
-        <p:nvSpPr>
-          <p:cNvPr id="4" name="Date Placeholder 3">
-            <a:extLst>
-              <a:ext uri="{FF2B5EF4-FFF2-40B4-BE49-F238E27FC236}">
-                <a16:creationId xmlns:a16="http://schemas.microsoft.com/office/drawing/2014/main" id="{40237227-6E62-4E5E-9894-BF5404455D56}"/>
-              </a:ext>
-            </a:extLst>
-          </p:cNvPr>
+            <a:endParaRPr lang="en-US" dirty="0"/>
+          </a:p>
+        </p:txBody>
+      </p:sp>
+      <p:sp>
+        <p:nvSpPr>
+          <p:cNvPr id="4" name="Date Placeholder 3"/>
           <p:cNvSpPr>
             <a:spLocks noGrp="1"/>
           </p:cNvSpPr>
@@ -703,7 +1301,7 @@
           <a:p>
             <a:fld id="{1E95B060-CB76-45B8-9159-E2C13ACFFB3A}" type="datetimeFigureOut">
               <a:rPr lang="en-US" smtClean="0"/>
-              <a:t>4/24/2019</a:t>
+              <a:t>4/25/2019</a:t>
             </a:fld>
             <a:endParaRPr lang="en-US"/>
           </a:p>
@@ -711,13 +1309,7 @@
       </p:sp>
       <p:sp>
         <p:nvSpPr>
-          <p:cNvPr id="5" name="Footer Placeholder 4">
-            <a:extLst>
-              <a:ext uri="{FF2B5EF4-FFF2-40B4-BE49-F238E27FC236}">
-                <a16:creationId xmlns:a16="http://schemas.microsoft.com/office/drawing/2014/main" id="{AC96A734-D3E6-4233-8A49-12EA935951BE}"/>
-              </a:ext>
-            </a:extLst>
-          </p:cNvPr>
+          <p:cNvPr id="5" name="Footer Placeholder 4"/>
           <p:cNvSpPr>
             <a:spLocks noGrp="1"/>
           </p:cNvSpPr>
@@ -736,13 +1328,7 @@
       </p:sp>
       <p:sp>
         <p:nvSpPr>
-          <p:cNvPr id="6" name="Slide Number Placeholder 5">
-            <a:extLst>
-              <a:ext uri="{FF2B5EF4-FFF2-40B4-BE49-F238E27FC236}">
-                <a16:creationId xmlns:a16="http://schemas.microsoft.com/office/drawing/2014/main" id="{D861EC15-309D-4D14-BC17-4DBC82182199}"/>
-              </a:ext>
-            </a:extLst>
-          </p:cNvPr>
+          <p:cNvPr id="6" name="Slide Number Placeholder 5"/>
           <p:cNvSpPr>
             <a:spLocks noGrp="1"/>
           </p:cNvSpPr>
@@ -766,7 +1352,7 @@
     </p:spTree>
     <p:extLst>
       <p:ext uri="{BB962C8B-B14F-4D97-AF65-F5344CB8AC3E}">
-        <p14:creationId xmlns:p14="http://schemas.microsoft.com/office/powerpoint/2010/main" val="3075306561"/>
+        <p14:creationId xmlns:p14="http://schemas.microsoft.com/office/powerpoint/2010/main" val="554945840"/>
       </p:ext>
     </p:extLst>
   </p:cSld>
@@ -777,6 +1363,1611 @@
 </file>
 
 <file path=ppt/slideLayouts/slideLayout10.xml><?xml version="1.0" encoding="utf-8"?>
+<p:sldLayout xmlns:a="http://schemas.openxmlformats.org/drawingml/2006/main" xmlns:r="http://schemas.openxmlformats.org/officeDocument/2006/relationships" xmlns:p="http://schemas.openxmlformats.org/presentationml/2006/main" preserve="1">
+  <p:cSld name="Title and Caption">
+    <p:spTree>
+      <p:nvGrpSpPr>
+        <p:cNvPr id="1" name=""/>
+        <p:cNvGrpSpPr/>
+        <p:nvPr/>
+      </p:nvGrpSpPr>
+      <p:grpSpPr>
+        <a:xfrm>
+          <a:off x="0" y="0"/>
+          <a:ext cx="0" cy="0"/>
+          <a:chOff x="0" y="0"/>
+          <a:chExt cx="0" cy="0"/>
+        </a:xfrm>
+      </p:grpSpPr>
+      <p:sp>
+        <p:nvSpPr>
+          <p:cNvPr id="2" name="Title 1"/>
+          <p:cNvSpPr>
+            <a:spLocks noGrp="1"/>
+          </p:cNvSpPr>
+          <p:nvPr>
+            <p:ph type="title"/>
+          </p:nvPr>
+        </p:nvSpPr>
+        <p:spPr>
+          <a:xfrm>
+            <a:off x="677335" y="609600"/>
+            <a:ext cx="8596668" cy="3403600"/>
+          </a:xfrm>
+        </p:spPr>
+        <p:txBody>
+          <a:bodyPr anchor="ctr">
+            <a:normAutofit/>
+          </a:bodyPr>
+          <a:lstStyle>
+            <a:lvl1pPr algn="l">
+              <a:defRPr sz="4400" b="0" cap="none"/>
+            </a:lvl1pPr>
+          </a:lstStyle>
+          <a:p>
+            <a:r>
+              <a:rPr lang="en-US"/>
+              <a:t>Click to edit Master title style</a:t>
+            </a:r>
+            <a:endParaRPr lang="en-US" dirty="0"/>
+          </a:p>
+        </p:txBody>
+      </p:sp>
+      <p:sp>
+        <p:nvSpPr>
+          <p:cNvPr id="3" name="Text Placeholder 2"/>
+          <p:cNvSpPr>
+            <a:spLocks noGrp="1"/>
+          </p:cNvSpPr>
+          <p:nvPr>
+            <p:ph type="body" idx="1"/>
+          </p:nvPr>
+        </p:nvSpPr>
+        <p:spPr>
+          <a:xfrm>
+            <a:off x="677335" y="4470400"/>
+            <a:ext cx="8596668" cy="1570962"/>
+          </a:xfrm>
+        </p:spPr>
+        <p:txBody>
+          <a:bodyPr anchor="ctr">
+            <a:normAutofit/>
+          </a:bodyPr>
+          <a:lstStyle>
+            <a:lvl1pPr marL="0" indent="0" algn="l">
+              <a:buNone/>
+              <a:defRPr sz="1800">
+                <a:solidFill>
+                  <a:schemeClr val="tx1">
+                    <a:lumMod val="75000"/>
+                    <a:lumOff val="25000"/>
+                  </a:schemeClr>
+                </a:solidFill>
+              </a:defRPr>
+            </a:lvl1pPr>
+            <a:lvl2pPr marL="457200" indent="0">
+              <a:buNone/>
+              <a:defRPr sz="1800">
+                <a:solidFill>
+                  <a:schemeClr val="tx1">
+                    <a:tint val="75000"/>
+                  </a:schemeClr>
+                </a:solidFill>
+              </a:defRPr>
+            </a:lvl2pPr>
+            <a:lvl3pPr marL="914400" indent="0">
+              <a:buNone/>
+              <a:defRPr sz="1600">
+                <a:solidFill>
+                  <a:schemeClr val="tx1">
+                    <a:tint val="75000"/>
+                  </a:schemeClr>
+                </a:solidFill>
+              </a:defRPr>
+            </a:lvl3pPr>
+            <a:lvl4pPr marL="1371600" indent="0">
+              <a:buNone/>
+              <a:defRPr sz="1400">
+                <a:solidFill>
+                  <a:schemeClr val="tx1">
+                    <a:tint val="75000"/>
+                  </a:schemeClr>
+                </a:solidFill>
+              </a:defRPr>
+            </a:lvl4pPr>
+            <a:lvl5pPr marL="1828800" indent="0">
+              <a:buNone/>
+              <a:defRPr sz="1400">
+                <a:solidFill>
+                  <a:schemeClr val="tx1">
+                    <a:tint val="75000"/>
+                  </a:schemeClr>
+                </a:solidFill>
+              </a:defRPr>
+            </a:lvl5pPr>
+            <a:lvl6pPr marL="2286000" indent="0">
+              <a:buNone/>
+              <a:defRPr sz="1400">
+                <a:solidFill>
+                  <a:schemeClr val="tx1">
+                    <a:tint val="75000"/>
+                  </a:schemeClr>
+                </a:solidFill>
+              </a:defRPr>
+            </a:lvl6pPr>
+            <a:lvl7pPr marL="2743200" indent="0">
+              <a:buNone/>
+              <a:defRPr sz="1400">
+                <a:solidFill>
+                  <a:schemeClr val="tx1">
+                    <a:tint val="75000"/>
+                  </a:schemeClr>
+                </a:solidFill>
+              </a:defRPr>
+            </a:lvl7pPr>
+            <a:lvl8pPr marL="3200400" indent="0">
+              <a:buNone/>
+              <a:defRPr sz="1400">
+                <a:solidFill>
+                  <a:schemeClr val="tx1">
+                    <a:tint val="75000"/>
+                  </a:schemeClr>
+                </a:solidFill>
+              </a:defRPr>
+            </a:lvl8pPr>
+            <a:lvl9pPr marL="3657600" indent="0">
+              <a:buNone/>
+              <a:defRPr sz="1400">
+                <a:solidFill>
+                  <a:schemeClr val="tx1">
+                    <a:tint val="75000"/>
+                  </a:schemeClr>
+                </a:solidFill>
+              </a:defRPr>
+            </a:lvl9pPr>
+          </a:lstStyle>
+          <a:p>
+            <a:pPr lvl="0"/>
+            <a:r>
+              <a:rPr lang="en-US"/>
+              <a:t>Click to edit Master text styles</a:t>
+            </a:r>
+          </a:p>
+        </p:txBody>
+      </p:sp>
+      <p:sp>
+        <p:nvSpPr>
+          <p:cNvPr id="4" name="Date Placeholder 3"/>
+          <p:cNvSpPr>
+            <a:spLocks noGrp="1"/>
+          </p:cNvSpPr>
+          <p:nvPr>
+            <p:ph type="dt" sz="half" idx="10"/>
+          </p:nvPr>
+        </p:nvSpPr>
+        <p:spPr/>
+        <p:txBody>
+          <a:bodyPr/>
+          <a:lstStyle/>
+          <a:p>
+            <a:fld id="{1E95B060-CB76-45B8-9159-E2C13ACFFB3A}" type="datetimeFigureOut">
+              <a:rPr lang="en-US" smtClean="0"/>
+              <a:t>4/25/2019</a:t>
+            </a:fld>
+            <a:endParaRPr lang="en-US"/>
+          </a:p>
+        </p:txBody>
+      </p:sp>
+      <p:sp>
+        <p:nvSpPr>
+          <p:cNvPr id="5" name="Footer Placeholder 4"/>
+          <p:cNvSpPr>
+            <a:spLocks noGrp="1"/>
+          </p:cNvSpPr>
+          <p:nvPr>
+            <p:ph type="ftr" sz="quarter" idx="11"/>
+          </p:nvPr>
+        </p:nvSpPr>
+        <p:spPr/>
+        <p:txBody>
+          <a:bodyPr/>
+          <a:lstStyle/>
+          <a:p>
+            <a:endParaRPr lang="en-US"/>
+          </a:p>
+        </p:txBody>
+      </p:sp>
+      <p:sp>
+        <p:nvSpPr>
+          <p:cNvPr id="6" name="Slide Number Placeholder 5"/>
+          <p:cNvSpPr>
+            <a:spLocks noGrp="1"/>
+          </p:cNvSpPr>
+          <p:nvPr>
+            <p:ph type="sldNum" sz="quarter" idx="12"/>
+          </p:nvPr>
+        </p:nvSpPr>
+        <p:spPr/>
+        <p:txBody>
+          <a:bodyPr/>
+          <a:lstStyle/>
+          <a:p>
+            <a:fld id="{5755F6BA-53F5-41C7-8D83-20FB62785C97}" type="slidenum">
+              <a:rPr lang="en-US" smtClean="0"/>
+              <a:t>‹#›</a:t>
+            </a:fld>
+            <a:endParaRPr lang="en-US"/>
+          </a:p>
+        </p:txBody>
+      </p:sp>
+    </p:spTree>
+    <p:extLst>
+      <p:ext uri="{BB962C8B-B14F-4D97-AF65-F5344CB8AC3E}">
+        <p14:creationId xmlns:p14="http://schemas.microsoft.com/office/powerpoint/2010/main" val="2657160791"/>
+      </p:ext>
+    </p:extLst>
+  </p:cSld>
+  <p:clrMapOvr>
+    <a:masterClrMapping/>
+  </p:clrMapOvr>
+</p:sldLayout>
+</file>
+
+<file path=ppt/slideLayouts/slideLayout11.xml><?xml version="1.0" encoding="utf-8"?>
+<p:sldLayout xmlns:a="http://schemas.openxmlformats.org/drawingml/2006/main" xmlns:r="http://schemas.openxmlformats.org/officeDocument/2006/relationships" xmlns:p="http://schemas.openxmlformats.org/presentationml/2006/main" preserve="1">
+  <p:cSld name="Quote with Caption">
+    <p:spTree>
+      <p:nvGrpSpPr>
+        <p:cNvPr id="1" name=""/>
+        <p:cNvGrpSpPr/>
+        <p:nvPr/>
+      </p:nvGrpSpPr>
+      <p:grpSpPr>
+        <a:xfrm>
+          <a:off x="0" y="0"/>
+          <a:ext cx="0" cy="0"/>
+          <a:chOff x="0" y="0"/>
+          <a:chExt cx="0" cy="0"/>
+        </a:xfrm>
+      </p:grpSpPr>
+      <p:sp>
+        <p:nvSpPr>
+          <p:cNvPr id="2" name="Title 1"/>
+          <p:cNvSpPr>
+            <a:spLocks noGrp="1"/>
+          </p:cNvSpPr>
+          <p:nvPr>
+            <p:ph type="title"/>
+          </p:nvPr>
+        </p:nvSpPr>
+        <p:spPr>
+          <a:xfrm>
+            <a:off x="931334" y="609600"/>
+            <a:ext cx="8094134" cy="3022600"/>
+          </a:xfrm>
+        </p:spPr>
+        <p:txBody>
+          <a:bodyPr anchor="ctr">
+            <a:normAutofit/>
+          </a:bodyPr>
+          <a:lstStyle>
+            <a:lvl1pPr algn="l">
+              <a:defRPr sz="4400" b="0" cap="none"/>
+            </a:lvl1pPr>
+          </a:lstStyle>
+          <a:p>
+            <a:r>
+              <a:rPr lang="en-US"/>
+              <a:t>Click to edit Master title style</a:t>
+            </a:r>
+            <a:endParaRPr lang="en-US" dirty="0"/>
+          </a:p>
+        </p:txBody>
+      </p:sp>
+      <p:sp>
+        <p:nvSpPr>
+          <p:cNvPr id="23" name="Text Placeholder 9"/>
+          <p:cNvSpPr>
+            <a:spLocks noGrp="1"/>
+          </p:cNvSpPr>
+          <p:nvPr>
+            <p:ph type="body" sz="quarter" idx="13"/>
+          </p:nvPr>
+        </p:nvSpPr>
+        <p:spPr>
+          <a:xfrm>
+            <a:off x="1366139" y="3632200"/>
+            <a:ext cx="7224524" cy="381000"/>
+          </a:xfrm>
+        </p:spPr>
+        <p:txBody>
+          <a:bodyPr anchor="ctr">
+            <a:noAutofit/>
+          </a:bodyPr>
+          <a:lstStyle>
+            <a:lvl1pPr marL="0" indent="0">
+              <a:buFontTx/>
+              <a:buNone/>
+              <a:defRPr sz="1600">
+                <a:solidFill>
+                  <a:schemeClr val="tx1">
+                    <a:lumMod val="50000"/>
+                    <a:lumOff val="50000"/>
+                  </a:schemeClr>
+                </a:solidFill>
+              </a:defRPr>
+            </a:lvl1pPr>
+            <a:lvl2pPr marL="457200" indent="0">
+              <a:buFontTx/>
+              <a:buNone/>
+              <a:defRPr/>
+            </a:lvl2pPr>
+            <a:lvl3pPr marL="914400" indent="0">
+              <a:buFontTx/>
+              <a:buNone/>
+              <a:defRPr/>
+            </a:lvl3pPr>
+            <a:lvl4pPr marL="1371600" indent="0">
+              <a:buFontTx/>
+              <a:buNone/>
+              <a:defRPr/>
+            </a:lvl4pPr>
+            <a:lvl5pPr marL="1828800" indent="0">
+              <a:buFontTx/>
+              <a:buNone/>
+              <a:defRPr/>
+            </a:lvl5pPr>
+          </a:lstStyle>
+          <a:p>
+            <a:pPr lvl="0"/>
+            <a:r>
+              <a:rPr lang="en-US"/>
+              <a:t>Click to edit Master text styles</a:t>
+            </a:r>
+          </a:p>
+        </p:txBody>
+      </p:sp>
+      <p:sp>
+        <p:nvSpPr>
+          <p:cNvPr id="3" name="Text Placeholder 2"/>
+          <p:cNvSpPr>
+            <a:spLocks noGrp="1"/>
+          </p:cNvSpPr>
+          <p:nvPr>
+            <p:ph type="body" idx="1"/>
+          </p:nvPr>
+        </p:nvSpPr>
+        <p:spPr>
+          <a:xfrm>
+            <a:off x="677335" y="4470400"/>
+            <a:ext cx="8596668" cy="1570962"/>
+          </a:xfrm>
+        </p:spPr>
+        <p:txBody>
+          <a:bodyPr anchor="ctr">
+            <a:normAutofit/>
+          </a:bodyPr>
+          <a:lstStyle>
+            <a:lvl1pPr marL="0" indent="0" algn="l">
+              <a:buNone/>
+              <a:defRPr sz="1800">
+                <a:solidFill>
+                  <a:schemeClr val="tx1">
+                    <a:lumMod val="75000"/>
+                    <a:lumOff val="25000"/>
+                  </a:schemeClr>
+                </a:solidFill>
+              </a:defRPr>
+            </a:lvl1pPr>
+            <a:lvl2pPr marL="457200" indent="0">
+              <a:buNone/>
+              <a:defRPr sz="1800">
+                <a:solidFill>
+                  <a:schemeClr val="tx1">
+                    <a:tint val="75000"/>
+                  </a:schemeClr>
+                </a:solidFill>
+              </a:defRPr>
+            </a:lvl2pPr>
+            <a:lvl3pPr marL="914400" indent="0">
+              <a:buNone/>
+              <a:defRPr sz="1600">
+                <a:solidFill>
+                  <a:schemeClr val="tx1">
+                    <a:tint val="75000"/>
+                  </a:schemeClr>
+                </a:solidFill>
+              </a:defRPr>
+            </a:lvl3pPr>
+            <a:lvl4pPr marL="1371600" indent="0">
+              <a:buNone/>
+              <a:defRPr sz="1400">
+                <a:solidFill>
+                  <a:schemeClr val="tx1">
+                    <a:tint val="75000"/>
+                  </a:schemeClr>
+                </a:solidFill>
+              </a:defRPr>
+            </a:lvl4pPr>
+            <a:lvl5pPr marL="1828800" indent="0">
+              <a:buNone/>
+              <a:defRPr sz="1400">
+                <a:solidFill>
+                  <a:schemeClr val="tx1">
+                    <a:tint val="75000"/>
+                  </a:schemeClr>
+                </a:solidFill>
+              </a:defRPr>
+            </a:lvl5pPr>
+            <a:lvl6pPr marL="2286000" indent="0">
+              <a:buNone/>
+              <a:defRPr sz="1400">
+                <a:solidFill>
+                  <a:schemeClr val="tx1">
+                    <a:tint val="75000"/>
+                  </a:schemeClr>
+                </a:solidFill>
+              </a:defRPr>
+            </a:lvl6pPr>
+            <a:lvl7pPr marL="2743200" indent="0">
+              <a:buNone/>
+              <a:defRPr sz="1400">
+                <a:solidFill>
+                  <a:schemeClr val="tx1">
+                    <a:tint val="75000"/>
+                  </a:schemeClr>
+                </a:solidFill>
+              </a:defRPr>
+            </a:lvl7pPr>
+            <a:lvl8pPr marL="3200400" indent="0">
+              <a:buNone/>
+              <a:defRPr sz="1400">
+                <a:solidFill>
+                  <a:schemeClr val="tx1">
+                    <a:tint val="75000"/>
+                  </a:schemeClr>
+                </a:solidFill>
+              </a:defRPr>
+            </a:lvl8pPr>
+            <a:lvl9pPr marL="3657600" indent="0">
+              <a:buNone/>
+              <a:defRPr sz="1400">
+                <a:solidFill>
+                  <a:schemeClr val="tx1">
+                    <a:tint val="75000"/>
+                  </a:schemeClr>
+                </a:solidFill>
+              </a:defRPr>
+            </a:lvl9pPr>
+          </a:lstStyle>
+          <a:p>
+            <a:pPr lvl="0"/>
+            <a:r>
+              <a:rPr lang="en-US"/>
+              <a:t>Click to edit Master text styles</a:t>
+            </a:r>
+          </a:p>
+        </p:txBody>
+      </p:sp>
+      <p:sp>
+        <p:nvSpPr>
+          <p:cNvPr id="4" name="Date Placeholder 3"/>
+          <p:cNvSpPr>
+            <a:spLocks noGrp="1"/>
+          </p:cNvSpPr>
+          <p:nvPr>
+            <p:ph type="dt" sz="half" idx="10"/>
+          </p:nvPr>
+        </p:nvSpPr>
+        <p:spPr/>
+        <p:txBody>
+          <a:bodyPr/>
+          <a:lstStyle/>
+          <a:p>
+            <a:fld id="{1E95B060-CB76-45B8-9159-E2C13ACFFB3A}" type="datetimeFigureOut">
+              <a:rPr lang="en-US" smtClean="0"/>
+              <a:t>4/25/2019</a:t>
+            </a:fld>
+            <a:endParaRPr lang="en-US"/>
+          </a:p>
+        </p:txBody>
+      </p:sp>
+      <p:sp>
+        <p:nvSpPr>
+          <p:cNvPr id="5" name="Footer Placeholder 4"/>
+          <p:cNvSpPr>
+            <a:spLocks noGrp="1"/>
+          </p:cNvSpPr>
+          <p:nvPr>
+            <p:ph type="ftr" sz="quarter" idx="11"/>
+          </p:nvPr>
+        </p:nvSpPr>
+        <p:spPr/>
+        <p:txBody>
+          <a:bodyPr/>
+          <a:lstStyle/>
+          <a:p>
+            <a:endParaRPr lang="en-US"/>
+          </a:p>
+        </p:txBody>
+      </p:sp>
+      <p:sp>
+        <p:nvSpPr>
+          <p:cNvPr id="6" name="Slide Number Placeholder 5"/>
+          <p:cNvSpPr>
+            <a:spLocks noGrp="1"/>
+          </p:cNvSpPr>
+          <p:nvPr>
+            <p:ph type="sldNum" sz="quarter" idx="12"/>
+          </p:nvPr>
+        </p:nvSpPr>
+        <p:spPr/>
+        <p:txBody>
+          <a:bodyPr/>
+          <a:lstStyle/>
+          <a:p>
+            <a:fld id="{5755F6BA-53F5-41C7-8D83-20FB62785C97}" type="slidenum">
+              <a:rPr lang="en-US" smtClean="0"/>
+              <a:t>‹#›</a:t>
+            </a:fld>
+            <a:endParaRPr lang="en-US"/>
+          </a:p>
+        </p:txBody>
+      </p:sp>
+      <p:sp>
+        <p:nvSpPr>
+          <p:cNvPr id="24" name="TextBox 23"/>
+          <p:cNvSpPr txBox="1"/>
+          <p:nvPr/>
+        </p:nvSpPr>
+        <p:spPr>
+          <a:xfrm>
+            <a:off x="541870" y="790378"/>
+            <a:ext cx="609600" cy="584776"/>
+          </a:xfrm>
+          <a:prstGeom prst="rect">
+            <a:avLst/>
+          </a:prstGeom>
+        </p:spPr>
+        <p:txBody>
+          <a:bodyPr vert="horz" lIns="91440" tIns="45720" rIns="91440" bIns="45720" rtlCol="0" anchor="ctr">
+            <a:noAutofit/>
+          </a:bodyPr>
+          <a:lstStyle/>
+          <a:p>
+            <a:pPr lvl="0"/>
+            <a:r>
+              <a:rPr lang="en-US" sz="8000" baseline="0" dirty="0">
+                <a:ln w="3175" cmpd="sng">
+                  <a:noFill/>
+                </a:ln>
+                <a:solidFill>
+                  <a:schemeClr val="accent1">
+                    <a:lumMod val="60000"/>
+                    <a:lumOff val="40000"/>
+                  </a:schemeClr>
+                </a:solidFill>
+                <a:effectLst/>
+                <a:latin typeface="Arial"/>
+              </a:rPr>
+              <a:t>“</a:t>
+            </a:r>
+          </a:p>
+        </p:txBody>
+      </p:sp>
+      <p:sp>
+        <p:nvSpPr>
+          <p:cNvPr id="25" name="TextBox 24"/>
+          <p:cNvSpPr txBox="1"/>
+          <p:nvPr/>
+        </p:nvSpPr>
+        <p:spPr>
+          <a:xfrm>
+            <a:off x="8893011" y="2886556"/>
+            <a:ext cx="609600" cy="584776"/>
+          </a:xfrm>
+          <a:prstGeom prst="rect">
+            <a:avLst/>
+          </a:prstGeom>
+        </p:spPr>
+        <p:txBody>
+          <a:bodyPr vert="horz" lIns="91440" tIns="45720" rIns="91440" bIns="45720" rtlCol="0" anchor="ctr">
+            <a:noAutofit/>
+          </a:bodyPr>
+          <a:lstStyle/>
+          <a:p>
+            <a:pPr lvl="0"/>
+            <a:r>
+              <a:rPr lang="en-US" sz="8000" baseline="0" dirty="0">
+                <a:ln w="3175" cmpd="sng">
+                  <a:noFill/>
+                </a:ln>
+                <a:solidFill>
+                  <a:schemeClr val="accent1">
+                    <a:lumMod val="60000"/>
+                    <a:lumOff val="40000"/>
+                  </a:schemeClr>
+                </a:solidFill>
+                <a:effectLst/>
+                <a:latin typeface="Arial"/>
+              </a:rPr>
+              <a:t>”</a:t>
+            </a:r>
+          </a:p>
+        </p:txBody>
+      </p:sp>
+    </p:spTree>
+    <p:extLst>
+      <p:ext uri="{BB962C8B-B14F-4D97-AF65-F5344CB8AC3E}">
+        <p14:creationId xmlns:p14="http://schemas.microsoft.com/office/powerpoint/2010/main" val="762514223"/>
+      </p:ext>
+    </p:extLst>
+  </p:cSld>
+  <p:clrMapOvr>
+    <a:masterClrMapping/>
+  </p:clrMapOvr>
+</p:sldLayout>
+</file>
+
+<file path=ppt/slideLayouts/slideLayout12.xml><?xml version="1.0" encoding="utf-8"?>
+<p:sldLayout xmlns:a="http://schemas.openxmlformats.org/drawingml/2006/main" xmlns:r="http://schemas.openxmlformats.org/officeDocument/2006/relationships" xmlns:p="http://schemas.openxmlformats.org/presentationml/2006/main" preserve="1">
+  <p:cSld name="Name Card">
+    <p:spTree>
+      <p:nvGrpSpPr>
+        <p:cNvPr id="1" name=""/>
+        <p:cNvGrpSpPr/>
+        <p:nvPr/>
+      </p:nvGrpSpPr>
+      <p:grpSpPr>
+        <a:xfrm>
+          <a:off x="0" y="0"/>
+          <a:ext cx="0" cy="0"/>
+          <a:chOff x="0" y="0"/>
+          <a:chExt cx="0" cy="0"/>
+        </a:xfrm>
+      </p:grpSpPr>
+      <p:sp>
+        <p:nvSpPr>
+          <p:cNvPr id="2" name="Title 1"/>
+          <p:cNvSpPr>
+            <a:spLocks noGrp="1"/>
+          </p:cNvSpPr>
+          <p:nvPr>
+            <p:ph type="title"/>
+          </p:nvPr>
+        </p:nvSpPr>
+        <p:spPr>
+          <a:xfrm>
+            <a:off x="677335" y="1931988"/>
+            <a:ext cx="8596668" cy="2595460"/>
+          </a:xfrm>
+        </p:spPr>
+        <p:txBody>
+          <a:bodyPr anchor="b">
+            <a:normAutofit/>
+          </a:bodyPr>
+          <a:lstStyle>
+            <a:lvl1pPr algn="l">
+              <a:defRPr sz="4400" b="0" cap="none"/>
+            </a:lvl1pPr>
+          </a:lstStyle>
+          <a:p>
+            <a:r>
+              <a:rPr lang="en-US"/>
+              <a:t>Click to edit Master title style</a:t>
+            </a:r>
+            <a:endParaRPr lang="en-US" dirty="0"/>
+          </a:p>
+        </p:txBody>
+      </p:sp>
+      <p:sp>
+        <p:nvSpPr>
+          <p:cNvPr id="3" name="Text Placeholder 2"/>
+          <p:cNvSpPr>
+            <a:spLocks noGrp="1"/>
+          </p:cNvSpPr>
+          <p:nvPr>
+            <p:ph type="body" idx="1"/>
+          </p:nvPr>
+        </p:nvSpPr>
+        <p:spPr>
+          <a:xfrm>
+            <a:off x="677335" y="4527448"/>
+            <a:ext cx="8596668" cy="1513914"/>
+          </a:xfrm>
+        </p:spPr>
+        <p:txBody>
+          <a:bodyPr anchor="t">
+            <a:normAutofit/>
+          </a:bodyPr>
+          <a:lstStyle>
+            <a:lvl1pPr marL="0" indent="0" algn="l">
+              <a:buNone/>
+              <a:defRPr sz="1800">
+                <a:solidFill>
+                  <a:schemeClr val="tx1">
+                    <a:lumMod val="75000"/>
+                    <a:lumOff val="25000"/>
+                  </a:schemeClr>
+                </a:solidFill>
+              </a:defRPr>
+            </a:lvl1pPr>
+            <a:lvl2pPr marL="457200" indent="0">
+              <a:buNone/>
+              <a:defRPr sz="1800">
+                <a:solidFill>
+                  <a:schemeClr val="tx1">
+                    <a:tint val="75000"/>
+                  </a:schemeClr>
+                </a:solidFill>
+              </a:defRPr>
+            </a:lvl2pPr>
+            <a:lvl3pPr marL="914400" indent="0">
+              <a:buNone/>
+              <a:defRPr sz="1600">
+                <a:solidFill>
+                  <a:schemeClr val="tx1">
+                    <a:tint val="75000"/>
+                  </a:schemeClr>
+                </a:solidFill>
+              </a:defRPr>
+            </a:lvl3pPr>
+            <a:lvl4pPr marL="1371600" indent="0">
+              <a:buNone/>
+              <a:defRPr sz="1400">
+                <a:solidFill>
+                  <a:schemeClr val="tx1">
+                    <a:tint val="75000"/>
+                  </a:schemeClr>
+                </a:solidFill>
+              </a:defRPr>
+            </a:lvl4pPr>
+            <a:lvl5pPr marL="1828800" indent="0">
+              <a:buNone/>
+              <a:defRPr sz="1400">
+                <a:solidFill>
+                  <a:schemeClr val="tx1">
+                    <a:tint val="75000"/>
+                  </a:schemeClr>
+                </a:solidFill>
+              </a:defRPr>
+            </a:lvl5pPr>
+            <a:lvl6pPr marL="2286000" indent="0">
+              <a:buNone/>
+              <a:defRPr sz="1400">
+                <a:solidFill>
+                  <a:schemeClr val="tx1">
+                    <a:tint val="75000"/>
+                  </a:schemeClr>
+                </a:solidFill>
+              </a:defRPr>
+            </a:lvl6pPr>
+            <a:lvl7pPr marL="2743200" indent="0">
+              <a:buNone/>
+              <a:defRPr sz="1400">
+                <a:solidFill>
+                  <a:schemeClr val="tx1">
+                    <a:tint val="75000"/>
+                  </a:schemeClr>
+                </a:solidFill>
+              </a:defRPr>
+            </a:lvl7pPr>
+            <a:lvl8pPr marL="3200400" indent="0">
+              <a:buNone/>
+              <a:defRPr sz="1400">
+                <a:solidFill>
+                  <a:schemeClr val="tx1">
+                    <a:tint val="75000"/>
+                  </a:schemeClr>
+                </a:solidFill>
+              </a:defRPr>
+            </a:lvl8pPr>
+            <a:lvl9pPr marL="3657600" indent="0">
+              <a:buNone/>
+              <a:defRPr sz="1400">
+                <a:solidFill>
+                  <a:schemeClr val="tx1">
+                    <a:tint val="75000"/>
+                  </a:schemeClr>
+                </a:solidFill>
+              </a:defRPr>
+            </a:lvl9pPr>
+          </a:lstStyle>
+          <a:p>
+            <a:pPr lvl="0"/>
+            <a:r>
+              <a:rPr lang="en-US"/>
+              <a:t>Click to edit Master text styles</a:t>
+            </a:r>
+          </a:p>
+        </p:txBody>
+      </p:sp>
+      <p:sp>
+        <p:nvSpPr>
+          <p:cNvPr id="4" name="Date Placeholder 3"/>
+          <p:cNvSpPr>
+            <a:spLocks noGrp="1"/>
+          </p:cNvSpPr>
+          <p:nvPr>
+            <p:ph type="dt" sz="half" idx="10"/>
+          </p:nvPr>
+        </p:nvSpPr>
+        <p:spPr/>
+        <p:txBody>
+          <a:bodyPr/>
+          <a:lstStyle/>
+          <a:p>
+            <a:fld id="{1E95B060-CB76-45B8-9159-E2C13ACFFB3A}" type="datetimeFigureOut">
+              <a:rPr lang="en-US" smtClean="0"/>
+              <a:t>4/25/2019</a:t>
+            </a:fld>
+            <a:endParaRPr lang="en-US"/>
+          </a:p>
+        </p:txBody>
+      </p:sp>
+      <p:sp>
+        <p:nvSpPr>
+          <p:cNvPr id="5" name="Footer Placeholder 4"/>
+          <p:cNvSpPr>
+            <a:spLocks noGrp="1"/>
+          </p:cNvSpPr>
+          <p:nvPr>
+            <p:ph type="ftr" sz="quarter" idx="11"/>
+          </p:nvPr>
+        </p:nvSpPr>
+        <p:spPr/>
+        <p:txBody>
+          <a:bodyPr/>
+          <a:lstStyle/>
+          <a:p>
+            <a:endParaRPr lang="en-US"/>
+          </a:p>
+        </p:txBody>
+      </p:sp>
+      <p:sp>
+        <p:nvSpPr>
+          <p:cNvPr id="6" name="Slide Number Placeholder 5"/>
+          <p:cNvSpPr>
+            <a:spLocks noGrp="1"/>
+          </p:cNvSpPr>
+          <p:nvPr>
+            <p:ph type="sldNum" sz="quarter" idx="12"/>
+          </p:nvPr>
+        </p:nvSpPr>
+        <p:spPr/>
+        <p:txBody>
+          <a:bodyPr/>
+          <a:lstStyle/>
+          <a:p>
+            <a:fld id="{5755F6BA-53F5-41C7-8D83-20FB62785C97}" type="slidenum">
+              <a:rPr lang="en-US" smtClean="0"/>
+              <a:t>‹#›</a:t>
+            </a:fld>
+            <a:endParaRPr lang="en-US"/>
+          </a:p>
+        </p:txBody>
+      </p:sp>
+    </p:spTree>
+    <p:extLst>
+      <p:ext uri="{BB962C8B-B14F-4D97-AF65-F5344CB8AC3E}">
+        <p14:creationId xmlns:p14="http://schemas.microsoft.com/office/powerpoint/2010/main" val="1544368509"/>
+      </p:ext>
+    </p:extLst>
+  </p:cSld>
+  <p:clrMapOvr>
+    <a:masterClrMapping/>
+  </p:clrMapOvr>
+</p:sldLayout>
+</file>
+
+<file path=ppt/slideLayouts/slideLayout13.xml><?xml version="1.0" encoding="utf-8"?>
+<p:sldLayout xmlns:a="http://schemas.openxmlformats.org/drawingml/2006/main" xmlns:r="http://schemas.openxmlformats.org/officeDocument/2006/relationships" xmlns:p="http://schemas.openxmlformats.org/presentationml/2006/main" preserve="1">
+  <p:cSld name="Quote Name Card">
+    <p:spTree>
+      <p:nvGrpSpPr>
+        <p:cNvPr id="1" name=""/>
+        <p:cNvGrpSpPr/>
+        <p:nvPr/>
+      </p:nvGrpSpPr>
+      <p:grpSpPr>
+        <a:xfrm>
+          <a:off x="0" y="0"/>
+          <a:ext cx="0" cy="0"/>
+          <a:chOff x="0" y="0"/>
+          <a:chExt cx="0" cy="0"/>
+        </a:xfrm>
+      </p:grpSpPr>
+      <p:sp>
+        <p:nvSpPr>
+          <p:cNvPr id="2" name="Title 1"/>
+          <p:cNvSpPr>
+            <a:spLocks noGrp="1"/>
+          </p:cNvSpPr>
+          <p:nvPr>
+            <p:ph type="title"/>
+          </p:nvPr>
+        </p:nvSpPr>
+        <p:spPr>
+          <a:xfrm>
+            <a:off x="931334" y="609600"/>
+            <a:ext cx="8094134" cy="3022600"/>
+          </a:xfrm>
+        </p:spPr>
+        <p:txBody>
+          <a:bodyPr anchor="ctr">
+            <a:normAutofit/>
+          </a:bodyPr>
+          <a:lstStyle>
+            <a:lvl1pPr algn="l">
+              <a:defRPr sz="4400" b="0" cap="none"/>
+            </a:lvl1pPr>
+          </a:lstStyle>
+          <a:p>
+            <a:r>
+              <a:rPr lang="en-US"/>
+              <a:t>Click to edit Master title style</a:t>
+            </a:r>
+            <a:endParaRPr lang="en-US" dirty="0"/>
+          </a:p>
+        </p:txBody>
+      </p:sp>
+      <p:sp>
+        <p:nvSpPr>
+          <p:cNvPr id="23" name="Text Placeholder 9"/>
+          <p:cNvSpPr>
+            <a:spLocks noGrp="1"/>
+          </p:cNvSpPr>
+          <p:nvPr>
+            <p:ph type="body" sz="quarter" idx="13"/>
+          </p:nvPr>
+        </p:nvSpPr>
+        <p:spPr>
+          <a:xfrm>
+            <a:off x="677332" y="4013200"/>
+            <a:ext cx="8596669" cy="514248"/>
+          </a:xfrm>
+        </p:spPr>
+        <p:txBody>
+          <a:bodyPr anchor="b">
+            <a:noAutofit/>
+          </a:bodyPr>
+          <a:lstStyle>
+            <a:lvl1pPr marL="0" indent="0">
+              <a:buFontTx/>
+              <a:buNone/>
+              <a:defRPr sz="2400">
+                <a:solidFill>
+                  <a:schemeClr val="tx1">
+                    <a:lumMod val="75000"/>
+                    <a:lumOff val="25000"/>
+                  </a:schemeClr>
+                </a:solidFill>
+              </a:defRPr>
+            </a:lvl1pPr>
+            <a:lvl2pPr marL="457200" indent="0">
+              <a:buFontTx/>
+              <a:buNone/>
+              <a:defRPr/>
+            </a:lvl2pPr>
+            <a:lvl3pPr marL="914400" indent="0">
+              <a:buFontTx/>
+              <a:buNone/>
+              <a:defRPr/>
+            </a:lvl3pPr>
+            <a:lvl4pPr marL="1371600" indent="0">
+              <a:buFontTx/>
+              <a:buNone/>
+              <a:defRPr/>
+            </a:lvl4pPr>
+            <a:lvl5pPr marL="1828800" indent="0">
+              <a:buFontTx/>
+              <a:buNone/>
+              <a:defRPr/>
+            </a:lvl5pPr>
+          </a:lstStyle>
+          <a:p>
+            <a:pPr lvl="0"/>
+            <a:r>
+              <a:rPr lang="en-US"/>
+              <a:t>Click to edit Master text styles</a:t>
+            </a:r>
+          </a:p>
+        </p:txBody>
+      </p:sp>
+      <p:sp>
+        <p:nvSpPr>
+          <p:cNvPr id="3" name="Text Placeholder 2"/>
+          <p:cNvSpPr>
+            <a:spLocks noGrp="1"/>
+          </p:cNvSpPr>
+          <p:nvPr>
+            <p:ph type="body" idx="1"/>
+          </p:nvPr>
+        </p:nvSpPr>
+        <p:spPr>
+          <a:xfrm>
+            <a:off x="677335" y="4527448"/>
+            <a:ext cx="8596668" cy="1513914"/>
+          </a:xfrm>
+        </p:spPr>
+        <p:txBody>
+          <a:bodyPr anchor="t">
+            <a:normAutofit/>
+          </a:bodyPr>
+          <a:lstStyle>
+            <a:lvl1pPr marL="0" indent="0" algn="l">
+              <a:buNone/>
+              <a:defRPr sz="1800">
+                <a:solidFill>
+                  <a:schemeClr val="tx1">
+                    <a:lumMod val="50000"/>
+                    <a:lumOff val="50000"/>
+                  </a:schemeClr>
+                </a:solidFill>
+              </a:defRPr>
+            </a:lvl1pPr>
+            <a:lvl2pPr marL="457200" indent="0">
+              <a:buNone/>
+              <a:defRPr sz="1800">
+                <a:solidFill>
+                  <a:schemeClr val="tx1">
+                    <a:tint val="75000"/>
+                  </a:schemeClr>
+                </a:solidFill>
+              </a:defRPr>
+            </a:lvl2pPr>
+            <a:lvl3pPr marL="914400" indent="0">
+              <a:buNone/>
+              <a:defRPr sz="1600">
+                <a:solidFill>
+                  <a:schemeClr val="tx1">
+                    <a:tint val="75000"/>
+                  </a:schemeClr>
+                </a:solidFill>
+              </a:defRPr>
+            </a:lvl3pPr>
+            <a:lvl4pPr marL="1371600" indent="0">
+              <a:buNone/>
+              <a:defRPr sz="1400">
+                <a:solidFill>
+                  <a:schemeClr val="tx1">
+                    <a:tint val="75000"/>
+                  </a:schemeClr>
+                </a:solidFill>
+              </a:defRPr>
+            </a:lvl4pPr>
+            <a:lvl5pPr marL="1828800" indent="0">
+              <a:buNone/>
+              <a:defRPr sz="1400">
+                <a:solidFill>
+                  <a:schemeClr val="tx1">
+                    <a:tint val="75000"/>
+                  </a:schemeClr>
+                </a:solidFill>
+              </a:defRPr>
+            </a:lvl5pPr>
+            <a:lvl6pPr marL="2286000" indent="0">
+              <a:buNone/>
+              <a:defRPr sz="1400">
+                <a:solidFill>
+                  <a:schemeClr val="tx1">
+                    <a:tint val="75000"/>
+                  </a:schemeClr>
+                </a:solidFill>
+              </a:defRPr>
+            </a:lvl6pPr>
+            <a:lvl7pPr marL="2743200" indent="0">
+              <a:buNone/>
+              <a:defRPr sz="1400">
+                <a:solidFill>
+                  <a:schemeClr val="tx1">
+                    <a:tint val="75000"/>
+                  </a:schemeClr>
+                </a:solidFill>
+              </a:defRPr>
+            </a:lvl7pPr>
+            <a:lvl8pPr marL="3200400" indent="0">
+              <a:buNone/>
+              <a:defRPr sz="1400">
+                <a:solidFill>
+                  <a:schemeClr val="tx1">
+                    <a:tint val="75000"/>
+                  </a:schemeClr>
+                </a:solidFill>
+              </a:defRPr>
+            </a:lvl8pPr>
+            <a:lvl9pPr marL="3657600" indent="0">
+              <a:buNone/>
+              <a:defRPr sz="1400">
+                <a:solidFill>
+                  <a:schemeClr val="tx1">
+                    <a:tint val="75000"/>
+                  </a:schemeClr>
+                </a:solidFill>
+              </a:defRPr>
+            </a:lvl9pPr>
+          </a:lstStyle>
+          <a:p>
+            <a:pPr lvl="0"/>
+            <a:r>
+              <a:rPr lang="en-US"/>
+              <a:t>Click to edit Master text styles</a:t>
+            </a:r>
+          </a:p>
+        </p:txBody>
+      </p:sp>
+      <p:sp>
+        <p:nvSpPr>
+          <p:cNvPr id="4" name="Date Placeholder 3"/>
+          <p:cNvSpPr>
+            <a:spLocks noGrp="1"/>
+          </p:cNvSpPr>
+          <p:nvPr>
+            <p:ph type="dt" sz="half" idx="10"/>
+          </p:nvPr>
+        </p:nvSpPr>
+        <p:spPr/>
+        <p:txBody>
+          <a:bodyPr/>
+          <a:lstStyle/>
+          <a:p>
+            <a:fld id="{1E95B060-CB76-45B8-9159-E2C13ACFFB3A}" type="datetimeFigureOut">
+              <a:rPr lang="en-US" smtClean="0"/>
+              <a:t>4/25/2019</a:t>
+            </a:fld>
+            <a:endParaRPr lang="en-US"/>
+          </a:p>
+        </p:txBody>
+      </p:sp>
+      <p:sp>
+        <p:nvSpPr>
+          <p:cNvPr id="5" name="Footer Placeholder 4"/>
+          <p:cNvSpPr>
+            <a:spLocks noGrp="1"/>
+          </p:cNvSpPr>
+          <p:nvPr>
+            <p:ph type="ftr" sz="quarter" idx="11"/>
+          </p:nvPr>
+        </p:nvSpPr>
+        <p:spPr/>
+        <p:txBody>
+          <a:bodyPr/>
+          <a:lstStyle/>
+          <a:p>
+            <a:endParaRPr lang="en-US"/>
+          </a:p>
+        </p:txBody>
+      </p:sp>
+      <p:sp>
+        <p:nvSpPr>
+          <p:cNvPr id="6" name="Slide Number Placeholder 5"/>
+          <p:cNvSpPr>
+            <a:spLocks noGrp="1"/>
+          </p:cNvSpPr>
+          <p:nvPr>
+            <p:ph type="sldNum" sz="quarter" idx="12"/>
+          </p:nvPr>
+        </p:nvSpPr>
+        <p:spPr/>
+        <p:txBody>
+          <a:bodyPr/>
+          <a:lstStyle/>
+          <a:p>
+            <a:fld id="{5755F6BA-53F5-41C7-8D83-20FB62785C97}" type="slidenum">
+              <a:rPr lang="en-US" smtClean="0"/>
+              <a:t>‹#›</a:t>
+            </a:fld>
+            <a:endParaRPr lang="en-US"/>
+          </a:p>
+        </p:txBody>
+      </p:sp>
+      <p:sp>
+        <p:nvSpPr>
+          <p:cNvPr id="24" name="TextBox 23"/>
+          <p:cNvSpPr txBox="1"/>
+          <p:nvPr/>
+        </p:nvSpPr>
+        <p:spPr>
+          <a:xfrm>
+            <a:off x="541870" y="790378"/>
+            <a:ext cx="609600" cy="584776"/>
+          </a:xfrm>
+          <a:prstGeom prst="rect">
+            <a:avLst/>
+          </a:prstGeom>
+        </p:spPr>
+        <p:txBody>
+          <a:bodyPr vert="horz" lIns="91440" tIns="45720" rIns="91440" bIns="45720" rtlCol="0" anchor="ctr">
+            <a:noAutofit/>
+          </a:bodyPr>
+          <a:lstStyle/>
+          <a:p>
+            <a:pPr lvl="0"/>
+            <a:r>
+              <a:rPr lang="en-US" sz="8000" baseline="0" dirty="0">
+                <a:ln w="3175" cmpd="sng">
+                  <a:noFill/>
+                </a:ln>
+                <a:solidFill>
+                  <a:schemeClr val="accent1">
+                    <a:lumMod val="60000"/>
+                    <a:lumOff val="40000"/>
+                  </a:schemeClr>
+                </a:solidFill>
+                <a:effectLst/>
+                <a:latin typeface="Arial"/>
+              </a:rPr>
+              <a:t>“</a:t>
+            </a:r>
+          </a:p>
+        </p:txBody>
+      </p:sp>
+      <p:sp>
+        <p:nvSpPr>
+          <p:cNvPr id="25" name="TextBox 24"/>
+          <p:cNvSpPr txBox="1"/>
+          <p:nvPr/>
+        </p:nvSpPr>
+        <p:spPr>
+          <a:xfrm>
+            <a:off x="8893011" y="2886556"/>
+            <a:ext cx="609600" cy="584776"/>
+          </a:xfrm>
+          <a:prstGeom prst="rect">
+            <a:avLst/>
+          </a:prstGeom>
+        </p:spPr>
+        <p:txBody>
+          <a:bodyPr vert="horz" lIns="91440" tIns="45720" rIns="91440" bIns="45720" rtlCol="0" anchor="ctr">
+            <a:noAutofit/>
+          </a:bodyPr>
+          <a:lstStyle/>
+          <a:p>
+            <a:pPr lvl="0"/>
+            <a:r>
+              <a:rPr lang="en-US" sz="8000" baseline="0" dirty="0">
+                <a:ln w="3175" cmpd="sng">
+                  <a:noFill/>
+                </a:ln>
+                <a:solidFill>
+                  <a:schemeClr val="accent1">
+                    <a:lumMod val="60000"/>
+                    <a:lumOff val="40000"/>
+                  </a:schemeClr>
+                </a:solidFill>
+                <a:effectLst/>
+                <a:latin typeface="Arial"/>
+              </a:rPr>
+              <a:t>”</a:t>
+            </a:r>
+          </a:p>
+        </p:txBody>
+      </p:sp>
+    </p:spTree>
+    <p:extLst>
+      <p:ext uri="{BB962C8B-B14F-4D97-AF65-F5344CB8AC3E}">
+        <p14:creationId xmlns:p14="http://schemas.microsoft.com/office/powerpoint/2010/main" val="3207558994"/>
+      </p:ext>
+    </p:extLst>
+  </p:cSld>
+  <p:clrMapOvr>
+    <a:masterClrMapping/>
+  </p:clrMapOvr>
+</p:sldLayout>
+</file>
+
+<file path=ppt/slideLayouts/slideLayout14.xml><?xml version="1.0" encoding="utf-8"?>
+<p:sldLayout xmlns:a="http://schemas.openxmlformats.org/drawingml/2006/main" xmlns:r="http://schemas.openxmlformats.org/officeDocument/2006/relationships" xmlns:p="http://schemas.openxmlformats.org/presentationml/2006/main" preserve="1">
+  <p:cSld name="True or False">
+    <p:spTree>
+      <p:nvGrpSpPr>
+        <p:cNvPr id="1" name=""/>
+        <p:cNvGrpSpPr/>
+        <p:nvPr/>
+      </p:nvGrpSpPr>
+      <p:grpSpPr>
+        <a:xfrm>
+          <a:off x="0" y="0"/>
+          <a:ext cx="0" cy="0"/>
+          <a:chOff x="0" y="0"/>
+          <a:chExt cx="0" cy="0"/>
+        </a:xfrm>
+      </p:grpSpPr>
+      <p:sp>
+        <p:nvSpPr>
+          <p:cNvPr id="2" name="Title 1"/>
+          <p:cNvSpPr>
+            <a:spLocks noGrp="1"/>
+          </p:cNvSpPr>
+          <p:nvPr>
+            <p:ph type="title"/>
+          </p:nvPr>
+        </p:nvSpPr>
+        <p:spPr>
+          <a:xfrm>
+            <a:off x="685799" y="609600"/>
+            <a:ext cx="8588203" cy="3022600"/>
+          </a:xfrm>
+        </p:spPr>
+        <p:txBody>
+          <a:bodyPr anchor="ctr">
+            <a:normAutofit/>
+          </a:bodyPr>
+          <a:lstStyle>
+            <a:lvl1pPr algn="l">
+              <a:defRPr sz="4400" b="0" cap="none"/>
+            </a:lvl1pPr>
+          </a:lstStyle>
+          <a:p>
+            <a:r>
+              <a:rPr lang="en-US"/>
+              <a:t>Click to edit Master title style</a:t>
+            </a:r>
+            <a:endParaRPr lang="en-US" dirty="0"/>
+          </a:p>
+        </p:txBody>
+      </p:sp>
+      <p:sp>
+        <p:nvSpPr>
+          <p:cNvPr id="23" name="Text Placeholder 9"/>
+          <p:cNvSpPr>
+            <a:spLocks noGrp="1"/>
+          </p:cNvSpPr>
+          <p:nvPr>
+            <p:ph type="body" sz="quarter" idx="13"/>
+          </p:nvPr>
+        </p:nvSpPr>
+        <p:spPr>
+          <a:xfrm>
+            <a:off x="677332" y="4013200"/>
+            <a:ext cx="8596669" cy="514248"/>
+          </a:xfrm>
+        </p:spPr>
+        <p:txBody>
+          <a:bodyPr anchor="b">
+            <a:noAutofit/>
+          </a:bodyPr>
+          <a:lstStyle>
+            <a:lvl1pPr marL="0" indent="0">
+              <a:buFontTx/>
+              <a:buNone/>
+              <a:defRPr sz="2400">
+                <a:solidFill>
+                  <a:schemeClr val="accent1"/>
+                </a:solidFill>
+              </a:defRPr>
+            </a:lvl1pPr>
+            <a:lvl2pPr marL="457200" indent="0">
+              <a:buFontTx/>
+              <a:buNone/>
+              <a:defRPr/>
+            </a:lvl2pPr>
+            <a:lvl3pPr marL="914400" indent="0">
+              <a:buFontTx/>
+              <a:buNone/>
+              <a:defRPr/>
+            </a:lvl3pPr>
+            <a:lvl4pPr marL="1371600" indent="0">
+              <a:buFontTx/>
+              <a:buNone/>
+              <a:defRPr/>
+            </a:lvl4pPr>
+            <a:lvl5pPr marL="1828800" indent="0">
+              <a:buFontTx/>
+              <a:buNone/>
+              <a:defRPr/>
+            </a:lvl5pPr>
+          </a:lstStyle>
+          <a:p>
+            <a:pPr lvl="0"/>
+            <a:r>
+              <a:rPr lang="en-US"/>
+              <a:t>Click to edit Master text styles</a:t>
+            </a:r>
+          </a:p>
+        </p:txBody>
+      </p:sp>
+      <p:sp>
+        <p:nvSpPr>
+          <p:cNvPr id="3" name="Text Placeholder 2"/>
+          <p:cNvSpPr>
+            <a:spLocks noGrp="1"/>
+          </p:cNvSpPr>
+          <p:nvPr>
+            <p:ph type="body" idx="1"/>
+          </p:nvPr>
+        </p:nvSpPr>
+        <p:spPr>
+          <a:xfrm>
+            <a:off x="677335" y="4527448"/>
+            <a:ext cx="8596668" cy="1513914"/>
+          </a:xfrm>
+        </p:spPr>
+        <p:txBody>
+          <a:bodyPr anchor="t">
+            <a:normAutofit/>
+          </a:bodyPr>
+          <a:lstStyle>
+            <a:lvl1pPr marL="0" indent="0" algn="l">
+              <a:buNone/>
+              <a:defRPr sz="1800">
+                <a:solidFill>
+                  <a:schemeClr val="tx1">
+                    <a:lumMod val="50000"/>
+                    <a:lumOff val="50000"/>
+                  </a:schemeClr>
+                </a:solidFill>
+              </a:defRPr>
+            </a:lvl1pPr>
+            <a:lvl2pPr marL="457200" indent="0">
+              <a:buNone/>
+              <a:defRPr sz="1800">
+                <a:solidFill>
+                  <a:schemeClr val="tx1">
+                    <a:tint val="75000"/>
+                  </a:schemeClr>
+                </a:solidFill>
+              </a:defRPr>
+            </a:lvl2pPr>
+            <a:lvl3pPr marL="914400" indent="0">
+              <a:buNone/>
+              <a:defRPr sz="1600">
+                <a:solidFill>
+                  <a:schemeClr val="tx1">
+                    <a:tint val="75000"/>
+                  </a:schemeClr>
+                </a:solidFill>
+              </a:defRPr>
+            </a:lvl3pPr>
+            <a:lvl4pPr marL="1371600" indent="0">
+              <a:buNone/>
+              <a:defRPr sz="1400">
+                <a:solidFill>
+                  <a:schemeClr val="tx1">
+                    <a:tint val="75000"/>
+                  </a:schemeClr>
+                </a:solidFill>
+              </a:defRPr>
+            </a:lvl4pPr>
+            <a:lvl5pPr marL="1828800" indent="0">
+              <a:buNone/>
+              <a:defRPr sz="1400">
+                <a:solidFill>
+                  <a:schemeClr val="tx1">
+                    <a:tint val="75000"/>
+                  </a:schemeClr>
+                </a:solidFill>
+              </a:defRPr>
+            </a:lvl5pPr>
+            <a:lvl6pPr marL="2286000" indent="0">
+              <a:buNone/>
+              <a:defRPr sz="1400">
+                <a:solidFill>
+                  <a:schemeClr val="tx1">
+                    <a:tint val="75000"/>
+                  </a:schemeClr>
+                </a:solidFill>
+              </a:defRPr>
+            </a:lvl6pPr>
+            <a:lvl7pPr marL="2743200" indent="0">
+              <a:buNone/>
+              <a:defRPr sz="1400">
+                <a:solidFill>
+                  <a:schemeClr val="tx1">
+                    <a:tint val="75000"/>
+                  </a:schemeClr>
+                </a:solidFill>
+              </a:defRPr>
+            </a:lvl7pPr>
+            <a:lvl8pPr marL="3200400" indent="0">
+              <a:buNone/>
+              <a:defRPr sz="1400">
+                <a:solidFill>
+                  <a:schemeClr val="tx1">
+                    <a:tint val="75000"/>
+                  </a:schemeClr>
+                </a:solidFill>
+              </a:defRPr>
+            </a:lvl8pPr>
+            <a:lvl9pPr marL="3657600" indent="0">
+              <a:buNone/>
+              <a:defRPr sz="1400">
+                <a:solidFill>
+                  <a:schemeClr val="tx1">
+                    <a:tint val="75000"/>
+                  </a:schemeClr>
+                </a:solidFill>
+              </a:defRPr>
+            </a:lvl9pPr>
+          </a:lstStyle>
+          <a:p>
+            <a:pPr lvl="0"/>
+            <a:r>
+              <a:rPr lang="en-US"/>
+              <a:t>Click to edit Master text styles</a:t>
+            </a:r>
+          </a:p>
+        </p:txBody>
+      </p:sp>
+      <p:sp>
+        <p:nvSpPr>
+          <p:cNvPr id="4" name="Date Placeholder 3"/>
+          <p:cNvSpPr>
+            <a:spLocks noGrp="1"/>
+          </p:cNvSpPr>
+          <p:nvPr>
+            <p:ph type="dt" sz="half" idx="10"/>
+          </p:nvPr>
+        </p:nvSpPr>
+        <p:spPr/>
+        <p:txBody>
+          <a:bodyPr/>
+          <a:lstStyle/>
+          <a:p>
+            <a:fld id="{1E95B060-CB76-45B8-9159-E2C13ACFFB3A}" type="datetimeFigureOut">
+              <a:rPr lang="en-US" smtClean="0"/>
+              <a:t>4/25/2019</a:t>
+            </a:fld>
+            <a:endParaRPr lang="en-US"/>
+          </a:p>
+        </p:txBody>
+      </p:sp>
+      <p:sp>
+        <p:nvSpPr>
+          <p:cNvPr id="5" name="Footer Placeholder 4"/>
+          <p:cNvSpPr>
+            <a:spLocks noGrp="1"/>
+          </p:cNvSpPr>
+          <p:nvPr>
+            <p:ph type="ftr" sz="quarter" idx="11"/>
+          </p:nvPr>
+        </p:nvSpPr>
+        <p:spPr/>
+        <p:txBody>
+          <a:bodyPr/>
+          <a:lstStyle/>
+          <a:p>
+            <a:endParaRPr lang="en-US"/>
+          </a:p>
+        </p:txBody>
+      </p:sp>
+      <p:sp>
+        <p:nvSpPr>
+          <p:cNvPr id="6" name="Slide Number Placeholder 5"/>
+          <p:cNvSpPr>
+            <a:spLocks noGrp="1"/>
+          </p:cNvSpPr>
+          <p:nvPr>
+            <p:ph type="sldNum" sz="quarter" idx="12"/>
+          </p:nvPr>
+        </p:nvSpPr>
+        <p:spPr/>
+        <p:txBody>
+          <a:bodyPr/>
+          <a:lstStyle/>
+          <a:p>
+            <a:fld id="{5755F6BA-53F5-41C7-8D83-20FB62785C97}" type="slidenum">
+              <a:rPr lang="en-US" smtClean="0"/>
+              <a:t>‹#›</a:t>
+            </a:fld>
+            <a:endParaRPr lang="en-US"/>
+          </a:p>
+        </p:txBody>
+      </p:sp>
+    </p:spTree>
+    <p:extLst>
+      <p:ext uri="{BB962C8B-B14F-4D97-AF65-F5344CB8AC3E}">
+        <p14:creationId xmlns:p14="http://schemas.microsoft.com/office/powerpoint/2010/main" val="3553774625"/>
+      </p:ext>
+    </p:extLst>
+  </p:cSld>
+  <p:clrMapOvr>
+    <a:masterClrMapping/>
+  </p:clrMapOvr>
+</p:sldLayout>
+</file>
+
+<file path=ppt/slideLayouts/slideLayout15.xml><?xml version="1.0" encoding="utf-8"?>
 <p:sldLayout xmlns:a="http://schemas.openxmlformats.org/drawingml/2006/main" xmlns:r="http://schemas.openxmlformats.org/officeDocument/2006/relationships" xmlns:p="http://schemas.openxmlformats.org/presentationml/2006/main" type="vertTx" preserve="1">
   <p:cSld name="Title and Vertical Text">
     <p:spTree>
@@ -795,13 +2986,7 @@
       </p:grpSpPr>
       <p:sp>
         <p:nvSpPr>
-          <p:cNvPr id="2" name="Title 1">
-            <a:extLst>
-              <a:ext uri="{FF2B5EF4-FFF2-40B4-BE49-F238E27FC236}">
-                <a16:creationId xmlns:a16="http://schemas.microsoft.com/office/drawing/2014/main" id="{5A391C04-4D7C-4164-95D2-9C593D581849}"/>
-              </a:ext>
-            </a:extLst>
-          </p:cNvPr>
+          <p:cNvPr id="2" name="Title 1"/>
           <p:cNvSpPr>
             <a:spLocks noGrp="1"/>
           </p:cNvSpPr>
@@ -818,18 +3003,13 @@
               <a:rPr lang="en-US"/>
               <a:t>Click to edit Master title style</a:t>
             </a:r>
-          </a:p>
-        </p:txBody>
-      </p:sp>
-      <p:sp>
-        <p:nvSpPr>
-          <p:cNvPr id="3" name="Vertical Text Placeholder 2">
-            <a:extLst>
-              <a:ext uri="{FF2B5EF4-FFF2-40B4-BE49-F238E27FC236}">
-                <a16:creationId xmlns:a16="http://schemas.microsoft.com/office/drawing/2014/main" id="{7AB4BC13-6727-416F-9FDB-695F932B79E5}"/>
-              </a:ext>
-            </a:extLst>
-          </p:cNvPr>
+            <a:endParaRPr lang="en-US" dirty="0"/>
+          </a:p>
+        </p:txBody>
+      </p:sp>
+      <p:sp>
+        <p:nvSpPr>
+          <p:cNvPr id="3" name="Vertical Text Placeholder 2"/>
           <p:cNvSpPr>
             <a:spLocks noGrp="1"/>
           </p:cNvSpPr>
@@ -875,18 +3055,13 @@
               <a:rPr lang="en-US"/>
               <a:t>Fifth level</a:t>
             </a:r>
-          </a:p>
-        </p:txBody>
-      </p:sp>
-      <p:sp>
-        <p:nvSpPr>
-          <p:cNvPr id="4" name="Date Placeholder 3">
-            <a:extLst>
-              <a:ext uri="{FF2B5EF4-FFF2-40B4-BE49-F238E27FC236}">
-                <a16:creationId xmlns:a16="http://schemas.microsoft.com/office/drawing/2014/main" id="{1ADF092F-2522-40C6-A203-EF95EB8C0FD6}"/>
-              </a:ext>
-            </a:extLst>
-          </p:cNvPr>
+            <a:endParaRPr lang="en-US" dirty="0"/>
+          </a:p>
+        </p:txBody>
+      </p:sp>
+      <p:sp>
+        <p:nvSpPr>
+          <p:cNvPr id="4" name="Date Placeholder 3"/>
           <p:cNvSpPr>
             <a:spLocks noGrp="1"/>
           </p:cNvSpPr>
@@ -901,7 +3076,7 @@
           <a:p>
             <a:fld id="{1E95B060-CB76-45B8-9159-E2C13ACFFB3A}" type="datetimeFigureOut">
               <a:rPr lang="en-US" smtClean="0"/>
-              <a:t>4/24/2019</a:t>
+              <a:t>4/25/2019</a:t>
             </a:fld>
             <a:endParaRPr lang="en-US"/>
           </a:p>
@@ -909,13 +3084,7 @@
       </p:sp>
       <p:sp>
         <p:nvSpPr>
-          <p:cNvPr id="5" name="Footer Placeholder 4">
-            <a:extLst>
-              <a:ext uri="{FF2B5EF4-FFF2-40B4-BE49-F238E27FC236}">
-                <a16:creationId xmlns:a16="http://schemas.microsoft.com/office/drawing/2014/main" id="{54740BA7-59E6-493A-8CD4-F5C82D655356}"/>
-              </a:ext>
-            </a:extLst>
-          </p:cNvPr>
+          <p:cNvPr id="5" name="Footer Placeholder 4"/>
           <p:cNvSpPr>
             <a:spLocks noGrp="1"/>
           </p:cNvSpPr>
@@ -934,13 +3103,7 @@
       </p:sp>
       <p:sp>
         <p:nvSpPr>
-          <p:cNvPr id="6" name="Slide Number Placeholder 5">
-            <a:extLst>
-              <a:ext uri="{FF2B5EF4-FFF2-40B4-BE49-F238E27FC236}">
-                <a16:creationId xmlns:a16="http://schemas.microsoft.com/office/drawing/2014/main" id="{32C7A796-7C65-42BF-BB69-B6EC49B572C9}"/>
-              </a:ext>
-            </a:extLst>
-          </p:cNvPr>
+          <p:cNvPr id="6" name="Slide Number Placeholder 5"/>
           <p:cNvSpPr>
             <a:spLocks noGrp="1"/>
           </p:cNvSpPr>
@@ -964,7 +3127,7 @@
     </p:spTree>
     <p:extLst>
       <p:ext uri="{BB962C8B-B14F-4D97-AF65-F5344CB8AC3E}">
-        <p14:creationId xmlns:p14="http://schemas.microsoft.com/office/powerpoint/2010/main" val="713952340"/>
+        <p14:creationId xmlns:p14="http://schemas.microsoft.com/office/powerpoint/2010/main" val="1752550750"/>
       </p:ext>
     </p:extLst>
   </p:cSld>
@@ -974,7 +3137,7 @@
 </p:sldLayout>
 </file>
 
-<file path=ppt/slideLayouts/slideLayout11.xml><?xml version="1.0" encoding="utf-8"?>
+<file path=ppt/slideLayouts/slideLayout16.xml><?xml version="1.0" encoding="utf-8"?>
 <p:sldLayout xmlns:a="http://schemas.openxmlformats.org/drawingml/2006/main" xmlns:r="http://schemas.openxmlformats.org/officeDocument/2006/relationships" xmlns:p="http://schemas.openxmlformats.org/presentationml/2006/main" type="vertTitleAndTx" preserve="1">
   <p:cSld name="Vertical Title and Text">
     <p:spTree>
@@ -993,13 +3156,7 @@
       </p:grpSpPr>
       <p:sp>
         <p:nvSpPr>
-          <p:cNvPr id="2" name="Vertical Title 1">
-            <a:extLst>
-              <a:ext uri="{FF2B5EF4-FFF2-40B4-BE49-F238E27FC236}">
-                <a16:creationId xmlns:a16="http://schemas.microsoft.com/office/drawing/2014/main" id="{E283844F-4C63-4C93-83B1-BC92F5024807}"/>
-              </a:ext>
-            </a:extLst>
-          </p:cNvPr>
+          <p:cNvPr id="2" name="Vertical Title 1"/>
           <p:cNvSpPr>
             <a:spLocks noGrp="1"/>
           </p:cNvSpPr>
@@ -1009,30 +3166,25 @@
         </p:nvSpPr>
         <p:spPr>
           <a:xfrm>
-            <a:off x="8724900" y="365125"/>
-            <a:ext cx="2628900" cy="5811838"/>
+            <a:off x="7967673" y="609599"/>
+            <a:ext cx="1304743" cy="5251451"/>
           </a:xfrm>
         </p:spPr>
         <p:txBody>
-          <a:bodyPr vert="eaVert"/>
+          <a:bodyPr vert="eaVert" anchor="ctr"/>
           <a:lstStyle/>
           <a:p>
             <a:r>
               <a:rPr lang="en-US"/>
               <a:t>Click to edit Master title style</a:t>
             </a:r>
-          </a:p>
-        </p:txBody>
-      </p:sp>
-      <p:sp>
-        <p:nvSpPr>
-          <p:cNvPr id="3" name="Vertical Text Placeholder 2">
-            <a:extLst>
-              <a:ext uri="{FF2B5EF4-FFF2-40B4-BE49-F238E27FC236}">
-                <a16:creationId xmlns:a16="http://schemas.microsoft.com/office/drawing/2014/main" id="{0BAB0F8D-C369-46E5-B97B-056CEE3ECBF3}"/>
-              </a:ext>
-            </a:extLst>
-          </p:cNvPr>
+            <a:endParaRPr lang="en-US" dirty="0"/>
+          </a:p>
+        </p:txBody>
+      </p:sp>
+      <p:sp>
+        <p:nvSpPr>
+          <p:cNvPr id="3" name="Vertical Text Placeholder 2"/>
           <p:cNvSpPr>
             <a:spLocks noGrp="1"/>
           </p:cNvSpPr>
@@ -1042,8 +3194,8 @@
         </p:nvSpPr>
         <p:spPr>
           <a:xfrm>
-            <a:off x="838200" y="365125"/>
-            <a:ext cx="7734300" cy="5811838"/>
+            <a:off x="677335" y="609600"/>
+            <a:ext cx="7060150" cy="5251450"/>
           </a:xfrm>
         </p:spPr>
         <p:txBody>
@@ -1083,18 +3235,13 @@
               <a:rPr lang="en-US"/>
               <a:t>Fifth level</a:t>
             </a:r>
-          </a:p>
-        </p:txBody>
-      </p:sp>
-      <p:sp>
-        <p:nvSpPr>
-          <p:cNvPr id="4" name="Date Placeholder 3">
-            <a:extLst>
-              <a:ext uri="{FF2B5EF4-FFF2-40B4-BE49-F238E27FC236}">
-                <a16:creationId xmlns:a16="http://schemas.microsoft.com/office/drawing/2014/main" id="{C86BFDF9-0F95-4196-BBEA-91D293FFED29}"/>
-              </a:ext>
-            </a:extLst>
-          </p:cNvPr>
+            <a:endParaRPr lang="en-US" dirty="0"/>
+          </a:p>
+        </p:txBody>
+      </p:sp>
+      <p:sp>
+        <p:nvSpPr>
+          <p:cNvPr id="4" name="Date Placeholder 3"/>
           <p:cNvSpPr>
             <a:spLocks noGrp="1"/>
           </p:cNvSpPr>
@@ -1109,7 +3256,7 @@
           <a:p>
             <a:fld id="{1E95B060-CB76-45B8-9159-E2C13ACFFB3A}" type="datetimeFigureOut">
               <a:rPr lang="en-US" smtClean="0"/>
-              <a:t>4/24/2019</a:t>
+              <a:t>4/25/2019</a:t>
             </a:fld>
             <a:endParaRPr lang="en-US"/>
           </a:p>
@@ -1117,13 +3264,7 @@
       </p:sp>
       <p:sp>
         <p:nvSpPr>
-          <p:cNvPr id="5" name="Footer Placeholder 4">
-            <a:extLst>
-              <a:ext uri="{FF2B5EF4-FFF2-40B4-BE49-F238E27FC236}">
-                <a16:creationId xmlns:a16="http://schemas.microsoft.com/office/drawing/2014/main" id="{2EEA2129-713E-400C-B7BA-239588B521E9}"/>
-              </a:ext>
-            </a:extLst>
-          </p:cNvPr>
+          <p:cNvPr id="5" name="Footer Placeholder 4"/>
           <p:cNvSpPr>
             <a:spLocks noGrp="1"/>
           </p:cNvSpPr>
@@ -1142,13 +3283,7 @@
       </p:sp>
       <p:sp>
         <p:nvSpPr>
-          <p:cNvPr id="6" name="Slide Number Placeholder 5">
-            <a:extLst>
-              <a:ext uri="{FF2B5EF4-FFF2-40B4-BE49-F238E27FC236}">
-                <a16:creationId xmlns:a16="http://schemas.microsoft.com/office/drawing/2014/main" id="{FABC9551-8F3A-44F3-9DAB-3048CA35E41D}"/>
-              </a:ext>
-            </a:extLst>
-          </p:cNvPr>
+          <p:cNvPr id="6" name="Slide Number Placeholder 5"/>
           <p:cNvSpPr>
             <a:spLocks noGrp="1"/>
           </p:cNvSpPr>
@@ -1172,7 +3307,7 @@
     </p:spTree>
     <p:extLst>
       <p:ext uri="{BB962C8B-B14F-4D97-AF65-F5344CB8AC3E}">
-        <p14:creationId xmlns:p14="http://schemas.microsoft.com/office/powerpoint/2010/main" val="2330033584"/>
+        <p14:creationId xmlns:p14="http://schemas.microsoft.com/office/powerpoint/2010/main" val="3169744887"/>
       </p:ext>
     </p:extLst>
   </p:cSld>
@@ -1201,13 +3336,7 @@
       </p:grpSpPr>
       <p:sp>
         <p:nvSpPr>
-          <p:cNvPr id="2" name="Title 1">
-            <a:extLst>
-              <a:ext uri="{FF2B5EF4-FFF2-40B4-BE49-F238E27FC236}">
-                <a16:creationId xmlns:a16="http://schemas.microsoft.com/office/drawing/2014/main" id="{ADBAC5F0-0187-4CFB-B761-6AF50FE859A1}"/>
-              </a:ext>
-            </a:extLst>
-          </p:cNvPr>
+          <p:cNvPr id="2" name="Title 1"/>
           <p:cNvSpPr>
             <a:spLocks noGrp="1"/>
           </p:cNvSpPr>
@@ -1224,18 +3353,13 @@
               <a:rPr lang="en-US"/>
               <a:t>Click to edit Master title style</a:t>
             </a:r>
-          </a:p>
-        </p:txBody>
-      </p:sp>
-      <p:sp>
-        <p:nvSpPr>
-          <p:cNvPr id="3" name="Content Placeholder 2">
-            <a:extLst>
-              <a:ext uri="{FF2B5EF4-FFF2-40B4-BE49-F238E27FC236}">
-                <a16:creationId xmlns:a16="http://schemas.microsoft.com/office/drawing/2014/main" id="{5469EB7D-E188-41F2-BEF0-EBB4A21B2A90}"/>
-              </a:ext>
-            </a:extLst>
-          </p:cNvPr>
+            <a:endParaRPr lang="en-US" dirty="0"/>
+          </a:p>
+        </p:txBody>
+      </p:sp>
+      <p:sp>
+        <p:nvSpPr>
+          <p:cNvPr id="3" name="Content Placeholder 2"/>
           <p:cNvSpPr>
             <a:spLocks noGrp="1"/>
           </p:cNvSpPr>
@@ -1281,18 +3405,13 @@
               <a:rPr lang="en-US"/>
               <a:t>Fifth level</a:t>
             </a:r>
-          </a:p>
-        </p:txBody>
-      </p:sp>
-      <p:sp>
-        <p:nvSpPr>
-          <p:cNvPr id="4" name="Date Placeholder 3">
-            <a:extLst>
-              <a:ext uri="{FF2B5EF4-FFF2-40B4-BE49-F238E27FC236}">
-                <a16:creationId xmlns:a16="http://schemas.microsoft.com/office/drawing/2014/main" id="{E6D2C9F8-D364-4485-AC57-892607572A60}"/>
-              </a:ext>
-            </a:extLst>
-          </p:cNvPr>
+            <a:endParaRPr lang="en-US" dirty="0"/>
+          </a:p>
+        </p:txBody>
+      </p:sp>
+      <p:sp>
+        <p:nvSpPr>
+          <p:cNvPr id="4" name="Date Placeholder 3"/>
           <p:cNvSpPr>
             <a:spLocks noGrp="1"/>
           </p:cNvSpPr>
@@ -1307,7 +3426,7 @@
           <a:p>
             <a:fld id="{1E95B060-CB76-45B8-9159-E2C13ACFFB3A}" type="datetimeFigureOut">
               <a:rPr lang="en-US" smtClean="0"/>
-              <a:t>4/24/2019</a:t>
+              <a:t>4/25/2019</a:t>
             </a:fld>
             <a:endParaRPr lang="en-US"/>
           </a:p>
@@ -1315,13 +3434,7 @@
       </p:sp>
       <p:sp>
         <p:nvSpPr>
-          <p:cNvPr id="5" name="Footer Placeholder 4">
-            <a:extLst>
-              <a:ext uri="{FF2B5EF4-FFF2-40B4-BE49-F238E27FC236}">
-                <a16:creationId xmlns:a16="http://schemas.microsoft.com/office/drawing/2014/main" id="{83430F93-6B49-4678-B262-43126B76E80A}"/>
-              </a:ext>
-            </a:extLst>
-          </p:cNvPr>
+          <p:cNvPr id="5" name="Footer Placeholder 4"/>
           <p:cNvSpPr>
             <a:spLocks noGrp="1"/>
           </p:cNvSpPr>
@@ -1340,13 +3453,7 @@
       </p:sp>
       <p:sp>
         <p:nvSpPr>
-          <p:cNvPr id="6" name="Slide Number Placeholder 5">
-            <a:extLst>
-              <a:ext uri="{FF2B5EF4-FFF2-40B4-BE49-F238E27FC236}">
-                <a16:creationId xmlns:a16="http://schemas.microsoft.com/office/drawing/2014/main" id="{825A728C-2E0E-494B-B96B-37FE62CC879B}"/>
-              </a:ext>
-            </a:extLst>
-          </p:cNvPr>
+          <p:cNvPr id="6" name="Slide Number Placeholder 5"/>
           <p:cNvSpPr>
             <a:spLocks noGrp="1"/>
           </p:cNvSpPr>
@@ -1370,7 +3477,7 @@
     </p:spTree>
     <p:extLst>
       <p:ext uri="{BB962C8B-B14F-4D97-AF65-F5344CB8AC3E}">
-        <p14:creationId xmlns:p14="http://schemas.microsoft.com/office/powerpoint/2010/main" val="4281644376"/>
+        <p14:creationId xmlns:p14="http://schemas.microsoft.com/office/powerpoint/2010/main" val="3367453049"/>
       </p:ext>
     </p:extLst>
   </p:cSld>
@@ -1399,13 +3506,7 @@
       </p:grpSpPr>
       <p:sp>
         <p:nvSpPr>
-          <p:cNvPr id="2" name="Title 1">
-            <a:extLst>
-              <a:ext uri="{FF2B5EF4-FFF2-40B4-BE49-F238E27FC236}">
-                <a16:creationId xmlns:a16="http://schemas.microsoft.com/office/drawing/2014/main" id="{EE1EDEBB-8BB6-406F-B375-90EA299053F6}"/>
-              </a:ext>
-            </a:extLst>
-          </p:cNvPr>
+          <p:cNvPr id="2" name="Title 1"/>
           <p:cNvSpPr>
             <a:spLocks noGrp="1"/>
           </p:cNvSpPr>
@@ -1415,15 +3516,15 @@
         </p:nvSpPr>
         <p:spPr>
           <a:xfrm>
-            <a:off x="831850" y="1709738"/>
-            <a:ext cx="10515600" cy="2852737"/>
+            <a:off x="677335" y="2700867"/>
+            <a:ext cx="8596668" cy="1826581"/>
           </a:xfrm>
         </p:spPr>
         <p:txBody>
           <a:bodyPr anchor="b"/>
           <a:lstStyle>
-            <a:lvl1pPr>
-              <a:defRPr sz="6000"/>
+            <a:lvl1pPr algn="l">
+              <a:defRPr sz="4000" b="0" cap="none"/>
             </a:lvl1pPr>
           </a:lstStyle>
           <a:p>
@@ -1431,18 +3532,13 @@
               <a:rPr lang="en-US"/>
               <a:t>Click to edit Master title style</a:t>
             </a:r>
-          </a:p>
-        </p:txBody>
-      </p:sp>
-      <p:sp>
-        <p:nvSpPr>
-          <p:cNvPr id="3" name="Text Placeholder 2">
-            <a:extLst>
-              <a:ext uri="{FF2B5EF4-FFF2-40B4-BE49-F238E27FC236}">
-                <a16:creationId xmlns:a16="http://schemas.microsoft.com/office/drawing/2014/main" id="{768F045A-85A4-4600-AC85-A1671F4D2B1B}"/>
-              </a:ext>
-            </a:extLst>
-          </p:cNvPr>
+            <a:endParaRPr lang="en-US" dirty="0"/>
+          </a:p>
+        </p:txBody>
+      </p:sp>
+      <p:sp>
+        <p:nvSpPr>
+          <p:cNvPr id="3" name="Text Placeholder 2"/>
           <p:cNvSpPr>
             <a:spLocks noGrp="1"/>
           </p:cNvSpPr>
@@ -1452,102 +3548,103 @@
         </p:nvSpPr>
         <p:spPr>
           <a:xfrm>
-            <a:off x="831850" y="4589463"/>
-            <a:ext cx="10515600" cy="1500187"/>
+            <a:off x="677335" y="4527448"/>
+            <a:ext cx="8596668" cy="860400"/>
           </a:xfrm>
         </p:spPr>
         <p:txBody>
-          <a:bodyPr/>
+          <a:bodyPr anchor="t"/>
           <a:lstStyle>
-            <a:lvl1pPr marL="0" indent="0">
-              <a:buNone/>
-              <a:defRPr sz="2400">
+            <a:lvl1pPr marL="0" indent="0" algn="l">
+              <a:buNone/>
+              <a:defRPr sz="2000">
+                <a:solidFill>
+                  <a:schemeClr val="tx1">
+                    <a:lumMod val="50000"/>
+                    <a:lumOff val="50000"/>
+                  </a:schemeClr>
+                </a:solidFill>
+              </a:defRPr>
+            </a:lvl1pPr>
+            <a:lvl2pPr marL="457200" indent="0">
+              <a:buNone/>
+              <a:defRPr sz="1800">
                 <a:solidFill>
                   <a:schemeClr val="tx1">
                     <a:tint val="75000"/>
                   </a:schemeClr>
                 </a:solidFill>
               </a:defRPr>
-            </a:lvl1pPr>
-            <a:lvl2pPr marL="457200" indent="0">
-              <a:buNone/>
-              <a:defRPr sz="2000">
+            </a:lvl2pPr>
+            <a:lvl3pPr marL="914400" indent="0">
+              <a:buNone/>
+              <a:defRPr sz="1600">
                 <a:solidFill>
                   <a:schemeClr val="tx1">
                     <a:tint val="75000"/>
                   </a:schemeClr>
                 </a:solidFill>
               </a:defRPr>
-            </a:lvl2pPr>
-            <a:lvl3pPr marL="914400" indent="0">
-              <a:buNone/>
-              <a:defRPr sz="1800">
+            </a:lvl3pPr>
+            <a:lvl4pPr marL="1371600" indent="0">
+              <a:buNone/>
+              <a:defRPr sz="1400">
                 <a:solidFill>
                   <a:schemeClr val="tx1">
                     <a:tint val="75000"/>
                   </a:schemeClr>
                 </a:solidFill>
               </a:defRPr>
-            </a:lvl3pPr>
-            <a:lvl4pPr marL="1371600" indent="0">
-              <a:buNone/>
-              <a:defRPr sz="1600">
+            </a:lvl4pPr>
+            <a:lvl5pPr marL="1828800" indent="0">
+              <a:buNone/>
+              <a:defRPr sz="1400">
                 <a:solidFill>
                   <a:schemeClr val="tx1">
                     <a:tint val="75000"/>
                   </a:schemeClr>
                 </a:solidFill>
               </a:defRPr>
-            </a:lvl4pPr>
-            <a:lvl5pPr marL="1828800" indent="0">
-              <a:buNone/>
-              <a:defRPr sz="1600">
+            </a:lvl5pPr>
+            <a:lvl6pPr marL="2286000" indent="0">
+              <a:buNone/>
+              <a:defRPr sz="1400">
                 <a:solidFill>
                   <a:schemeClr val="tx1">
                     <a:tint val="75000"/>
                   </a:schemeClr>
                 </a:solidFill>
               </a:defRPr>
-            </a:lvl5pPr>
-            <a:lvl6pPr marL="2286000" indent="0">
-              <a:buNone/>
-              <a:defRPr sz="1600">
+            </a:lvl6pPr>
+            <a:lvl7pPr marL="2743200" indent="0">
+              <a:buNone/>
+              <a:defRPr sz="1400">
                 <a:solidFill>
                   <a:schemeClr val="tx1">
                     <a:tint val="75000"/>
                   </a:schemeClr>
                 </a:solidFill>
               </a:defRPr>
-            </a:lvl6pPr>
-            <a:lvl7pPr marL="2743200" indent="0">
-              <a:buNone/>
-              <a:defRPr sz="1600">
+            </a:lvl7pPr>
+            <a:lvl8pPr marL="3200400" indent="0">
+              <a:buNone/>
+              <a:defRPr sz="1400">
                 <a:solidFill>
                   <a:schemeClr val="tx1">
                     <a:tint val="75000"/>
                   </a:schemeClr>
                 </a:solidFill>
               </a:defRPr>
-            </a:lvl7pPr>
-            <a:lvl8pPr marL="3200400" indent="0">
-              <a:buNone/>
-              <a:defRPr sz="1600">
+            </a:lvl8pPr>
+            <a:lvl9pPr marL="3657600" indent="0">
+              <a:buNone/>
+              <a:defRPr sz="1400">
                 <a:solidFill>
                   <a:schemeClr val="tx1">
                     <a:tint val="75000"/>
                   </a:schemeClr>
                 </a:solidFill>
               </a:defRPr>
-            </a:lvl8pPr>
-            <a:lvl9pPr marL="3657600" indent="0">
-              <a:buNone/>
-              <a:defRPr sz="1600">
-                <a:solidFill>
-                  <a:schemeClr val="tx1">
-                    <a:tint val="75000"/>
-                  </a:schemeClr>
-                </a:solidFill>
-              </a:defRPr>
             </a:lvl9pPr>
           </a:lstStyle>
           <a:p>
@@ -1561,13 +3658,7 @@
       </p:sp>
       <p:sp>
         <p:nvSpPr>
-          <p:cNvPr id="4" name="Date Placeholder 3">
-            <a:extLst>
-              <a:ext uri="{FF2B5EF4-FFF2-40B4-BE49-F238E27FC236}">
-                <a16:creationId xmlns:a16="http://schemas.microsoft.com/office/drawing/2014/main" id="{556DB904-2937-4187-90F5-36E0E71A982B}"/>
-              </a:ext>
-            </a:extLst>
-          </p:cNvPr>
+          <p:cNvPr id="4" name="Date Placeholder 3"/>
           <p:cNvSpPr>
             <a:spLocks noGrp="1"/>
           </p:cNvSpPr>
@@ -1582,7 +3673,7 @@
           <a:p>
             <a:fld id="{1E95B060-CB76-45B8-9159-E2C13ACFFB3A}" type="datetimeFigureOut">
               <a:rPr lang="en-US" smtClean="0"/>
-              <a:t>4/24/2019</a:t>
+              <a:t>4/25/2019</a:t>
             </a:fld>
             <a:endParaRPr lang="en-US"/>
           </a:p>
@@ -1590,13 +3681,7 @@
       </p:sp>
       <p:sp>
         <p:nvSpPr>
-          <p:cNvPr id="5" name="Footer Placeholder 4">
-            <a:extLst>
-              <a:ext uri="{FF2B5EF4-FFF2-40B4-BE49-F238E27FC236}">
-                <a16:creationId xmlns:a16="http://schemas.microsoft.com/office/drawing/2014/main" id="{A536FD72-20AE-4E85-8BD9-4FADAC61E8DE}"/>
-              </a:ext>
-            </a:extLst>
-          </p:cNvPr>
+          <p:cNvPr id="5" name="Footer Placeholder 4"/>
           <p:cNvSpPr>
             <a:spLocks noGrp="1"/>
           </p:cNvSpPr>
@@ -1615,13 +3700,7 @@
       </p:sp>
       <p:sp>
         <p:nvSpPr>
-          <p:cNvPr id="6" name="Slide Number Placeholder 5">
-            <a:extLst>
-              <a:ext uri="{FF2B5EF4-FFF2-40B4-BE49-F238E27FC236}">
-                <a16:creationId xmlns:a16="http://schemas.microsoft.com/office/drawing/2014/main" id="{E6573727-D931-4C5F-8FF8-1A01E0FF430D}"/>
-              </a:ext>
-            </a:extLst>
-          </p:cNvPr>
+          <p:cNvPr id="6" name="Slide Number Placeholder 5"/>
           <p:cNvSpPr>
             <a:spLocks noGrp="1"/>
           </p:cNvSpPr>
@@ -1645,7 +3724,7 @@
     </p:spTree>
     <p:extLst>
       <p:ext uri="{BB962C8B-B14F-4D97-AF65-F5344CB8AC3E}">
-        <p14:creationId xmlns:p14="http://schemas.microsoft.com/office/powerpoint/2010/main" val="3454443533"/>
+        <p14:creationId xmlns:p14="http://schemas.microsoft.com/office/powerpoint/2010/main" val="2740884528"/>
       </p:ext>
     </p:extLst>
   </p:cSld>
@@ -1674,13 +3753,7 @@
       </p:grpSpPr>
       <p:sp>
         <p:nvSpPr>
-          <p:cNvPr id="2" name="Title 1">
-            <a:extLst>
-              <a:ext uri="{FF2B5EF4-FFF2-40B4-BE49-F238E27FC236}">
-                <a16:creationId xmlns:a16="http://schemas.microsoft.com/office/drawing/2014/main" id="{8B88EEAE-23B1-4D74-9BEF-1B160DF6DB0E}"/>
-              </a:ext>
-            </a:extLst>
-          </p:cNvPr>
+          <p:cNvPr id="2" name="Title 1"/>
           <p:cNvSpPr>
             <a:spLocks noGrp="1"/>
           </p:cNvSpPr>
@@ -1697,18 +3770,13 @@
               <a:rPr lang="en-US"/>
               <a:t>Click to edit Master title style</a:t>
             </a:r>
-          </a:p>
-        </p:txBody>
-      </p:sp>
-      <p:sp>
-        <p:nvSpPr>
-          <p:cNvPr id="3" name="Content Placeholder 2">
-            <a:extLst>
-              <a:ext uri="{FF2B5EF4-FFF2-40B4-BE49-F238E27FC236}">
-                <a16:creationId xmlns:a16="http://schemas.microsoft.com/office/drawing/2014/main" id="{E926CCC8-1192-4FAD-86C7-70FF9C384CB5}"/>
-              </a:ext>
-            </a:extLst>
-          </p:cNvPr>
+            <a:endParaRPr lang="en-US" dirty="0"/>
+          </a:p>
+        </p:txBody>
+      </p:sp>
+      <p:sp>
+        <p:nvSpPr>
+          <p:cNvPr id="3" name="Content Placeholder 2"/>
           <p:cNvSpPr>
             <a:spLocks noGrp="1"/>
           </p:cNvSpPr>
@@ -1718,8 +3786,8 @@
         </p:nvSpPr>
         <p:spPr>
           <a:xfrm>
-            <a:off x="838200" y="1825625"/>
-            <a:ext cx="5181600" cy="4351338"/>
+            <a:off x="677334" y="2160589"/>
+            <a:ext cx="4184035" cy="3880772"/>
           </a:xfrm>
         </p:spPr>
         <p:txBody>
@@ -1759,18 +3827,13 @@
               <a:rPr lang="en-US"/>
               <a:t>Fifth level</a:t>
             </a:r>
-          </a:p>
-        </p:txBody>
-      </p:sp>
-      <p:sp>
-        <p:nvSpPr>
-          <p:cNvPr id="4" name="Content Placeholder 3">
-            <a:extLst>
-              <a:ext uri="{FF2B5EF4-FFF2-40B4-BE49-F238E27FC236}">
-                <a16:creationId xmlns:a16="http://schemas.microsoft.com/office/drawing/2014/main" id="{85C9A2C7-B3DF-4565-B865-C015910FB143}"/>
-              </a:ext>
-            </a:extLst>
-          </p:cNvPr>
+            <a:endParaRPr lang="en-US" dirty="0"/>
+          </a:p>
+        </p:txBody>
+      </p:sp>
+      <p:sp>
+        <p:nvSpPr>
+          <p:cNvPr id="4" name="Content Placeholder 3"/>
           <p:cNvSpPr>
             <a:spLocks noGrp="1"/>
           </p:cNvSpPr>
@@ -1780,8 +3843,8 @@
         </p:nvSpPr>
         <p:spPr>
           <a:xfrm>
-            <a:off x="6172200" y="1825625"/>
-            <a:ext cx="5181600" cy="4351338"/>
+            <a:off x="5089970" y="2160589"/>
+            <a:ext cx="4184034" cy="3880773"/>
           </a:xfrm>
         </p:spPr>
         <p:txBody>
@@ -1821,18 +3884,13 @@
               <a:rPr lang="en-US"/>
               <a:t>Fifth level</a:t>
             </a:r>
-          </a:p>
-        </p:txBody>
-      </p:sp>
-      <p:sp>
-        <p:nvSpPr>
-          <p:cNvPr id="5" name="Date Placeholder 4">
-            <a:extLst>
-              <a:ext uri="{FF2B5EF4-FFF2-40B4-BE49-F238E27FC236}">
-                <a16:creationId xmlns:a16="http://schemas.microsoft.com/office/drawing/2014/main" id="{2FF39F41-618C-4832-80A9-7EA55D0D6D8F}"/>
-              </a:ext>
-            </a:extLst>
-          </p:cNvPr>
+            <a:endParaRPr lang="en-US" dirty="0"/>
+          </a:p>
+        </p:txBody>
+      </p:sp>
+      <p:sp>
+        <p:nvSpPr>
+          <p:cNvPr id="5" name="Date Placeholder 4"/>
           <p:cNvSpPr>
             <a:spLocks noGrp="1"/>
           </p:cNvSpPr>
@@ -1847,7 +3905,7 @@
           <a:p>
             <a:fld id="{1E95B060-CB76-45B8-9159-E2C13ACFFB3A}" type="datetimeFigureOut">
               <a:rPr lang="en-US" smtClean="0"/>
-              <a:t>4/24/2019</a:t>
+              <a:t>4/25/2019</a:t>
             </a:fld>
             <a:endParaRPr lang="en-US"/>
           </a:p>
@@ -1855,13 +3913,7 @@
       </p:sp>
       <p:sp>
         <p:nvSpPr>
-          <p:cNvPr id="6" name="Footer Placeholder 5">
-            <a:extLst>
-              <a:ext uri="{FF2B5EF4-FFF2-40B4-BE49-F238E27FC236}">
-                <a16:creationId xmlns:a16="http://schemas.microsoft.com/office/drawing/2014/main" id="{70139278-EBD0-46E5-B57A-BFA08E6E8A76}"/>
-              </a:ext>
-            </a:extLst>
-          </p:cNvPr>
+          <p:cNvPr id="6" name="Footer Placeholder 5"/>
           <p:cNvSpPr>
             <a:spLocks noGrp="1"/>
           </p:cNvSpPr>
@@ -1880,13 +3932,7 @@
       </p:sp>
       <p:sp>
         <p:nvSpPr>
-          <p:cNvPr id="7" name="Slide Number Placeholder 6">
-            <a:extLst>
-              <a:ext uri="{FF2B5EF4-FFF2-40B4-BE49-F238E27FC236}">
-                <a16:creationId xmlns:a16="http://schemas.microsoft.com/office/drawing/2014/main" id="{8A2FB1E6-7961-41F8-BE01-7A731F64E978}"/>
-              </a:ext>
-            </a:extLst>
-          </p:cNvPr>
+          <p:cNvPr id="7" name="Slide Number Placeholder 6"/>
           <p:cNvSpPr>
             <a:spLocks noGrp="1"/>
           </p:cNvSpPr>
@@ -1910,7 +3956,7 @@
     </p:spTree>
     <p:extLst>
       <p:ext uri="{BB962C8B-B14F-4D97-AF65-F5344CB8AC3E}">
-        <p14:creationId xmlns:p14="http://schemas.microsoft.com/office/powerpoint/2010/main" val="850152212"/>
+        <p14:creationId xmlns:p14="http://schemas.microsoft.com/office/powerpoint/2010/main" val="4290463878"/>
       </p:ext>
     </p:extLst>
   </p:cSld>
@@ -1939,65 +3985,55 @@
       </p:grpSpPr>
       <p:sp>
         <p:nvSpPr>
-          <p:cNvPr id="2" name="Title 1">
-            <a:extLst>
-              <a:ext uri="{FF2B5EF4-FFF2-40B4-BE49-F238E27FC236}">
-                <a16:creationId xmlns:a16="http://schemas.microsoft.com/office/drawing/2014/main" id="{C216F0A0-6F07-43CA-8C9B-163D32D28942}"/>
-              </a:ext>
-            </a:extLst>
-          </p:cNvPr>
+          <p:cNvPr id="2" name="Title 1"/>
           <p:cNvSpPr>
             <a:spLocks noGrp="1"/>
           </p:cNvSpPr>
           <p:nvPr>
             <p:ph type="title"/>
+          </p:nvPr>
+        </p:nvSpPr>
+        <p:spPr/>
+        <p:txBody>
+          <a:bodyPr/>
+          <a:lstStyle>
+            <a:lvl1pPr>
+              <a:defRPr/>
+            </a:lvl1pPr>
+          </a:lstStyle>
+          <a:p>
+            <a:r>
+              <a:rPr lang="en-US"/>
+              <a:t>Click to edit Master title style</a:t>
+            </a:r>
+            <a:endParaRPr lang="en-US" dirty="0"/>
+          </a:p>
+        </p:txBody>
+      </p:sp>
+      <p:sp>
+        <p:nvSpPr>
+          <p:cNvPr id="3" name="Text Placeholder 2"/>
+          <p:cNvSpPr>
+            <a:spLocks noGrp="1"/>
+          </p:cNvSpPr>
+          <p:nvPr>
+            <p:ph type="body" idx="1"/>
           </p:nvPr>
         </p:nvSpPr>
         <p:spPr>
           <a:xfrm>
-            <a:off x="839788" y="365125"/>
-            <a:ext cx="10515600" cy="1325563"/>
+            <a:off x="675745" y="2160983"/>
+            <a:ext cx="4185623" cy="576262"/>
           </a:xfrm>
         </p:spPr>
         <p:txBody>
-          <a:bodyPr/>
-          <a:lstStyle/>
-          <a:p>
-            <a:r>
-              <a:rPr lang="en-US"/>
-              <a:t>Click to edit Master title style</a:t>
-            </a:r>
-          </a:p>
-        </p:txBody>
-      </p:sp>
-      <p:sp>
-        <p:nvSpPr>
-          <p:cNvPr id="3" name="Text Placeholder 2">
-            <a:extLst>
-              <a:ext uri="{FF2B5EF4-FFF2-40B4-BE49-F238E27FC236}">
-                <a16:creationId xmlns:a16="http://schemas.microsoft.com/office/drawing/2014/main" id="{0DF5F216-4F5B-43E1-90B7-3A073C447973}"/>
-              </a:ext>
-            </a:extLst>
-          </p:cNvPr>
-          <p:cNvSpPr>
-            <a:spLocks noGrp="1"/>
-          </p:cNvSpPr>
-          <p:nvPr>
-            <p:ph type="body" idx="1"/>
-          </p:nvPr>
-        </p:nvSpPr>
-        <p:spPr>
-          <a:xfrm>
-            <a:off x="839788" y="1681163"/>
-            <a:ext cx="5157787" cy="823912"/>
-          </a:xfrm>
-        </p:spPr>
-        <p:txBody>
-          <a:bodyPr anchor="b"/>
+          <a:bodyPr anchor="b">
+            <a:noAutofit/>
+          </a:bodyPr>
           <a:lstStyle>
             <a:lvl1pPr marL="0" indent="0">
               <a:buNone/>
-              <a:defRPr sz="2400" b="1"/>
+              <a:defRPr sz="2400" b="0"/>
             </a:lvl1pPr>
             <a:lvl2pPr marL="457200" indent="0">
               <a:buNone/>
@@ -2043,13 +4079,7 @@
       </p:sp>
       <p:sp>
         <p:nvSpPr>
-          <p:cNvPr id="4" name="Content Placeholder 3">
-            <a:extLst>
-              <a:ext uri="{FF2B5EF4-FFF2-40B4-BE49-F238E27FC236}">
-                <a16:creationId xmlns:a16="http://schemas.microsoft.com/office/drawing/2014/main" id="{E818E20B-7078-49C1-8458-9184ED9A6660}"/>
-              </a:ext>
-            </a:extLst>
-          </p:cNvPr>
+          <p:cNvPr id="4" name="Content Placeholder 3"/>
           <p:cNvSpPr>
             <a:spLocks noGrp="1"/>
           </p:cNvSpPr>
@@ -2059,12 +4089,14 @@
         </p:nvSpPr>
         <p:spPr>
           <a:xfrm>
-            <a:off x="839788" y="2505075"/>
-            <a:ext cx="5157787" cy="3684588"/>
+            <a:off x="675745" y="2737245"/>
+            <a:ext cx="4185623" cy="3304117"/>
           </a:xfrm>
         </p:spPr>
         <p:txBody>
-          <a:bodyPr/>
+          <a:bodyPr>
+            <a:normAutofit/>
+          </a:bodyPr>
           <a:lstStyle/>
           <a:p>
             <a:pPr lvl="0"/>
@@ -2100,18 +4132,13 @@
               <a:rPr lang="en-US"/>
               <a:t>Fifth level</a:t>
             </a:r>
-          </a:p>
-        </p:txBody>
-      </p:sp>
-      <p:sp>
-        <p:nvSpPr>
-          <p:cNvPr id="5" name="Text Placeholder 4">
-            <a:extLst>
-              <a:ext uri="{FF2B5EF4-FFF2-40B4-BE49-F238E27FC236}">
-                <a16:creationId xmlns:a16="http://schemas.microsoft.com/office/drawing/2014/main" id="{8A542E8E-DCA6-4519-BB6A-898999A175F9}"/>
-              </a:ext>
-            </a:extLst>
-          </p:cNvPr>
+            <a:endParaRPr lang="en-US" dirty="0"/>
+          </a:p>
+        </p:txBody>
+      </p:sp>
+      <p:sp>
+        <p:nvSpPr>
+          <p:cNvPr id="5" name="Text Placeholder 4"/>
           <p:cNvSpPr>
             <a:spLocks noGrp="1"/>
           </p:cNvSpPr>
@@ -2121,16 +4148,18 @@
         </p:nvSpPr>
         <p:spPr>
           <a:xfrm>
-            <a:off x="6172200" y="1681163"/>
-            <a:ext cx="5183188" cy="823912"/>
+            <a:off x="5088383" y="2160983"/>
+            <a:ext cx="4185618" cy="576262"/>
           </a:xfrm>
         </p:spPr>
         <p:txBody>
-          <a:bodyPr anchor="b"/>
+          <a:bodyPr anchor="b">
+            <a:noAutofit/>
+          </a:bodyPr>
           <a:lstStyle>
             <a:lvl1pPr marL="0" indent="0">
               <a:buNone/>
-              <a:defRPr sz="2400" b="1"/>
+              <a:defRPr sz="2400" b="0"/>
             </a:lvl1pPr>
             <a:lvl2pPr marL="457200" indent="0">
               <a:buNone/>
@@ -2176,13 +4205,7 @@
       </p:sp>
       <p:sp>
         <p:nvSpPr>
-          <p:cNvPr id="6" name="Content Placeholder 5">
-            <a:extLst>
-              <a:ext uri="{FF2B5EF4-FFF2-40B4-BE49-F238E27FC236}">
-                <a16:creationId xmlns:a16="http://schemas.microsoft.com/office/drawing/2014/main" id="{574022C2-A433-4001-9D08-8DC6D42439D8}"/>
-              </a:ext>
-            </a:extLst>
-          </p:cNvPr>
+          <p:cNvPr id="6" name="Content Placeholder 5"/>
           <p:cNvSpPr>
             <a:spLocks noGrp="1"/>
           </p:cNvSpPr>
@@ -2192,12 +4215,14 @@
         </p:nvSpPr>
         <p:spPr>
           <a:xfrm>
-            <a:off x="6172200" y="2505075"/>
-            <a:ext cx="5183188" cy="3684588"/>
+            <a:off x="5088384" y="2737245"/>
+            <a:ext cx="4185617" cy="3304117"/>
           </a:xfrm>
         </p:spPr>
         <p:txBody>
-          <a:bodyPr/>
+          <a:bodyPr>
+            <a:normAutofit/>
+          </a:bodyPr>
           <a:lstStyle/>
           <a:p>
             <a:pPr lvl="0"/>
@@ -2233,18 +4258,13 @@
               <a:rPr lang="en-US"/>
               <a:t>Fifth level</a:t>
             </a:r>
-          </a:p>
-        </p:txBody>
-      </p:sp>
-      <p:sp>
-        <p:nvSpPr>
-          <p:cNvPr id="7" name="Date Placeholder 6">
-            <a:extLst>
-              <a:ext uri="{FF2B5EF4-FFF2-40B4-BE49-F238E27FC236}">
-                <a16:creationId xmlns:a16="http://schemas.microsoft.com/office/drawing/2014/main" id="{911FFF2F-C57A-4EAD-A7BC-E9F189CCF1EB}"/>
-              </a:ext>
-            </a:extLst>
-          </p:cNvPr>
+            <a:endParaRPr lang="en-US" dirty="0"/>
+          </a:p>
+        </p:txBody>
+      </p:sp>
+      <p:sp>
+        <p:nvSpPr>
+          <p:cNvPr id="7" name="Date Placeholder 6"/>
           <p:cNvSpPr>
             <a:spLocks noGrp="1"/>
           </p:cNvSpPr>
@@ -2259,7 +4279,7 @@
           <a:p>
             <a:fld id="{1E95B060-CB76-45B8-9159-E2C13ACFFB3A}" type="datetimeFigureOut">
               <a:rPr lang="en-US" smtClean="0"/>
-              <a:t>4/24/2019</a:t>
+              <a:t>4/25/2019</a:t>
             </a:fld>
             <a:endParaRPr lang="en-US"/>
           </a:p>
@@ -2267,13 +4287,7 @@
       </p:sp>
       <p:sp>
         <p:nvSpPr>
-          <p:cNvPr id="8" name="Footer Placeholder 7">
-            <a:extLst>
-              <a:ext uri="{FF2B5EF4-FFF2-40B4-BE49-F238E27FC236}">
-                <a16:creationId xmlns:a16="http://schemas.microsoft.com/office/drawing/2014/main" id="{6A4F2553-C227-49FA-8D42-6C7A02A0F90B}"/>
-              </a:ext>
-            </a:extLst>
-          </p:cNvPr>
+          <p:cNvPr id="8" name="Footer Placeholder 7"/>
           <p:cNvSpPr>
             <a:spLocks noGrp="1"/>
           </p:cNvSpPr>
@@ -2292,13 +4306,7 @@
       </p:sp>
       <p:sp>
         <p:nvSpPr>
-          <p:cNvPr id="9" name="Slide Number Placeholder 8">
-            <a:extLst>
-              <a:ext uri="{FF2B5EF4-FFF2-40B4-BE49-F238E27FC236}">
-                <a16:creationId xmlns:a16="http://schemas.microsoft.com/office/drawing/2014/main" id="{8B9E4060-8054-4FCE-AE00-45ECE039D00C}"/>
-              </a:ext>
-            </a:extLst>
-          </p:cNvPr>
+          <p:cNvPr id="9" name="Slide Number Placeholder 8"/>
           <p:cNvSpPr>
             <a:spLocks noGrp="1"/>
           </p:cNvSpPr>
@@ -2322,7 +4330,7 @@
     </p:spTree>
     <p:extLst>
       <p:ext uri="{BB962C8B-B14F-4D97-AF65-F5344CB8AC3E}">
-        <p14:creationId xmlns:p14="http://schemas.microsoft.com/office/powerpoint/2010/main" val="2584704292"/>
+        <p14:creationId xmlns:p14="http://schemas.microsoft.com/office/powerpoint/2010/main" val="323864356"/>
       </p:ext>
     </p:extLst>
   </p:cSld>
@@ -2351,13 +4359,7 @@
       </p:grpSpPr>
       <p:sp>
         <p:nvSpPr>
-          <p:cNvPr id="2" name="Title 1">
-            <a:extLst>
-              <a:ext uri="{FF2B5EF4-FFF2-40B4-BE49-F238E27FC236}">
-                <a16:creationId xmlns:a16="http://schemas.microsoft.com/office/drawing/2014/main" id="{099C1702-650E-4FE9-89D7-187B38955EBA}"/>
-              </a:ext>
-            </a:extLst>
-          </p:cNvPr>
+          <p:cNvPr id="2" name="Title 1"/>
           <p:cNvSpPr>
             <a:spLocks noGrp="1"/>
           </p:cNvSpPr>
@@ -2365,7 +4367,12 @@
             <p:ph type="title"/>
           </p:nvPr>
         </p:nvSpPr>
-        <p:spPr/>
+        <p:spPr>
+          <a:xfrm>
+            <a:off x="677334" y="609600"/>
+            <a:ext cx="8596668" cy="1320800"/>
+          </a:xfrm>
+        </p:spPr>
         <p:txBody>
           <a:bodyPr/>
           <a:lstStyle/>
@@ -2374,18 +4381,13 @@
               <a:rPr lang="en-US"/>
               <a:t>Click to edit Master title style</a:t>
             </a:r>
-          </a:p>
-        </p:txBody>
-      </p:sp>
-      <p:sp>
-        <p:nvSpPr>
-          <p:cNvPr id="3" name="Date Placeholder 2">
-            <a:extLst>
-              <a:ext uri="{FF2B5EF4-FFF2-40B4-BE49-F238E27FC236}">
-                <a16:creationId xmlns:a16="http://schemas.microsoft.com/office/drawing/2014/main" id="{BEB93E0A-B069-4E53-8BF3-A2FC3FBC6D88}"/>
-              </a:ext>
-            </a:extLst>
-          </p:cNvPr>
+            <a:endParaRPr lang="en-US" dirty="0"/>
+          </a:p>
+        </p:txBody>
+      </p:sp>
+      <p:sp>
+        <p:nvSpPr>
+          <p:cNvPr id="3" name="Date Placeholder 2"/>
           <p:cNvSpPr>
             <a:spLocks noGrp="1"/>
           </p:cNvSpPr>
@@ -2400,7 +4402,7 @@
           <a:p>
             <a:fld id="{1E95B060-CB76-45B8-9159-E2C13ACFFB3A}" type="datetimeFigureOut">
               <a:rPr lang="en-US" smtClean="0"/>
-              <a:t>4/24/2019</a:t>
+              <a:t>4/25/2019</a:t>
             </a:fld>
             <a:endParaRPr lang="en-US"/>
           </a:p>
@@ -2408,13 +4410,7 @@
       </p:sp>
       <p:sp>
         <p:nvSpPr>
-          <p:cNvPr id="4" name="Footer Placeholder 3">
-            <a:extLst>
-              <a:ext uri="{FF2B5EF4-FFF2-40B4-BE49-F238E27FC236}">
-                <a16:creationId xmlns:a16="http://schemas.microsoft.com/office/drawing/2014/main" id="{83CEF499-6970-40BB-BF63-44E5D14892AA}"/>
-              </a:ext>
-            </a:extLst>
-          </p:cNvPr>
+          <p:cNvPr id="4" name="Footer Placeholder 3"/>
           <p:cNvSpPr>
             <a:spLocks noGrp="1"/>
           </p:cNvSpPr>
@@ -2433,13 +4429,7 @@
       </p:sp>
       <p:sp>
         <p:nvSpPr>
-          <p:cNvPr id="5" name="Slide Number Placeholder 4">
-            <a:extLst>
-              <a:ext uri="{FF2B5EF4-FFF2-40B4-BE49-F238E27FC236}">
-                <a16:creationId xmlns:a16="http://schemas.microsoft.com/office/drawing/2014/main" id="{D3C5F301-04B9-401C-86FC-4B495F480D77}"/>
-              </a:ext>
-            </a:extLst>
-          </p:cNvPr>
+          <p:cNvPr id="5" name="Slide Number Placeholder 4"/>
           <p:cNvSpPr>
             <a:spLocks noGrp="1"/>
           </p:cNvSpPr>
@@ -2463,7 +4453,7 @@
     </p:spTree>
     <p:extLst>
       <p:ext uri="{BB962C8B-B14F-4D97-AF65-F5344CB8AC3E}">
-        <p14:creationId xmlns:p14="http://schemas.microsoft.com/office/powerpoint/2010/main" val="1931520764"/>
+        <p14:creationId xmlns:p14="http://schemas.microsoft.com/office/powerpoint/2010/main" val="762213439"/>
       </p:ext>
     </p:extLst>
   </p:cSld>
@@ -2492,13 +4482,7 @@
       </p:grpSpPr>
       <p:sp>
         <p:nvSpPr>
-          <p:cNvPr id="2" name="Date Placeholder 1">
-            <a:extLst>
-              <a:ext uri="{FF2B5EF4-FFF2-40B4-BE49-F238E27FC236}">
-                <a16:creationId xmlns:a16="http://schemas.microsoft.com/office/drawing/2014/main" id="{2CEEC32A-B206-4BCD-90B0-F8127DB379EA}"/>
-              </a:ext>
-            </a:extLst>
-          </p:cNvPr>
+          <p:cNvPr id="2" name="Date Placeholder 1"/>
           <p:cNvSpPr>
             <a:spLocks noGrp="1"/>
           </p:cNvSpPr>
@@ -2513,7 +4497,7 @@
           <a:p>
             <a:fld id="{1E95B060-CB76-45B8-9159-E2C13ACFFB3A}" type="datetimeFigureOut">
               <a:rPr lang="en-US" smtClean="0"/>
-              <a:t>4/24/2019</a:t>
+              <a:t>4/25/2019</a:t>
             </a:fld>
             <a:endParaRPr lang="en-US"/>
           </a:p>
@@ -2521,13 +4505,7 @@
       </p:sp>
       <p:sp>
         <p:nvSpPr>
-          <p:cNvPr id="3" name="Footer Placeholder 2">
-            <a:extLst>
-              <a:ext uri="{FF2B5EF4-FFF2-40B4-BE49-F238E27FC236}">
-                <a16:creationId xmlns:a16="http://schemas.microsoft.com/office/drawing/2014/main" id="{CBB4BB84-7B6A-4123-BC63-47C6DFDE001C}"/>
-              </a:ext>
-            </a:extLst>
-          </p:cNvPr>
+          <p:cNvPr id="3" name="Footer Placeholder 2"/>
           <p:cNvSpPr>
             <a:spLocks noGrp="1"/>
           </p:cNvSpPr>
@@ -2546,13 +4524,7 @@
       </p:sp>
       <p:sp>
         <p:nvSpPr>
-          <p:cNvPr id="4" name="Slide Number Placeholder 3">
-            <a:extLst>
-              <a:ext uri="{FF2B5EF4-FFF2-40B4-BE49-F238E27FC236}">
-                <a16:creationId xmlns:a16="http://schemas.microsoft.com/office/drawing/2014/main" id="{330CBEF4-7ED7-4F96-8F80-E1A57D5DEEBC}"/>
-              </a:ext>
-            </a:extLst>
-          </p:cNvPr>
+          <p:cNvPr id="4" name="Slide Number Placeholder 3"/>
           <p:cNvSpPr>
             <a:spLocks noGrp="1"/>
           </p:cNvSpPr>
@@ -2576,7 +4548,7 @@
     </p:spTree>
     <p:extLst>
       <p:ext uri="{BB962C8B-B14F-4D97-AF65-F5344CB8AC3E}">
-        <p14:creationId xmlns:p14="http://schemas.microsoft.com/office/powerpoint/2010/main" val="481443511"/>
+        <p14:creationId xmlns:p14="http://schemas.microsoft.com/office/powerpoint/2010/main" val="818251420"/>
       </p:ext>
     </p:extLst>
   </p:cSld>
@@ -2605,13 +4577,7 @@
       </p:grpSpPr>
       <p:sp>
         <p:nvSpPr>
-          <p:cNvPr id="2" name="Title 1">
-            <a:extLst>
-              <a:ext uri="{FF2B5EF4-FFF2-40B4-BE49-F238E27FC236}">
-                <a16:creationId xmlns:a16="http://schemas.microsoft.com/office/drawing/2014/main" id="{ECE4B178-E40E-4040-A465-2BE85A3E1B4D}"/>
-              </a:ext>
-            </a:extLst>
-          </p:cNvPr>
+          <p:cNvPr id="2" name="Title 1"/>
           <p:cNvSpPr>
             <a:spLocks noGrp="1"/>
           </p:cNvSpPr>
@@ -2621,15 +4587,17 @@
         </p:nvSpPr>
         <p:spPr>
           <a:xfrm>
-            <a:off x="839788" y="457200"/>
-            <a:ext cx="3932237" cy="1600200"/>
+            <a:off x="677334" y="1498604"/>
+            <a:ext cx="3854528" cy="1278466"/>
           </a:xfrm>
         </p:spPr>
         <p:txBody>
-          <a:bodyPr anchor="b"/>
+          <a:bodyPr anchor="b">
+            <a:normAutofit/>
+          </a:bodyPr>
           <a:lstStyle>
             <a:lvl1pPr>
-              <a:defRPr sz="3200"/>
+              <a:defRPr sz="2000"/>
             </a:lvl1pPr>
           </a:lstStyle>
           <a:p>
@@ -2637,18 +4605,13 @@
               <a:rPr lang="en-US"/>
               <a:t>Click to edit Master title style</a:t>
             </a:r>
-          </a:p>
-        </p:txBody>
-      </p:sp>
-      <p:sp>
-        <p:nvSpPr>
-          <p:cNvPr id="3" name="Content Placeholder 2">
-            <a:extLst>
-              <a:ext uri="{FF2B5EF4-FFF2-40B4-BE49-F238E27FC236}">
-                <a16:creationId xmlns:a16="http://schemas.microsoft.com/office/drawing/2014/main" id="{B88650E8-21AE-49E9-B0AD-02A2E3F3164E}"/>
-              </a:ext>
-            </a:extLst>
-          </p:cNvPr>
+            <a:endParaRPr lang="en-US" dirty="0"/>
+          </a:p>
+        </p:txBody>
+      </p:sp>
+      <p:sp>
+        <p:nvSpPr>
+          <p:cNvPr id="3" name="Content Placeholder 2"/>
           <p:cNvSpPr>
             <a:spLocks noGrp="1"/>
           </p:cNvSpPr>
@@ -2658,41 +4621,15 @@
         </p:nvSpPr>
         <p:spPr>
           <a:xfrm>
-            <a:off x="5183188" y="987425"/>
-            <a:ext cx="6172200" cy="4873625"/>
+            <a:off x="4760461" y="514924"/>
+            <a:ext cx="4513541" cy="5526437"/>
           </a:xfrm>
         </p:spPr>
         <p:txBody>
-          <a:bodyPr/>
-          <a:lstStyle>
-            <a:lvl1pPr>
-              <a:defRPr sz="3200"/>
-            </a:lvl1pPr>
-            <a:lvl2pPr>
-              <a:defRPr sz="2800"/>
-            </a:lvl2pPr>
-            <a:lvl3pPr>
-              <a:defRPr sz="2400"/>
-            </a:lvl3pPr>
-            <a:lvl4pPr>
-              <a:defRPr sz="2000"/>
-            </a:lvl4pPr>
-            <a:lvl5pPr>
-              <a:defRPr sz="2000"/>
-            </a:lvl5pPr>
-            <a:lvl6pPr>
-              <a:defRPr sz="2000"/>
-            </a:lvl6pPr>
-            <a:lvl7pPr>
-              <a:defRPr sz="2000"/>
-            </a:lvl7pPr>
-            <a:lvl8pPr>
-              <a:defRPr sz="2000"/>
-            </a:lvl8pPr>
-            <a:lvl9pPr>
-              <a:defRPr sz="2000"/>
-            </a:lvl9pPr>
-          </a:lstStyle>
+          <a:bodyPr>
+            <a:normAutofit/>
+          </a:bodyPr>
+          <a:lstStyle/>
           <a:p>
             <a:pPr lvl="0"/>
             <a:r>
@@ -2727,18 +4664,13 @@
               <a:rPr lang="en-US"/>
               <a:t>Fifth level</a:t>
             </a:r>
-          </a:p>
-        </p:txBody>
-      </p:sp>
-      <p:sp>
-        <p:nvSpPr>
-          <p:cNvPr id="4" name="Text Placeholder 3">
-            <a:extLst>
-              <a:ext uri="{FF2B5EF4-FFF2-40B4-BE49-F238E27FC236}">
-                <a16:creationId xmlns:a16="http://schemas.microsoft.com/office/drawing/2014/main" id="{2EFAB04E-1959-449A-9D7D-3BD1FDE34F11}"/>
-              </a:ext>
-            </a:extLst>
-          </p:cNvPr>
+            <a:endParaRPr lang="en-US" dirty="0"/>
+          </a:p>
+        </p:txBody>
+      </p:sp>
+      <p:sp>
+        <p:nvSpPr>
+          <p:cNvPr id="4" name="Text Placeholder 3"/>
           <p:cNvSpPr>
             <a:spLocks noGrp="1"/>
           </p:cNvSpPr>
@@ -2748,46 +4680,48 @@
         </p:nvSpPr>
         <p:spPr>
           <a:xfrm>
-            <a:off x="839788" y="2057400"/>
-            <a:ext cx="3932237" cy="3811588"/>
+            <a:off x="677334" y="2777069"/>
+            <a:ext cx="3854528" cy="2584449"/>
           </a:xfrm>
         </p:spPr>
         <p:txBody>
-          <a:bodyPr/>
+          <a:bodyPr>
+            <a:normAutofit/>
+          </a:bodyPr>
           <a:lstStyle>
             <a:lvl1pPr marL="0" indent="0">
               <a:buNone/>
-              <a:defRPr sz="1600"/>
+              <a:defRPr sz="1400"/>
             </a:lvl1pPr>
-            <a:lvl2pPr marL="457200" indent="0">
+            <a:lvl2pPr marL="457063" indent="0">
               <a:buNone/>
               <a:defRPr sz="1400"/>
             </a:lvl2pPr>
-            <a:lvl3pPr marL="914400" indent="0">
+            <a:lvl3pPr marL="914126" indent="0">
               <a:buNone/>
               <a:defRPr sz="1200"/>
             </a:lvl3pPr>
-            <a:lvl4pPr marL="1371600" indent="0">
+            <a:lvl4pPr marL="1371189" indent="0">
               <a:buNone/>
               <a:defRPr sz="1000"/>
             </a:lvl4pPr>
-            <a:lvl5pPr marL="1828800" indent="0">
+            <a:lvl5pPr marL="1828251" indent="0">
               <a:buNone/>
               <a:defRPr sz="1000"/>
             </a:lvl5pPr>
-            <a:lvl6pPr marL="2286000" indent="0">
+            <a:lvl6pPr marL="2285314" indent="0">
               <a:buNone/>
               <a:defRPr sz="1000"/>
             </a:lvl6pPr>
-            <a:lvl7pPr marL="2743200" indent="0">
+            <a:lvl7pPr marL="2742377" indent="0">
               <a:buNone/>
               <a:defRPr sz="1000"/>
             </a:lvl7pPr>
-            <a:lvl8pPr marL="3200400" indent="0">
+            <a:lvl8pPr marL="3199440" indent="0">
               <a:buNone/>
               <a:defRPr sz="1000"/>
             </a:lvl8pPr>
-            <a:lvl9pPr marL="3657600" indent="0">
+            <a:lvl9pPr marL="3656503" indent="0">
               <a:buNone/>
               <a:defRPr sz="1000"/>
             </a:lvl9pPr>
@@ -2803,13 +4737,7 @@
       </p:sp>
       <p:sp>
         <p:nvSpPr>
-          <p:cNvPr id="5" name="Date Placeholder 4">
-            <a:extLst>
-              <a:ext uri="{FF2B5EF4-FFF2-40B4-BE49-F238E27FC236}">
-                <a16:creationId xmlns:a16="http://schemas.microsoft.com/office/drawing/2014/main" id="{A0DEB437-5390-4111-8A94-5F636E160B6C}"/>
-              </a:ext>
-            </a:extLst>
-          </p:cNvPr>
+          <p:cNvPr id="5" name="Date Placeholder 4"/>
           <p:cNvSpPr>
             <a:spLocks noGrp="1"/>
           </p:cNvSpPr>
@@ -2824,7 +4752,7 @@
           <a:p>
             <a:fld id="{1E95B060-CB76-45B8-9159-E2C13ACFFB3A}" type="datetimeFigureOut">
               <a:rPr lang="en-US" smtClean="0"/>
-              <a:t>4/24/2019</a:t>
+              <a:t>4/25/2019</a:t>
             </a:fld>
             <a:endParaRPr lang="en-US"/>
           </a:p>
@@ -2832,13 +4760,7 @@
       </p:sp>
       <p:sp>
         <p:nvSpPr>
-          <p:cNvPr id="6" name="Footer Placeholder 5">
-            <a:extLst>
-              <a:ext uri="{FF2B5EF4-FFF2-40B4-BE49-F238E27FC236}">
-                <a16:creationId xmlns:a16="http://schemas.microsoft.com/office/drawing/2014/main" id="{C2D065D8-75E1-4D4B-908E-F43A4789E69F}"/>
-              </a:ext>
-            </a:extLst>
-          </p:cNvPr>
+          <p:cNvPr id="6" name="Footer Placeholder 5"/>
           <p:cNvSpPr>
             <a:spLocks noGrp="1"/>
           </p:cNvSpPr>
@@ -2857,13 +4779,7 @@
       </p:sp>
       <p:sp>
         <p:nvSpPr>
-          <p:cNvPr id="7" name="Slide Number Placeholder 6">
-            <a:extLst>
-              <a:ext uri="{FF2B5EF4-FFF2-40B4-BE49-F238E27FC236}">
-                <a16:creationId xmlns:a16="http://schemas.microsoft.com/office/drawing/2014/main" id="{D9CE3C42-E8D6-4ED4-AF1F-F80E49053A87}"/>
-              </a:ext>
-            </a:extLst>
-          </p:cNvPr>
+          <p:cNvPr id="7" name="Slide Number Placeholder 6"/>
           <p:cNvSpPr>
             <a:spLocks noGrp="1"/>
           </p:cNvSpPr>
@@ -2887,7 +4803,7 @@
     </p:spTree>
     <p:extLst>
       <p:ext uri="{BB962C8B-B14F-4D97-AF65-F5344CB8AC3E}">
-        <p14:creationId xmlns:p14="http://schemas.microsoft.com/office/powerpoint/2010/main" val="1898780573"/>
+        <p14:creationId xmlns:p14="http://schemas.microsoft.com/office/powerpoint/2010/main" val="3503524135"/>
       </p:ext>
     </p:extLst>
   </p:cSld>
@@ -2916,13 +4832,7 @@
       </p:grpSpPr>
       <p:sp>
         <p:nvSpPr>
-          <p:cNvPr id="2" name="Title 1">
-            <a:extLst>
-              <a:ext uri="{FF2B5EF4-FFF2-40B4-BE49-F238E27FC236}">
-                <a16:creationId xmlns:a16="http://schemas.microsoft.com/office/drawing/2014/main" id="{2C30FE4F-9AA6-4740-878F-FE750C07BAF8}"/>
-              </a:ext>
-            </a:extLst>
-          </p:cNvPr>
+          <p:cNvPr id="2" name="Title 1"/>
           <p:cNvSpPr>
             <a:spLocks noGrp="1"/>
           </p:cNvSpPr>
@@ -2932,15 +4842,17 @@
         </p:nvSpPr>
         <p:spPr>
           <a:xfrm>
-            <a:off x="839788" y="457200"/>
-            <a:ext cx="3932237" cy="1600200"/>
+            <a:off x="677334" y="4800600"/>
+            <a:ext cx="8596667" cy="566738"/>
           </a:xfrm>
         </p:spPr>
         <p:txBody>
-          <a:bodyPr anchor="b"/>
+          <a:bodyPr anchor="b">
+            <a:normAutofit/>
+          </a:bodyPr>
           <a:lstStyle>
-            <a:lvl1pPr>
-              <a:defRPr sz="3200"/>
+            <a:lvl1pPr algn="l">
+              <a:defRPr sz="2400" b="0"/>
             </a:lvl1pPr>
           </a:lstStyle>
           <a:p>
@@ -2948,20 +4860,15 @@
               <a:rPr lang="en-US"/>
               <a:t>Click to edit Master title style</a:t>
             </a:r>
-          </a:p>
-        </p:txBody>
-      </p:sp>
-      <p:sp>
-        <p:nvSpPr>
-          <p:cNvPr id="3" name="Picture Placeholder 2">
-            <a:extLst>
-              <a:ext uri="{FF2B5EF4-FFF2-40B4-BE49-F238E27FC236}">
-                <a16:creationId xmlns:a16="http://schemas.microsoft.com/office/drawing/2014/main" id="{219FBB7E-11F9-4ACF-B535-27B3313FAD4E}"/>
-              </a:ext>
-            </a:extLst>
-          </p:cNvPr>
-          <p:cNvSpPr>
-            <a:spLocks noGrp="1"/>
+            <a:endParaRPr lang="en-US" dirty="0"/>
+          </a:p>
+        </p:txBody>
+      </p:sp>
+      <p:sp>
+        <p:nvSpPr>
+          <p:cNvPr id="3" name="Picture Placeholder 2"/>
+          <p:cNvSpPr>
+            <a:spLocks noGrp="1" noChangeAspect="1"/>
           </p:cNvSpPr>
           <p:nvPr>
             <p:ph type="pic" idx="1"/>
@@ -2969,118 +4876,120 @@
         </p:nvSpPr>
         <p:spPr>
           <a:xfrm>
-            <a:off x="5183188" y="987425"/>
-            <a:ext cx="6172200" cy="4873625"/>
+            <a:off x="677334" y="609600"/>
+            <a:ext cx="8596668" cy="3845718"/>
           </a:xfrm>
         </p:spPr>
         <p:txBody>
-          <a:bodyPr/>
+          <a:bodyPr anchor="t">
+            <a:normAutofit/>
+          </a:bodyPr>
           <a:lstStyle>
-            <a:lvl1pPr marL="0" indent="0">
-              <a:buNone/>
-              <a:defRPr sz="3200"/>
-            </a:lvl1pPr>
-            <a:lvl2pPr marL="457200" indent="0">
-              <a:buNone/>
-              <a:defRPr sz="2800"/>
-            </a:lvl2pPr>
-            <a:lvl3pPr marL="914400" indent="0">
-              <a:buNone/>
-              <a:defRPr sz="2400"/>
-            </a:lvl3pPr>
-            <a:lvl4pPr marL="1371600" indent="0">
-              <a:buNone/>
-              <a:defRPr sz="2000"/>
-            </a:lvl4pPr>
-            <a:lvl5pPr marL="1828800" indent="0">
-              <a:buNone/>
-              <a:defRPr sz="2000"/>
-            </a:lvl5pPr>
-            <a:lvl6pPr marL="2286000" indent="0">
-              <a:buNone/>
-              <a:defRPr sz="2000"/>
-            </a:lvl6pPr>
-            <a:lvl7pPr marL="2743200" indent="0">
-              <a:buNone/>
-              <a:defRPr sz="2000"/>
-            </a:lvl7pPr>
-            <a:lvl8pPr marL="3200400" indent="0">
-              <a:buNone/>
-              <a:defRPr sz="2000"/>
-            </a:lvl8pPr>
-            <a:lvl9pPr marL="3657600" indent="0">
-              <a:buNone/>
-              <a:defRPr sz="2000"/>
-            </a:lvl9pPr>
-          </a:lstStyle>
-          <a:p>
-            <a:endParaRPr lang="en-US"/>
-          </a:p>
-        </p:txBody>
-      </p:sp>
-      <p:sp>
-        <p:nvSpPr>
-          <p:cNvPr id="4" name="Text Placeholder 3">
-            <a:extLst>
-              <a:ext uri="{FF2B5EF4-FFF2-40B4-BE49-F238E27FC236}">
-                <a16:creationId xmlns:a16="http://schemas.microsoft.com/office/drawing/2014/main" id="{9ED5FF63-6938-4369-ACA0-1E933673BF25}"/>
-              </a:ext>
-            </a:extLst>
-          </p:cNvPr>
-          <p:cNvSpPr>
-            <a:spLocks noGrp="1"/>
-          </p:cNvSpPr>
-          <p:nvPr>
-            <p:ph type="body" sz="half" idx="2"/>
-          </p:nvPr>
-        </p:nvSpPr>
-        <p:spPr>
-          <a:xfrm>
-            <a:off x="839788" y="2057400"/>
-            <a:ext cx="3932237" cy="3811588"/>
-          </a:xfrm>
-        </p:spPr>
-        <p:txBody>
-          <a:bodyPr/>
-          <a:lstStyle>
-            <a:lvl1pPr marL="0" indent="0">
+            <a:lvl1pPr marL="0" indent="0" algn="ctr">
               <a:buNone/>
               <a:defRPr sz="1600"/>
             </a:lvl1pPr>
             <a:lvl2pPr marL="457200" indent="0">
               <a:buNone/>
-              <a:defRPr sz="1400"/>
+              <a:defRPr sz="1600"/>
             </a:lvl2pPr>
             <a:lvl3pPr marL="914400" indent="0">
               <a:buNone/>
-              <a:defRPr sz="1200"/>
+              <a:defRPr sz="1600"/>
             </a:lvl3pPr>
             <a:lvl4pPr marL="1371600" indent="0">
               <a:buNone/>
-              <a:defRPr sz="1000"/>
+              <a:defRPr sz="1600"/>
             </a:lvl4pPr>
             <a:lvl5pPr marL="1828800" indent="0">
               <a:buNone/>
-              <a:defRPr sz="1000"/>
+              <a:defRPr sz="1600"/>
             </a:lvl5pPr>
             <a:lvl6pPr marL="2286000" indent="0">
               <a:buNone/>
-              <a:defRPr sz="1000"/>
+              <a:defRPr sz="1600"/>
             </a:lvl6pPr>
             <a:lvl7pPr marL="2743200" indent="0">
               <a:buNone/>
-              <a:defRPr sz="1000"/>
+              <a:defRPr sz="1600"/>
             </a:lvl7pPr>
             <a:lvl8pPr marL="3200400" indent="0">
               <a:buNone/>
-              <a:defRPr sz="1000"/>
+              <a:defRPr sz="1600"/>
             </a:lvl8pPr>
             <a:lvl9pPr marL="3657600" indent="0">
               <a:buNone/>
-              <a:defRPr sz="1000"/>
+              <a:defRPr sz="1600"/>
             </a:lvl9pPr>
           </a:lstStyle>
           <a:p>
+            <a:r>
+              <a:rPr lang="en-US"/>
+              <a:t>Click icon to add picture</a:t>
+            </a:r>
+            <a:endParaRPr lang="en-US" dirty="0"/>
+          </a:p>
+        </p:txBody>
+      </p:sp>
+      <p:sp>
+        <p:nvSpPr>
+          <p:cNvPr id="4" name="Text Placeholder 3"/>
+          <p:cNvSpPr>
+            <a:spLocks noGrp="1"/>
+          </p:cNvSpPr>
+          <p:nvPr>
+            <p:ph type="body" sz="half" idx="2"/>
+          </p:nvPr>
+        </p:nvSpPr>
+        <p:spPr>
+          <a:xfrm>
+            <a:off x="677334" y="5367338"/>
+            <a:ext cx="8596667" cy="674024"/>
+          </a:xfrm>
+        </p:spPr>
+        <p:txBody>
+          <a:bodyPr>
+            <a:normAutofit/>
+          </a:bodyPr>
+          <a:lstStyle>
+            <a:lvl1pPr marL="0" indent="0">
+              <a:buNone/>
+              <a:defRPr sz="1200"/>
+            </a:lvl1pPr>
+            <a:lvl2pPr marL="457200" indent="0">
+              <a:buNone/>
+              <a:defRPr sz="1200"/>
+            </a:lvl2pPr>
+            <a:lvl3pPr marL="914400" indent="0">
+              <a:buNone/>
+              <a:defRPr sz="1000"/>
+            </a:lvl3pPr>
+            <a:lvl4pPr marL="1371600" indent="0">
+              <a:buNone/>
+              <a:defRPr sz="900"/>
+            </a:lvl4pPr>
+            <a:lvl5pPr marL="1828800" indent="0">
+              <a:buNone/>
+              <a:defRPr sz="900"/>
+            </a:lvl5pPr>
+            <a:lvl6pPr marL="2286000" indent="0">
+              <a:buNone/>
+              <a:defRPr sz="900"/>
+            </a:lvl6pPr>
+            <a:lvl7pPr marL="2743200" indent="0">
+              <a:buNone/>
+              <a:defRPr sz="900"/>
+            </a:lvl7pPr>
+            <a:lvl8pPr marL="3200400" indent="0">
+              <a:buNone/>
+              <a:defRPr sz="900"/>
+            </a:lvl8pPr>
+            <a:lvl9pPr marL="3657600" indent="0">
+              <a:buNone/>
+              <a:defRPr sz="900"/>
+            </a:lvl9pPr>
+          </a:lstStyle>
+          <a:p>
             <a:pPr lvl="0"/>
             <a:r>
               <a:rPr lang="en-US"/>
@@ -3091,18 +5000,12 @@
       </p:sp>
       <p:sp>
         <p:nvSpPr>
-          <p:cNvPr id="5" name="Date Placeholder 4">
-            <a:extLst>
-              <a:ext uri="{FF2B5EF4-FFF2-40B4-BE49-F238E27FC236}">
-                <a16:creationId xmlns:a16="http://schemas.microsoft.com/office/drawing/2014/main" id="{D5F890BC-3474-440A-AF5F-B5DFE49F3BC6}"/>
-              </a:ext>
-            </a:extLst>
-          </p:cNvPr>
-          <p:cNvSpPr>
-            <a:spLocks noGrp="1"/>
-          </p:cNvSpPr>
-          <p:nvPr>
-            <p:ph type="dt" sz="half" idx="10"/>
+          <p:cNvPr id="6" name="Footer Placeholder 5"/>
+          <p:cNvSpPr>
+            <a:spLocks noGrp="1"/>
+          </p:cNvSpPr>
+          <p:nvPr>
+            <p:ph type="ftr" sz="quarter" idx="11"/>
           </p:nvPr>
         </p:nvSpPr>
         <p:spPr/>
@@ -3110,48 +5013,13 @@
           <a:bodyPr/>
           <a:lstStyle/>
           <a:p>
-            <a:fld id="{1E95B060-CB76-45B8-9159-E2C13ACFFB3A}" type="datetimeFigureOut">
-              <a:rPr lang="en-US" smtClean="0"/>
-              <a:t>4/24/2019</a:t>
-            </a:fld>
             <a:endParaRPr lang="en-US"/>
           </a:p>
         </p:txBody>
       </p:sp>
       <p:sp>
         <p:nvSpPr>
-          <p:cNvPr id="6" name="Footer Placeholder 5">
-            <a:extLst>
-              <a:ext uri="{FF2B5EF4-FFF2-40B4-BE49-F238E27FC236}">
-                <a16:creationId xmlns:a16="http://schemas.microsoft.com/office/drawing/2014/main" id="{76CC99FE-D202-40C2-8CEA-DEF6F8C5D0C1}"/>
-              </a:ext>
-            </a:extLst>
-          </p:cNvPr>
-          <p:cNvSpPr>
-            <a:spLocks noGrp="1"/>
-          </p:cNvSpPr>
-          <p:nvPr>
-            <p:ph type="ftr" sz="quarter" idx="11"/>
-          </p:nvPr>
-        </p:nvSpPr>
-        <p:spPr/>
-        <p:txBody>
-          <a:bodyPr/>
-          <a:lstStyle/>
-          <a:p>
-            <a:endParaRPr lang="en-US"/>
-          </a:p>
-        </p:txBody>
-      </p:sp>
-      <p:sp>
-        <p:nvSpPr>
-          <p:cNvPr id="7" name="Slide Number Placeholder 6">
-            <a:extLst>
-              <a:ext uri="{FF2B5EF4-FFF2-40B4-BE49-F238E27FC236}">
-                <a16:creationId xmlns:a16="http://schemas.microsoft.com/office/drawing/2014/main" id="{A231B939-2948-4F91-813A-57EEECD30239}"/>
-              </a:ext>
-            </a:extLst>
-          </p:cNvPr>
+          <p:cNvPr id="7" name="Slide Number Placeholder 6"/>
           <p:cNvSpPr>
             <a:spLocks noGrp="1"/>
           </p:cNvSpPr>
@@ -3172,10 +5040,33 @@
           </a:p>
         </p:txBody>
       </p:sp>
+      <p:sp>
+        <p:nvSpPr>
+          <p:cNvPr id="5" name="Date Placeholder 4"/>
+          <p:cNvSpPr>
+            <a:spLocks noGrp="1"/>
+          </p:cNvSpPr>
+          <p:nvPr>
+            <p:ph type="dt" sz="half" idx="10"/>
+          </p:nvPr>
+        </p:nvSpPr>
+        <p:spPr/>
+        <p:txBody>
+          <a:bodyPr/>
+          <a:lstStyle/>
+          <a:p>
+            <a:fld id="{1E95B060-CB76-45B8-9159-E2C13ACFFB3A}" type="datetimeFigureOut">
+              <a:rPr lang="en-US" smtClean="0"/>
+              <a:t>4/25/2019</a:t>
+            </a:fld>
+            <a:endParaRPr lang="en-US"/>
+          </a:p>
+        </p:txBody>
+      </p:sp>
     </p:spTree>
     <p:extLst>
       <p:ext uri="{BB962C8B-B14F-4D97-AF65-F5344CB8AC3E}">
-        <p14:creationId xmlns:p14="http://schemas.microsoft.com/office/powerpoint/2010/main" val="941658992"/>
+        <p14:creationId xmlns:p14="http://schemas.microsoft.com/office/powerpoint/2010/main" val="3200378069"/>
       </p:ext>
     </p:extLst>
   </p:cSld>
@@ -3207,15 +5098,540 @@
           <a:chExt cx="0" cy="0"/>
         </a:xfrm>
       </p:grpSpPr>
-      <p:sp>
-        <p:nvSpPr>
-          <p:cNvPr id="2" name="Title Placeholder 1">
-            <a:extLst>
-              <a:ext uri="{FF2B5EF4-FFF2-40B4-BE49-F238E27FC236}">
-                <a16:creationId xmlns:a16="http://schemas.microsoft.com/office/drawing/2014/main" id="{F441E79C-D752-4498-B99D-2E89B84B2176}"/>
-              </a:ext>
-            </a:extLst>
-          </p:cNvPr>
+      <p:grpSp>
+        <p:nvGrpSpPr>
+          <p:cNvPr id="44" name="Group 43"/>
+          <p:cNvGrpSpPr/>
+          <p:nvPr/>
+        </p:nvGrpSpPr>
+        <p:grpSpPr>
+          <a:xfrm>
+            <a:off x="0" y="-8467"/>
+            <a:ext cx="12192000" cy="6866467"/>
+            <a:chOff x="0" y="-8467"/>
+            <a:chExt cx="12192000" cy="6866467"/>
+          </a:xfrm>
+        </p:grpSpPr>
+        <p:cxnSp>
+          <p:nvCxnSpPr>
+            <p:cNvPr id="20" name="Straight Connector 19"/>
+            <p:cNvCxnSpPr/>
+            <p:nvPr/>
+          </p:nvCxnSpPr>
+          <p:spPr>
+            <a:xfrm>
+              <a:off x="9371012" y="0"/>
+              <a:ext cx="1219200" cy="6858000"/>
+            </a:xfrm>
+            <a:prstGeom prst="line">
+              <a:avLst/>
+            </a:prstGeom>
+            <a:ln w="9525">
+              <a:solidFill>
+                <a:schemeClr val="accent1">
+                  <a:alpha val="70000"/>
+                </a:schemeClr>
+              </a:solidFill>
+            </a:ln>
+          </p:spPr>
+          <p:style>
+            <a:lnRef idx="2">
+              <a:schemeClr val="accent1"/>
+            </a:lnRef>
+            <a:fillRef idx="0">
+              <a:schemeClr val="accent1"/>
+            </a:fillRef>
+            <a:effectRef idx="1">
+              <a:schemeClr val="accent1"/>
+            </a:effectRef>
+            <a:fontRef idx="minor">
+              <a:schemeClr val="tx1"/>
+            </a:fontRef>
+          </p:style>
+        </p:cxnSp>
+        <p:cxnSp>
+          <p:nvCxnSpPr>
+            <p:cNvPr id="21" name="Straight Connector 20"/>
+            <p:cNvCxnSpPr/>
+            <p:nvPr/>
+          </p:nvCxnSpPr>
+          <p:spPr>
+            <a:xfrm flipH="1">
+              <a:off x="7425267" y="3681413"/>
+              <a:ext cx="4763558" cy="3176587"/>
+            </a:xfrm>
+            <a:prstGeom prst="line">
+              <a:avLst/>
+            </a:prstGeom>
+            <a:ln w="9525">
+              <a:solidFill>
+                <a:schemeClr val="accent1">
+                  <a:alpha val="70000"/>
+                </a:schemeClr>
+              </a:solidFill>
+            </a:ln>
+          </p:spPr>
+          <p:style>
+            <a:lnRef idx="2">
+              <a:schemeClr val="accent1"/>
+            </a:lnRef>
+            <a:fillRef idx="0">
+              <a:schemeClr val="accent1"/>
+            </a:fillRef>
+            <a:effectRef idx="1">
+              <a:schemeClr val="accent1"/>
+            </a:effectRef>
+            <a:fontRef idx="minor">
+              <a:schemeClr val="tx1"/>
+            </a:fontRef>
+          </p:style>
+        </p:cxnSp>
+        <p:sp>
+          <p:nvSpPr>
+            <p:cNvPr id="22" name="Rectangle 23"/>
+            <p:cNvSpPr/>
+            <p:nvPr/>
+          </p:nvSpPr>
+          <p:spPr>
+            <a:xfrm>
+              <a:off x="9181476" y="-8467"/>
+              <a:ext cx="3007349" cy="6866467"/>
+            </a:xfrm>
+            <a:custGeom>
+              <a:avLst/>
+              <a:gdLst/>
+              <a:ahLst/>
+              <a:cxnLst/>
+              <a:rect l="l" t="t" r="r" b="b"/>
+              <a:pathLst>
+                <a:path w="3007349" h="6866467">
+                  <a:moveTo>
+                    <a:pt x="2045532" y="0"/>
+                  </a:moveTo>
+                  <a:lnTo>
+                    <a:pt x="3007349" y="0"/>
+                  </a:lnTo>
+                  <a:lnTo>
+                    <a:pt x="3007349" y="6866467"/>
+                  </a:lnTo>
+                  <a:lnTo>
+                    <a:pt x="0" y="6866467"/>
+                  </a:lnTo>
+                  <a:lnTo>
+                    <a:pt x="2045532" y="0"/>
+                  </a:lnTo>
+                  <a:close/>
+                </a:path>
+              </a:pathLst>
+            </a:custGeom>
+            <a:solidFill>
+              <a:schemeClr val="accent1">
+                <a:alpha val="36000"/>
+              </a:schemeClr>
+            </a:solidFill>
+            <a:ln>
+              <a:noFill/>
+            </a:ln>
+            <a:effectLst/>
+          </p:spPr>
+          <p:style>
+            <a:lnRef idx="1">
+              <a:schemeClr val="accent1"/>
+            </a:lnRef>
+            <a:fillRef idx="3">
+              <a:schemeClr val="accent1"/>
+            </a:fillRef>
+            <a:effectRef idx="2">
+              <a:schemeClr val="accent1"/>
+            </a:effectRef>
+            <a:fontRef idx="minor">
+              <a:schemeClr val="lt1"/>
+            </a:fontRef>
+          </p:style>
+        </p:sp>
+        <p:sp>
+          <p:nvSpPr>
+            <p:cNvPr id="23" name="Rectangle 25"/>
+            <p:cNvSpPr/>
+            <p:nvPr/>
+          </p:nvSpPr>
+          <p:spPr>
+            <a:xfrm>
+              <a:off x="9603442" y="-8467"/>
+              <a:ext cx="2588558" cy="6866467"/>
+            </a:xfrm>
+            <a:custGeom>
+              <a:avLst/>
+              <a:gdLst/>
+              <a:ahLst/>
+              <a:cxnLst/>
+              <a:rect l="l" t="t" r="r" b="b"/>
+              <a:pathLst>
+                <a:path w="2573311" h="6866467">
+                  <a:moveTo>
+                    <a:pt x="0" y="0"/>
+                  </a:moveTo>
+                  <a:lnTo>
+                    <a:pt x="2573311" y="0"/>
+                  </a:lnTo>
+                  <a:lnTo>
+                    <a:pt x="2573311" y="6866467"/>
+                  </a:lnTo>
+                  <a:lnTo>
+                    <a:pt x="1202336" y="6866467"/>
+                  </a:lnTo>
+                  <a:lnTo>
+                    <a:pt x="0" y="0"/>
+                  </a:lnTo>
+                  <a:close/>
+                </a:path>
+              </a:pathLst>
+            </a:custGeom>
+            <a:solidFill>
+              <a:schemeClr val="accent1">
+                <a:alpha val="20000"/>
+              </a:schemeClr>
+            </a:solidFill>
+            <a:ln>
+              <a:noFill/>
+            </a:ln>
+            <a:effectLst/>
+          </p:spPr>
+          <p:style>
+            <a:lnRef idx="1">
+              <a:schemeClr val="accent1"/>
+            </a:lnRef>
+            <a:fillRef idx="3">
+              <a:schemeClr val="accent1"/>
+            </a:fillRef>
+            <a:effectRef idx="2">
+              <a:schemeClr val="accent1"/>
+            </a:effectRef>
+            <a:fontRef idx="minor">
+              <a:schemeClr val="lt1"/>
+            </a:fontRef>
+          </p:style>
+        </p:sp>
+        <p:sp>
+          <p:nvSpPr>
+            <p:cNvPr id="24" name="Isosceles Triangle 23"/>
+            <p:cNvSpPr/>
+            <p:nvPr/>
+          </p:nvSpPr>
+          <p:spPr>
+            <a:xfrm>
+              <a:off x="8932333" y="3048000"/>
+              <a:ext cx="3259667" cy="3810000"/>
+            </a:xfrm>
+            <a:prstGeom prst="triangle">
+              <a:avLst>
+                <a:gd name="adj" fmla="val 100000"/>
+              </a:avLst>
+            </a:prstGeom>
+            <a:solidFill>
+              <a:schemeClr val="accent1">
+                <a:lumMod val="75000"/>
+                <a:alpha val="66000"/>
+              </a:schemeClr>
+            </a:solidFill>
+            <a:ln>
+              <a:noFill/>
+            </a:ln>
+            <a:effectLst/>
+          </p:spPr>
+          <p:style>
+            <a:lnRef idx="1">
+              <a:schemeClr val="accent1"/>
+            </a:lnRef>
+            <a:fillRef idx="3">
+              <a:schemeClr val="accent1"/>
+            </a:fillRef>
+            <a:effectRef idx="2">
+              <a:schemeClr val="accent1"/>
+            </a:effectRef>
+            <a:fontRef idx="minor">
+              <a:schemeClr val="lt1"/>
+            </a:fontRef>
+          </p:style>
+        </p:sp>
+        <p:sp>
+          <p:nvSpPr>
+            <p:cNvPr id="25" name="Rectangle 27"/>
+            <p:cNvSpPr/>
+            <p:nvPr/>
+          </p:nvSpPr>
+          <p:spPr>
+            <a:xfrm>
+              <a:off x="9334500" y="-8467"/>
+              <a:ext cx="2854326" cy="6866467"/>
+            </a:xfrm>
+            <a:custGeom>
+              <a:avLst/>
+              <a:gdLst/>
+              <a:ahLst/>
+              <a:cxnLst/>
+              <a:rect l="l" t="t" r="r" b="b"/>
+              <a:pathLst>
+                <a:path w="2858013" h="6866467">
+                  <a:moveTo>
+                    <a:pt x="0" y="0"/>
+                  </a:moveTo>
+                  <a:lnTo>
+                    <a:pt x="2858013" y="0"/>
+                  </a:lnTo>
+                  <a:lnTo>
+                    <a:pt x="2858013" y="6866467"/>
+                  </a:lnTo>
+                  <a:lnTo>
+                    <a:pt x="2473942" y="6866467"/>
+                  </a:lnTo>
+                  <a:lnTo>
+                    <a:pt x="0" y="0"/>
+                  </a:lnTo>
+                  <a:close/>
+                </a:path>
+              </a:pathLst>
+            </a:custGeom>
+            <a:solidFill>
+              <a:schemeClr val="accent1">
+                <a:lumMod val="75000"/>
+                <a:alpha val="50000"/>
+              </a:schemeClr>
+            </a:solidFill>
+            <a:ln>
+              <a:noFill/>
+            </a:ln>
+            <a:effectLst/>
+          </p:spPr>
+          <p:style>
+            <a:lnRef idx="1">
+              <a:schemeClr val="accent1"/>
+            </a:lnRef>
+            <a:fillRef idx="3">
+              <a:schemeClr val="accent1"/>
+            </a:fillRef>
+            <a:effectRef idx="2">
+              <a:schemeClr val="accent1"/>
+            </a:effectRef>
+            <a:fontRef idx="minor">
+              <a:schemeClr val="lt1"/>
+            </a:fontRef>
+          </p:style>
+        </p:sp>
+        <p:sp>
+          <p:nvSpPr>
+            <p:cNvPr id="26" name="Rectangle 28"/>
+            <p:cNvSpPr/>
+            <p:nvPr/>
+          </p:nvSpPr>
+          <p:spPr>
+            <a:xfrm>
+              <a:off x="10898730" y="-8467"/>
+              <a:ext cx="1290094" cy="6866467"/>
+            </a:xfrm>
+            <a:custGeom>
+              <a:avLst/>
+              <a:gdLst/>
+              <a:ahLst/>
+              <a:cxnLst/>
+              <a:rect l="l" t="t" r="r" b="b"/>
+              <a:pathLst>
+                <a:path w="1290094" h="6858000">
+                  <a:moveTo>
+                    <a:pt x="1019735" y="0"/>
+                  </a:moveTo>
+                  <a:lnTo>
+                    <a:pt x="1290094" y="0"/>
+                  </a:lnTo>
+                  <a:lnTo>
+                    <a:pt x="1290094" y="6858000"/>
+                  </a:lnTo>
+                  <a:lnTo>
+                    <a:pt x="0" y="6858000"/>
+                  </a:lnTo>
+                  <a:lnTo>
+                    <a:pt x="1019735" y="0"/>
+                  </a:lnTo>
+                  <a:close/>
+                </a:path>
+              </a:pathLst>
+            </a:custGeom>
+            <a:solidFill>
+              <a:schemeClr val="accent2">
+                <a:alpha val="70000"/>
+              </a:schemeClr>
+            </a:solidFill>
+            <a:ln>
+              <a:noFill/>
+            </a:ln>
+            <a:effectLst/>
+          </p:spPr>
+          <p:style>
+            <a:lnRef idx="1">
+              <a:schemeClr val="accent1"/>
+            </a:lnRef>
+            <a:fillRef idx="3">
+              <a:schemeClr val="accent1"/>
+            </a:fillRef>
+            <a:effectRef idx="2">
+              <a:schemeClr val="accent1"/>
+            </a:effectRef>
+            <a:fontRef idx="minor">
+              <a:schemeClr val="lt1"/>
+            </a:fontRef>
+          </p:style>
+        </p:sp>
+        <p:sp>
+          <p:nvSpPr>
+            <p:cNvPr id="27" name="Rectangle 29"/>
+            <p:cNvSpPr/>
+            <p:nvPr/>
+          </p:nvSpPr>
+          <p:spPr>
+            <a:xfrm>
+              <a:off x="10938999" y="-8467"/>
+              <a:ext cx="1249825" cy="6866467"/>
+            </a:xfrm>
+            <a:custGeom>
+              <a:avLst/>
+              <a:gdLst/>
+              <a:ahLst/>
+              <a:cxnLst/>
+              <a:rect l="l" t="t" r="r" b="b"/>
+              <a:pathLst>
+                <a:path w="1249825" h="6858000">
+                  <a:moveTo>
+                    <a:pt x="0" y="0"/>
+                  </a:moveTo>
+                  <a:lnTo>
+                    <a:pt x="1249825" y="0"/>
+                  </a:lnTo>
+                  <a:lnTo>
+                    <a:pt x="1249825" y="6858000"/>
+                  </a:lnTo>
+                  <a:lnTo>
+                    <a:pt x="1109382" y="6858000"/>
+                  </a:lnTo>
+                  <a:lnTo>
+                    <a:pt x="0" y="0"/>
+                  </a:lnTo>
+                  <a:close/>
+                </a:path>
+              </a:pathLst>
+            </a:custGeom>
+            <a:solidFill>
+              <a:schemeClr val="accent2">
+                <a:lumMod val="75000"/>
+                <a:alpha val="80000"/>
+              </a:schemeClr>
+            </a:solidFill>
+            <a:ln>
+              <a:noFill/>
+            </a:ln>
+            <a:effectLst/>
+          </p:spPr>
+          <p:style>
+            <a:lnRef idx="1">
+              <a:schemeClr val="accent1"/>
+            </a:lnRef>
+            <a:fillRef idx="3">
+              <a:schemeClr val="accent1"/>
+            </a:fillRef>
+            <a:effectRef idx="2">
+              <a:schemeClr val="accent1"/>
+            </a:effectRef>
+            <a:fontRef idx="minor">
+              <a:schemeClr val="lt1"/>
+            </a:fontRef>
+          </p:style>
+        </p:sp>
+        <p:sp>
+          <p:nvSpPr>
+            <p:cNvPr id="28" name="Isosceles Triangle 27"/>
+            <p:cNvSpPr/>
+            <p:nvPr/>
+          </p:nvSpPr>
+          <p:spPr>
+            <a:xfrm>
+              <a:off x="10371666" y="3589867"/>
+              <a:ext cx="1817159" cy="3268133"/>
+            </a:xfrm>
+            <a:prstGeom prst="triangle">
+              <a:avLst>
+                <a:gd name="adj" fmla="val 100000"/>
+              </a:avLst>
+            </a:prstGeom>
+            <a:solidFill>
+              <a:schemeClr val="accent1">
+                <a:lumMod val="75000"/>
+                <a:alpha val="66000"/>
+              </a:schemeClr>
+            </a:solidFill>
+            <a:ln>
+              <a:noFill/>
+            </a:ln>
+            <a:effectLst/>
+          </p:spPr>
+          <p:style>
+            <a:lnRef idx="1">
+              <a:schemeClr val="accent1"/>
+            </a:lnRef>
+            <a:fillRef idx="3">
+              <a:schemeClr val="accent1"/>
+            </a:fillRef>
+            <a:effectRef idx="2">
+              <a:schemeClr val="accent1"/>
+            </a:effectRef>
+            <a:fontRef idx="minor">
+              <a:schemeClr val="lt1"/>
+            </a:fontRef>
+          </p:style>
+        </p:sp>
+        <p:sp>
+          <p:nvSpPr>
+            <p:cNvPr id="19" name="Isosceles Triangle 18"/>
+            <p:cNvSpPr/>
+            <p:nvPr/>
+          </p:nvSpPr>
+          <p:spPr>
+            <a:xfrm>
+              <a:off x="0" y="4013200"/>
+              <a:ext cx="448733" cy="2844800"/>
+            </a:xfrm>
+            <a:prstGeom prst="triangle">
+              <a:avLst>
+                <a:gd name="adj" fmla="val 0"/>
+              </a:avLst>
+            </a:prstGeom>
+            <a:solidFill>
+              <a:schemeClr val="accent1">
+                <a:alpha val="70000"/>
+              </a:schemeClr>
+            </a:solidFill>
+            <a:ln>
+              <a:noFill/>
+            </a:ln>
+            <a:effectLst/>
+          </p:spPr>
+          <p:style>
+            <a:lnRef idx="1">
+              <a:schemeClr val="accent1"/>
+            </a:lnRef>
+            <a:fillRef idx="3">
+              <a:schemeClr val="accent1"/>
+            </a:fillRef>
+            <a:effectRef idx="2">
+              <a:schemeClr val="accent1"/>
+            </a:effectRef>
+            <a:fontRef idx="minor">
+              <a:schemeClr val="lt1"/>
+            </a:fontRef>
+          </p:style>
+        </p:sp>
+      </p:grpSp>
+      <p:sp>
+        <p:nvSpPr>
+          <p:cNvPr id="2" name="Title Placeholder 1"/>
           <p:cNvSpPr>
             <a:spLocks noGrp="1"/>
           </p:cNvSpPr>
@@ -3225,15 +5641,15 @@
         </p:nvSpPr>
         <p:spPr>
           <a:xfrm>
-            <a:off x="838200" y="365125"/>
-            <a:ext cx="10515600" cy="1325563"/>
+            <a:off x="677334" y="609600"/>
+            <a:ext cx="8596668" cy="1320800"/>
           </a:xfrm>
           <a:prstGeom prst="rect">
             <a:avLst/>
           </a:prstGeom>
         </p:spPr>
         <p:txBody>
-          <a:bodyPr vert="horz" lIns="91440" tIns="45720" rIns="91440" bIns="45720" rtlCol="0" anchor="ctr">
+          <a:bodyPr vert="horz" lIns="91440" tIns="45720" rIns="91440" bIns="45720" rtlCol="0" anchor="t">
             <a:normAutofit/>
           </a:bodyPr>
           <a:lstStyle/>
@@ -3242,18 +5658,13 @@
               <a:rPr lang="en-US"/>
               <a:t>Click to edit Master title style</a:t>
             </a:r>
-          </a:p>
-        </p:txBody>
-      </p:sp>
-      <p:sp>
-        <p:nvSpPr>
-          <p:cNvPr id="3" name="Text Placeholder 2">
-            <a:extLst>
-              <a:ext uri="{FF2B5EF4-FFF2-40B4-BE49-F238E27FC236}">
-                <a16:creationId xmlns:a16="http://schemas.microsoft.com/office/drawing/2014/main" id="{E8BE0B55-2540-4C7E-A79F-0D913FCD4816}"/>
-              </a:ext>
-            </a:extLst>
-          </p:cNvPr>
+            <a:endParaRPr lang="en-US" dirty="0"/>
+          </a:p>
+        </p:txBody>
+      </p:sp>
+      <p:sp>
+        <p:nvSpPr>
+          <p:cNvPr id="3" name="Text Placeholder 2"/>
           <p:cNvSpPr>
             <a:spLocks noGrp="1"/>
           </p:cNvSpPr>
@@ -3263,8 +5674,8 @@
         </p:nvSpPr>
         <p:spPr>
           <a:xfrm>
-            <a:off x="838200" y="1825625"/>
-            <a:ext cx="10515600" cy="4351338"/>
+            <a:off x="677334" y="2160589"/>
+            <a:ext cx="8596668" cy="3880773"/>
           </a:xfrm>
           <a:prstGeom prst="rect">
             <a:avLst/>
@@ -3309,18 +5720,13 @@
               <a:rPr lang="en-US"/>
               <a:t>Fifth level</a:t>
             </a:r>
-          </a:p>
-        </p:txBody>
-      </p:sp>
-      <p:sp>
-        <p:nvSpPr>
-          <p:cNvPr id="4" name="Date Placeholder 3">
-            <a:extLst>
-              <a:ext uri="{FF2B5EF4-FFF2-40B4-BE49-F238E27FC236}">
-                <a16:creationId xmlns:a16="http://schemas.microsoft.com/office/drawing/2014/main" id="{11E37713-C163-41D7-843E-C93028844BCA}"/>
-              </a:ext>
-            </a:extLst>
-          </p:cNvPr>
+            <a:endParaRPr lang="en-US" dirty="0"/>
+          </a:p>
+        </p:txBody>
+      </p:sp>
+      <p:sp>
+        <p:nvSpPr>
+          <p:cNvPr id="4" name="Date Placeholder 3"/>
           <p:cNvSpPr>
             <a:spLocks noGrp="1"/>
           </p:cNvSpPr>
@@ -3330,8 +5736,8 @@
         </p:nvSpPr>
         <p:spPr>
           <a:xfrm>
-            <a:off x="838200" y="6356350"/>
-            <a:ext cx="2743200" cy="365125"/>
+            <a:off x="7205133" y="6041362"/>
+            <a:ext cx="911939" cy="365125"/>
           </a:xfrm>
           <a:prstGeom prst="rect">
             <a:avLst/>
@@ -3340,8 +5746,8 @@
         <p:txBody>
           <a:bodyPr vert="horz" lIns="91440" tIns="45720" rIns="91440" bIns="45720" rtlCol="0" anchor="ctr"/>
           <a:lstStyle>
-            <a:lvl1pPr algn="l">
-              <a:defRPr sz="1200">
+            <a:lvl1pPr algn="r">
+              <a:defRPr sz="900">
                 <a:solidFill>
                   <a:schemeClr val="tx1">
                     <a:tint val="75000"/>
@@ -3353,7 +5759,7 @@
           <a:p>
             <a:fld id="{1E95B060-CB76-45B8-9159-E2C13ACFFB3A}" type="datetimeFigureOut">
               <a:rPr lang="en-US" smtClean="0"/>
-              <a:t>4/24/2019</a:t>
+              <a:t>4/25/2019</a:t>
             </a:fld>
             <a:endParaRPr lang="en-US"/>
           </a:p>
@@ -3361,13 +5767,7 @@
       </p:sp>
       <p:sp>
         <p:nvSpPr>
-          <p:cNvPr id="5" name="Footer Placeholder 4">
-            <a:extLst>
-              <a:ext uri="{FF2B5EF4-FFF2-40B4-BE49-F238E27FC236}">
-                <a16:creationId xmlns:a16="http://schemas.microsoft.com/office/drawing/2014/main" id="{F1DEE5BF-AB35-4B8C-BB0A-46387CDE012B}"/>
-              </a:ext>
-            </a:extLst>
-          </p:cNvPr>
+          <p:cNvPr id="5" name="Footer Placeholder 4"/>
           <p:cNvSpPr>
             <a:spLocks noGrp="1"/>
           </p:cNvSpPr>
@@ -3377,8 +5777,8 @@
         </p:nvSpPr>
         <p:spPr>
           <a:xfrm>
-            <a:off x="4038600" y="6356350"/>
-            <a:ext cx="4114800" cy="365125"/>
+            <a:off x="677334" y="6041362"/>
+            <a:ext cx="6297612" cy="365125"/>
           </a:xfrm>
           <a:prstGeom prst="rect">
             <a:avLst/>
@@ -3387,8 +5787,8 @@
         <p:txBody>
           <a:bodyPr vert="horz" lIns="91440" tIns="45720" rIns="91440" bIns="45720" rtlCol="0" anchor="ctr"/>
           <a:lstStyle>
-            <a:lvl1pPr algn="ctr">
-              <a:defRPr sz="1200">
+            <a:lvl1pPr algn="l">
+              <a:defRPr sz="900">
                 <a:solidFill>
                   <a:schemeClr val="tx1">
                     <a:tint val="75000"/>
@@ -3404,13 +5804,7 @@
       </p:sp>
       <p:sp>
         <p:nvSpPr>
-          <p:cNvPr id="6" name="Slide Number Placeholder 5">
-            <a:extLst>
-              <a:ext uri="{FF2B5EF4-FFF2-40B4-BE49-F238E27FC236}">
-                <a16:creationId xmlns:a16="http://schemas.microsoft.com/office/drawing/2014/main" id="{DAC4D483-4AE0-4128-A07F-65669BCB46CB}"/>
-              </a:ext>
-            </a:extLst>
-          </p:cNvPr>
+          <p:cNvPr id="6" name="Slide Number Placeholder 5"/>
           <p:cNvSpPr>
             <a:spLocks noGrp="1"/>
           </p:cNvSpPr>
@@ -3420,8 +5814,8 @@
         </p:nvSpPr>
         <p:spPr>
           <a:xfrm>
-            <a:off x="8610600" y="6356350"/>
-            <a:ext cx="2743200" cy="365125"/>
+            <a:off x="8590663" y="6041362"/>
+            <a:ext cx="683339" cy="365125"/>
           </a:xfrm>
           <a:prstGeom prst="rect">
             <a:avLst/>
@@ -3431,11 +5825,9 @@
           <a:bodyPr vert="horz" lIns="91440" tIns="45720" rIns="91440" bIns="45720" rtlCol="0" anchor="ctr"/>
           <a:lstStyle>
             <a:lvl1pPr algn="r">
-              <a:defRPr sz="1200">
-                <a:solidFill>
-                  <a:schemeClr val="tx1">
-                    <a:tint val="75000"/>
-                  </a:schemeClr>
+              <a:defRPr sz="900">
+                <a:solidFill>
+                  <a:schemeClr val="accent1"/>
                 </a:solidFill>
               </a:defRPr>
             </a:lvl1pPr>
@@ -3452,201 +5844,322 @@
     </p:spTree>
     <p:extLst>
       <p:ext uri="{BB962C8B-B14F-4D97-AF65-F5344CB8AC3E}">
-        <p14:creationId xmlns:p14="http://schemas.microsoft.com/office/powerpoint/2010/main" val="350319305"/>
+        <p14:creationId xmlns:p14="http://schemas.microsoft.com/office/powerpoint/2010/main" val="283130029"/>
       </p:ext>
     </p:extLst>
   </p:cSld>
   <p:clrMap bg1="lt1" tx1="dk1" bg2="lt2" tx2="dk2" accent1="accent1" accent2="accent2" accent3="accent3" accent4="accent4" accent5="accent5" accent6="accent6" hlink="hlink" folHlink="folHlink"/>
   <p:sldLayoutIdLst>
-    <p:sldLayoutId id="2147483649" r:id="rId1"/>
-    <p:sldLayoutId id="2147483650" r:id="rId2"/>
-    <p:sldLayoutId id="2147483651" r:id="rId3"/>
-    <p:sldLayoutId id="2147483652" r:id="rId4"/>
-    <p:sldLayoutId id="2147483653" r:id="rId5"/>
-    <p:sldLayoutId id="2147483654" r:id="rId6"/>
-    <p:sldLayoutId id="2147483655" r:id="rId7"/>
-    <p:sldLayoutId id="2147483656" r:id="rId8"/>
-    <p:sldLayoutId id="2147483657" r:id="rId9"/>
-    <p:sldLayoutId id="2147483658" r:id="rId10"/>
-    <p:sldLayoutId id="2147483659" r:id="rId11"/>
+    <p:sldLayoutId id="2147483789" r:id="rId1"/>
+    <p:sldLayoutId id="2147483790" r:id="rId2"/>
+    <p:sldLayoutId id="2147483791" r:id="rId3"/>
+    <p:sldLayoutId id="2147483792" r:id="rId4"/>
+    <p:sldLayoutId id="2147483793" r:id="rId5"/>
+    <p:sldLayoutId id="2147483794" r:id="rId6"/>
+    <p:sldLayoutId id="2147483795" r:id="rId7"/>
+    <p:sldLayoutId id="2147483796" r:id="rId8"/>
+    <p:sldLayoutId id="2147483797" r:id="rId9"/>
+    <p:sldLayoutId id="2147483798" r:id="rId10"/>
+    <p:sldLayoutId id="2147483799" r:id="rId11"/>
+    <p:sldLayoutId id="2147483800" r:id="rId12"/>
+    <p:sldLayoutId id="2147483801" r:id="rId13"/>
+    <p:sldLayoutId id="2147483802" r:id="rId14"/>
+    <p:sldLayoutId id="2147483803" r:id="rId15"/>
+    <p:sldLayoutId id="2147483804" r:id="rId16"/>
   </p:sldLayoutIdLst>
   <p:txStyles>
     <p:titleStyle>
-      <a:lvl1pPr algn="l" defTabSz="914400" rtl="0" eaLnBrk="1" latinLnBrk="0" hangingPunct="1">
-        <a:lnSpc>
-          <a:spcPct val="90000"/>
-        </a:lnSpc>
+      <a:lvl1pPr algn="l" defTabSz="457200" rtl="0" eaLnBrk="1" latinLnBrk="0" hangingPunct="1">
         <a:spcBef>
           <a:spcPct val="0"/>
         </a:spcBef>
         <a:buNone/>
-        <a:defRPr sz="4400" kern="1200">
+        <a:defRPr sz="3600" kern="1200">
           <a:solidFill>
-            <a:schemeClr val="tx1"/>
+            <a:schemeClr val="accent1"/>
           </a:solidFill>
           <a:latin typeface="+mj-lt"/>
           <a:ea typeface="+mj-ea"/>
           <a:cs typeface="+mj-cs"/>
         </a:defRPr>
       </a:lvl1pPr>
+      <a:lvl2pPr eaLnBrk="1" hangingPunct="1">
+        <a:defRPr>
+          <a:solidFill>
+            <a:schemeClr val="tx2"/>
+          </a:solidFill>
+        </a:defRPr>
+      </a:lvl2pPr>
+      <a:lvl3pPr eaLnBrk="1" hangingPunct="1">
+        <a:defRPr>
+          <a:solidFill>
+            <a:schemeClr val="tx2"/>
+          </a:solidFill>
+        </a:defRPr>
+      </a:lvl3pPr>
+      <a:lvl4pPr eaLnBrk="1" hangingPunct="1">
+        <a:defRPr>
+          <a:solidFill>
+            <a:schemeClr val="tx2"/>
+          </a:solidFill>
+        </a:defRPr>
+      </a:lvl4pPr>
+      <a:lvl5pPr eaLnBrk="1" hangingPunct="1">
+        <a:defRPr>
+          <a:solidFill>
+            <a:schemeClr val="tx2"/>
+          </a:solidFill>
+        </a:defRPr>
+      </a:lvl5pPr>
+      <a:lvl6pPr eaLnBrk="1" hangingPunct="1">
+        <a:defRPr>
+          <a:solidFill>
+            <a:schemeClr val="tx2"/>
+          </a:solidFill>
+        </a:defRPr>
+      </a:lvl6pPr>
+      <a:lvl7pPr eaLnBrk="1" hangingPunct="1">
+        <a:defRPr>
+          <a:solidFill>
+            <a:schemeClr val="tx2"/>
+          </a:solidFill>
+        </a:defRPr>
+      </a:lvl7pPr>
+      <a:lvl8pPr eaLnBrk="1" hangingPunct="1">
+        <a:defRPr>
+          <a:solidFill>
+            <a:schemeClr val="tx2"/>
+          </a:solidFill>
+        </a:defRPr>
+      </a:lvl8pPr>
+      <a:lvl9pPr eaLnBrk="1" hangingPunct="1">
+        <a:defRPr>
+          <a:solidFill>
+            <a:schemeClr val="tx2"/>
+          </a:solidFill>
+        </a:defRPr>
+      </a:lvl9pPr>
     </p:titleStyle>
     <p:bodyStyle>
-      <a:lvl1pPr marL="228600" indent="-228600" algn="l" defTabSz="914400" rtl="0" eaLnBrk="1" latinLnBrk="0" hangingPunct="1">
-        <a:lnSpc>
-          <a:spcPct val="90000"/>
-        </a:lnSpc>
+      <a:lvl1pPr marL="342900" indent="-342900" algn="l" defTabSz="457200" rtl="0" eaLnBrk="1" latinLnBrk="0" hangingPunct="1">
         <a:spcBef>
           <a:spcPts val="1000"/>
         </a:spcBef>
-        <a:buFont typeface="Arial" panose="020B0604020202020204" pitchFamily="34" charset="0"/>
-        <a:buChar char="•"/>
-        <a:defRPr sz="2800" kern="1200">
+        <a:spcAft>
+          <a:spcPts val="0"/>
+        </a:spcAft>
+        <a:buClr>
+          <a:schemeClr val="accent1"/>
+        </a:buClr>
+        <a:buSzPct val="80000"/>
+        <a:buFont typeface="Wingdings 3" charset="2"/>
+        <a:buChar char=""/>
+        <a:defRPr sz="1800" kern="1200">
           <a:solidFill>
-            <a:schemeClr val="tx1"/>
+            <a:schemeClr val="tx1">
+              <a:lumMod val="75000"/>
+              <a:lumOff val="25000"/>
+            </a:schemeClr>
           </a:solidFill>
           <a:latin typeface="+mn-lt"/>
           <a:ea typeface="+mn-ea"/>
           <a:cs typeface="+mn-cs"/>
         </a:defRPr>
       </a:lvl1pPr>
-      <a:lvl2pPr marL="685800" indent="-228600" algn="l" defTabSz="914400" rtl="0" eaLnBrk="1" latinLnBrk="0" hangingPunct="1">
-        <a:lnSpc>
-          <a:spcPct val="90000"/>
-        </a:lnSpc>
+      <a:lvl2pPr marL="742950" indent="-285750" algn="l" defTabSz="457200" rtl="0" eaLnBrk="1" latinLnBrk="0" hangingPunct="1">
         <a:spcBef>
-          <a:spcPts val="500"/>
+          <a:spcPts val="1000"/>
         </a:spcBef>
-        <a:buFont typeface="Arial" panose="020B0604020202020204" pitchFamily="34" charset="0"/>
-        <a:buChar char="•"/>
-        <a:defRPr sz="2400" kern="1200">
+        <a:spcAft>
+          <a:spcPts val="0"/>
+        </a:spcAft>
+        <a:buClr>
+          <a:schemeClr val="accent1"/>
+        </a:buClr>
+        <a:buSzPct val="80000"/>
+        <a:buFont typeface="Wingdings 3" charset="2"/>
+        <a:buChar char=""/>
+        <a:defRPr sz="1600" kern="1200">
           <a:solidFill>
-            <a:schemeClr val="tx1"/>
+            <a:schemeClr val="tx1">
+              <a:lumMod val="75000"/>
+              <a:lumOff val="25000"/>
+            </a:schemeClr>
           </a:solidFill>
           <a:latin typeface="+mn-lt"/>
           <a:ea typeface="+mn-ea"/>
           <a:cs typeface="+mn-cs"/>
         </a:defRPr>
       </a:lvl2pPr>
-      <a:lvl3pPr marL="1143000" indent="-228600" algn="l" defTabSz="914400" rtl="0" eaLnBrk="1" latinLnBrk="0" hangingPunct="1">
-        <a:lnSpc>
-          <a:spcPct val="90000"/>
-        </a:lnSpc>
+      <a:lvl3pPr marL="1143000" indent="-228600" algn="l" defTabSz="457200" rtl="0" eaLnBrk="1" latinLnBrk="0" hangingPunct="1">
         <a:spcBef>
-          <a:spcPts val="500"/>
+          <a:spcPts val="1000"/>
         </a:spcBef>
-        <a:buFont typeface="Arial" panose="020B0604020202020204" pitchFamily="34" charset="0"/>
-        <a:buChar char="•"/>
-        <a:defRPr sz="2000" kern="1200">
+        <a:spcAft>
+          <a:spcPts val="0"/>
+        </a:spcAft>
+        <a:buClr>
+          <a:schemeClr val="accent1"/>
+        </a:buClr>
+        <a:buSzPct val="80000"/>
+        <a:buFont typeface="Wingdings 3" charset="2"/>
+        <a:buChar char=""/>
+        <a:defRPr sz="1400" kern="1200">
           <a:solidFill>
-            <a:schemeClr val="tx1"/>
+            <a:schemeClr val="tx1">
+              <a:lumMod val="75000"/>
+              <a:lumOff val="25000"/>
+            </a:schemeClr>
           </a:solidFill>
           <a:latin typeface="+mn-lt"/>
           <a:ea typeface="+mn-ea"/>
           <a:cs typeface="+mn-cs"/>
         </a:defRPr>
       </a:lvl3pPr>
-      <a:lvl4pPr marL="1600200" indent="-228600" algn="l" defTabSz="914400" rtl="0" eaLnBrk="1" latinLnBrk="0" hangingPunct="1">
-        <a:lnSpc>
-          <a:spcPct val="90000"/>
-        </a:lnSpc>
+      <a:lvl4pPr marL="1600200" indent="-228600" algn="l" defTabSz="457200" rtl="0" eaLnBrk="1" latinLnBrk="0" hangingPunct="1">
         <a:spcBef>
-          <a:spcPts val="500"/>
+          <a:spcPts val="1000"/>
         </a:spcBef>
-        <a:buFont typeface="Arial" panose="020B0604020202020204" pitchFamily="34" charset="0"/>
-        <a:buChar char="•"/>
-        <a:defRPr sz="1800" kern="1200">
+        <a:spcAft>
+          <a:spcPts val="0"/>
+        </a:spcAft>
+        <a:buClr>
+          <a:schemeClr val="accent1"/>
+        </a:buClr>
+        <a:buSzPct val="80000"/>
+        <a:buFont typeface="Wingdings 3" charset="2"/>
+        <a:buChar char=""/>
+        <a:defRPr sz="1200" kern="1200">
           <a:solidFill>
-            <a:schemeClr val="tx1"/>
+            <a:schemeClr val="tx1">
+              <a:lumMod val="75000"/>
+              <a:lumOff val="25000"/>
+            </a:schemeClr>
           </a:solidFill>
           <a:latin typeface="+mn-lt"/>
           <a:ea typeface="+mn-ea"/>
           <a:cs typeface="+mn-cs"/>
         </a:defRPr>
       </a:lvl4pPr>
-      <a:lvl5pPr marL="2057400" indent="-228600" algn="l" defTabSz="914400" rtl="0" eaLnBrk="1" latinLnBrk="0" hangingPunct="1">
-        <a:lnSpc>
-          <a:spcPct val="90000"/>
-        </a:lnSpc>
+      <a:lvl5pPr marL="2057400" indent="-228600" algn="l" defTabSz="457200" rtl="0" eaLnBrk="1" latinLnBrk="0" hangingPunct="1">
         <a:spcBef>
-          <a:spcPts val="500"/>
+          <a:spcPts val="1000"/>
         </a:spcBef>
-        <a:buFont typeface="Arial" panose="020B0604020202020204" pitchFamily="34" charset="0"/>
-        <a:buChar char="•"/>
-        <a:defRPr sz="1800" kern="1200">
+        <a:spcAft>
+          <a:spcPts val="0"/>
+        </a:spcAft>
+        <a:buClr>
+          <a:schemeClr val="accent1"/>
+        </a:buClr>
+        <a:buSzPct val="80000"/>
+        <a:buFont typeface="Wingdings 3" charset="2"/>
+        <a:buChar char=""/>
+        <a:defRPr sz="1200" kern="1200">
           <a:solidFill>
-            <a:schemeClr val="tx1"/>
+            <a:schemeClr val="tx1">
+              <a:lumMod val="75000"/>
+              <a:lumOff val="25000"/>
+            </a:schemeClr>
           </a:solidFill>
           <a:latin typeface="+mn-lt"/>
           <a:ea typeface="+mn-ea"/>
           <a:cs typeface="+mn-cs"/>
         </a:defRPr>
       </a:lvl5pPr>
-      <a:lvl6pPr marL="2514600" indent="-228600" algn="l" defTabSz="914400" rtl="0" eaLnBrk="1" latinLnBrk="0" hangingPunct="1">
-        <a:lnSpc>
-          <a:spcPct val="90000"/>
-        </a:lnSpc>
+      <a:lvl6pPr marL="2514600" indent="-228600" algn="l" defTabSz="457200" rtl="0" eaLnBrk="1" latinLnBrk="0" hangingPunct="1">
         <a:spcBef>
-          <a:spcPts val="500"/>
+          <a:spcPts val="1000"/>
         </a:spcBef>
-        <a:buFont typeface="Arial" panose="020B0604020202020204" pitchFamily="34" charset="0"/>
-        <a:buChar char="•"/>
-        <a:defRPr sz="1800" kern="1200">
+        <a:spcAft>
+          <a:spcPts val="0"/>
+        </a:spcAft>
+        <a:buClr>
+          <a:schemeClr val="accent1"/>
+        </a:buClr>
+        <a:buSzPct val="80000"/>
+        <a:buFont typeface="Wingdings 3" charset="2"/>
+        <a:buChar char=""/>
+        <a:defRPr sz="1200" kern="1200">
           <a:solidFill>
-            <a:schemeClr val="tx1"/>
+            <a:schemeClr val="tx1">
+              <a:lumMod val="75000"/>
+              <a:lumOff val="25000"/>
+            </a:schemeClr>
           </a:solidFill>
           <a:latin typeface="+mn-lt"/>
           <a:ea typeface="+mn-ea"/>
           <a:cs typeface="+mn-cs"/>
         </a:defRPr>
       </a:lvl6pPr>
-      <a:lvl7pPr marL="2971800" indent="-228600" algn="l" defTabSz="914400" rtl="0" eaLnBrk="1" latinLnBrk="0" hangingPunct="1">
-        <a:lnSpc>
-          <a:spcPct val="90000"/>
-        </a:lnSpc>
+      <a:lvl7pPr marL="2971800" indent="-228600" algn="l" defTabSz="457200" rtl="0" eaLnBrk="1" latinLnBrk="0" hangingPunct="1">
         <a:spcBef>
-          <a:spcPts val="500"/>
+          <a:spcPts val="1000"/>
         </a:spcBef>
-        <a:buFont typeface="Arial" panose="020B0604020202020204" pitchFamily="34" charset="0"/>
-        <a:buChar char="•"/>
-        <a:defRPr sz="1800" kern="1200">
+        <a:spcAft>
+          <a:spcPts val="0"/>
+        </a:spcAft>
+        <a:buClr>
+          <a:schemeClr val="accent1"/>
+        </a:buClr>
+        <a:buSzPct val="80000"/>
+        <a:buFont typeface="Wingdings 3" charset="2"/>
+        <a:buChar char=""/>
+        <a:defRPr sz="1200" kern="1200">
           <a:solidFill>
-            <a:schemeClr val="tx1"/>
+            <a:schemeClr val="tx1">
+              <a:lumMod val="75000"/>
+              <a:lumOff val="25000"/>
+            </a:schemeClr>
           </a:solidFill>
           <a:latin typeface="+mn-lt"/>
           <a:ea typeface="+mn-ea"/>
           <a:cs typeface="+mn-cs"/>
         </a:defRPr>
       </a:lvl7pPr>
-      <a:lvl8pPr marL="3429000" indent="-228600" algn="l" defTabSz="914400" rtl="0" eaLnBrk="1" latinLnBrk="0" hangingPunct="1">
-        <a:lnSpc>
-          <a:spcPct val="90000"/>
-        </a:lnSpc>
+      <a:lvl8pPr marL="3429000" indent="-228600" algn="l" defTabSz="457200" rtl="0" eaLnBrk="1" latinLnBrk="0" hangingPunct="1">
         <a:spcBef>
-          <a:spcPts val="500"/>
+          <a:spcPts val="1000"/>
         </a:spcBef>
-        <a:buFont typeface="Arial" panose="020B0604020202020204" pitchFamily="34" charset="0"/>
-        <a:buChar char="•"/>
-        <a:defRPr sz="1800" kern="1200">
+        <a:spcAft>
+          <a:spcPts val="0"/>
+        </a:spcAft>
+        <a:buClr>
+          <a:schemeClr val="accent1"/>
+        </a:buClr>
+        <a:buSzPct val="80000"/>
+        <a:buFont typeface="Wingdings 3" charset="2"/>
+        <a:buChar char=""/>
+        <a:defRPr sz="1200" kern="1200">
           <a:solidFill>
-            <a:schemeClr val="tx1"/>
+            <a:schemeClr val="tx1">
+              <a:lumMod val="75000"/>
+              <a:lumOff val="25000"/>
+            </a:schemeClr>
           </a:solidFill>
           <a:latin typeface="+mn-lt"/>
           <a:ea typeface="+mn-ea"/>
           <a:cs typeface="+mn-cs"/>
         </a:defRPr>
       </a:lvl8pPr>
-      <a:lvl9pPr marL="3886200" indent="-228600" algn="l" defTabSz="914400" rtl="0" eaLnBrk="1" latinLnBrk="0" hangingPunct="1">
-        <a:lnSpc>
-          <a:spcPct val="90000"/>
-        </a:lnSpc>
+      <a:lvl9pPr marL="3886200" indent="-228600" algn="l" defTabSz="457200" rtl="0" eaLnBrk="1" latinLnBrk="0" hangingPunct="1">
         <a:spcBef>
-          <a:spcPts val="500"/>
+          <a:spcPts val="1000"/>
         </a:spcBef>
-        <a:buFont typeface="Arial" panose="020B0604020202020204" pitchFamily="34" charset="0"/>
-        <a:buChar char="•"/>
-        <a:defRPr sz="1800" kern="1200">
+        <a:spcAft>
+          <a:spcPts val="0"/>
+        </a:spcAft>
+        <a:buClr>
+          <a:schemeClr val="accent1"/>
+        </a:buClr>
+        <a:buSzPct val="80000"/>
+        <a:buFont typeface="Wingdings 3" charset="2"/>
+        <a:buChar char=""/>
+        <a:defRPr sz="1200" kern="1200">
           <a:solidFill>
-            <a:schemeClr val="tx1"/>
+            <a:schemeClr val="tx1">
+              <a:lumMod val="75000"/>
+              <a:lumOff val="25000"/>
+            </a:schemeClr>
           </a:solidFill>
           <a:latin typeface="+mn-lt"/>
           <a:ea typeface="+mn-ea"/>
@@ -3658,7 +6171,7 @@
       <a:defPPr>
         <a:defRPr lang="en-US"/>
       </a:defPPr>
-      <a:lvl1pPr marL="0" algn="l" defTabSz="914400" rtl="0" eaLnBrk="1" latinLnBrk="0" hangingPunct="1">
+      <a:lvl1pPr marL="0" algn="l" defTabSz="457200" rtl="0" eaLnBrk="1" latinLnBrk="0" hangingPunct="1">
         <a:defRPr sz="1800" kern="1200">
           <a:solidFill>
             <a:schemeClr val="tx1"/>
@@ -3668,7 +6181,7 @@
           <a:cs typeface="+mn-cs"/>
         </a:defRPr>
       </a:lvl1pPr>
-      <a:lvl2pPr marL="457200" algn="l" defTabSz="914400" rtl="0" eaLnBrk="1" latinLnBrk="0" hangingPunct="1">
+      <a:lvl2pPr marL="457200" algn="l" defTabSz="457200" rtl="0" eaLnBrk="1" latinLnBrk="0" hangingPunct="1">
         <a:defRPr sz="1800" kern="1200">
           <a:solidFill>
             <a:schemeClr val="tx1"/>
@@ -3678,7 +6191,7 @@
           <a:cs typeface="+mn-cs"/>
         </a:defRPr>
       </a:lvl2pPr>
-      <a:lvl3pPr marL="914400" algn="l" defTabSz="914400" rtl="0" eaLnBrk="1" latinLnBrk="0" hangingPunct="1">
+      <a:lvl3pPr marL="914400" algn="l" defTabSz="457200" rtl="0" eaLnBrk="1" latinLnBrk="0" hangingPunct="1">
         <a:defRPr sz="1800" kern="1200">
           <a:solidFill>
             <a:schemeClr val="tx1"/>
@@ -3688,7 +6201,7 @@
           <a:cs typeface="+mn-cs"/>
         </a:defRPr>
       </a:lvl3pPr>
-      <a:lvl4pPr marL="1371600" algn="l" defTabSz="914400" rtl="0" eaLnBrk="1" latinLnBrk="0" hangingPunct="1">
+      <a:lvl4pPr marL="1371600" algn="l" defTabSz="457200" rtl="0" eaLnBrk="1" latinLnBrk="0" hangingPunct="1">
         <a:defRPr sz="1800" kern="1200">
           <a:solidFill>
             <a:schemeClr val="tx1"/>
@@ -3698,7 +6211,7 @@
           <a:cs typeface="+mn-cs"/>
         </a:defRPr>
       </a:lvl4pPr>
-      <a:lvl5pPr marL="1828800" algn="l" defTabSz="914400" rtl="0" eaLnBrk="1" latinLnBrk="0" hangingPunct="1">
+      <a:lvl5pPr marL="1828800" algn="l" defTabSz="457200" rtl="0" eaLnBrk="1" latinLnBrk="0" hangingPunct="1">
         <a:defRPr sz="1800" kern="1200">
           <a:solidFill>
             <a:schemeClr val="tx1"/>
@@ -3708,7 +6221,7 @@
           <a:cs typeface="+mn-cs"/>
         </a:defRPr>
       </a:lvl5pPr>
-      <a:lvl6pPr marL="2286000" algn="l" defTabSz="914400" rtl="0" eaLnBrk="1" latinLnBrk="0" hangingPunct="1">
+      <a:lvl6pPr marL="2286000" algn="l" defTabSz="457200" rtl="0" eaLnBrk="1" latinLnBrk="0" hangingPunct="1">
         <a:defRPr sz="1800" kern="1200">
           <a:solidFill>
             <a:schemeClr val="tx1"/>
@@ -3718,7 +6231,7 @@
           <a:cs typeface="+mn-cs"/>
         </a:defRPr>
       </a:lvl6pPr>
-      <a:lvl7pPr marL="2743200" algn="l" defTabSz="914400" rtl="0" eaLnBrk="1" latinLnBrk="0" hangingPunct="1">
+      <a:lvl7pPr marL="2743200" algn="l" defTabSz="457200" rtl="0" eaLnBrk="1" latinLnBrk="0" hangingPunct="1">
         <a:defRPr sz="1800" kern="1200">
           <a:solidFill>
             <a:schemeClr val="tx1"/>
@@ -3728,7 +6241,7 @@
           <a:cs typeface="+mn-cs"/>
         </a:defRPr>
       </a:lvl7pPr>
-      <a:lvl8pPr marL="3200400" algn="l" defTabSz="914400" rtl="0" eaLnBrk="1" latinLnBrk="0" hangingPunct="1">
+      <a:lvl8pPr marL="3200400" algn="l" defTabSz="457200" rtl="0" eaLnBrk="1" latinLnBrk="0" hangingPunct="1">
         <a:defRPr sz="1800" kern="1200">
           <a:solidFill>
             <a:schemeClr val="tx1"/>
@@ -3738,7 +6251,7 @@
           <a:cs typeface="+mn-cs"/>
         </a:defRPr>
       </a:lvl8pPr>
-      <a:lvl9pPr marL="3657600" algn="l" defTabSz="914400" rtl="0" eaLnBrk="1" latinLnBrk="0" hangingPunct="1">
+      <a:lvl9pPr marL="3657600" algn="l" defTabSz="457200" rtl="0" eaLnBrk="1" latinLnBrk="0" hangingPunct="1">
         <a:defRPr sz="1800" kern="1200">
           <a:solidFill>
             <a:schemeClr val="tx1"/>
@@ -3793,9 +6306,18 @@
           </a:bodyPr>
           <a:lstStyle/>
           <a:p>
+            <a:pPr algn="ctr"/>
+            <a:r>
+              <a:rPr lang="en-US" dirty="0">
+                <a:solidFill>
+                  <a:schemeClr val="tx1"/>
+                </a:solidFill>
+              </a:rPr>
+              <a:t>Leveraging Log Analytics in Custom Applications</a:t>
+            </a:r>
             <a:r>
               <a:rPr lang="en-US" dirty="0"/>
-              <a:t>Leveraging Log Analytics in Custom Applications	</a:t>
+              <a:t>	</a:t>
             </a:r>
             <a:br>
               <a:rPr lang="en-US" dirty="0"/>
@@ -3820,23 +6342,63 @@
             <p:ph type="subTitle" idx="1"/>
           </p:nvPr>
         </p:nvSpPr>
-        <p:spPr/>
-        <p:txBody>
-          <a:bodyPr/>
-          <a:lstStyle/>
-          <a:p>
-            <a:r>
-              <a:rPr lang="en-US" dirty="0"/>
-              <a:t>Global Azure Bootcamp 2019</a:t>
-            </a:r>
-          </a:p>
-          <a:p>
-            <a:r>
-              <a:rPr lang="en-US" dirty="0"/>
+        <p:spPr>
+          <a:xfrm>
+            <a:off x="1061422" y="3752851"/>
+            <a:ext cx="8658225" cy="1571625"/>
+          </a:xfrm>
+        </p:spPr>
+        <p:txBody>
+          <a:bodyPr>
+            <a:normAutofit/>
+          </a:bodyPr>
+          <a:lstStyle/>
+          <a:p>
+            <a:pPr algn="ctr"/>
+            <a:r>
+              <a:rPr lang="en-US" sz="2200" dirty="0"/>
+              <a:t>Global Azure Bootcamp 2019 </a:t>
+            </a:r>
+          </a:p>
+          <a:p>
+            <a:pPr algn="ctr">
+              <a:spcBef>
+                <a:spcPts val="600"/>
+              </a:spcBef>
+            </a:pPr>
+            <a:r>
+              <a:rPr lang="en-US" sz="1400" dirty="0"/>
               <a:t>Alex Chance</a:t>
             </a:r>
           </a:p>
           <a:p>
+            <a:pPr algn="ctr">
+              <a:spcBef>
+                <a:spcPts val="600"/>
+              </a:spcBef>
+            </a:pPr>
+            <a:r>
+              <a:rPr lang="en-US" sz="1400" dirty="0"/>
+              <a:t>Solutions Architect     </a:t>
+            </a:r>
+          </a:p>
+          <a:p>
+            <a:pPr algn="ctr">
+              <a:spcBef>
+                <a:spcPts val="600"/>
+              </a:spcBef>
+            </a:pPr>
+            <a:r>
+              <a:rPr lang="en-US" sz="1400" dirty="0"/>
+              <a:t>Coleman Worldwide Moving</a:t>
+            </a:r>
+          </a:p>
+          <a:p>
+            <a:pPr algn="ctr"/>
+            <a:endParaRPr lang="en-US" dirty="0"/>
+          </a:p>
+          <a:p>
+            <a:pPr algn="ctr"/>
             <a:endParaRPr lang="en-US" dirty="0"/>
           </a:p>
         </p:txBody>
@@ -3893,7 +6455,11 @@
           <a:lstStyle/>
           <a:p>
             <a:r>
-              <a:rPr lang="en-US" dirty="0"/>
+              <a:rPr lang="en-US" dirty="0">
+                <a:solidFill>
+                  <a:schemeClr val="tx1"/>
+                </a:solidFill>
+              </a:rPr>
               <a:t>How do you manage your logs?</a:t>
             </a:r>
           </a:p>
@@ -3937,54 +6503,6 @@
           </a:xfrm>
         </p:spPr>
       </p:pic>
-      <p:sp>
-        <p:nvSpPr>
-          <p:cNvPr id="6" name="TextBox 5">
-            <a:extLst>
-              <a:ext uri="{FF2B5EF4-FFF2-40B4-BE49-F238E27FC236}">
-                <a16:creationId xmlns:a16="http://schemas.microsoft.com/office/drawing/2014/main" id="{689D8663-A6FE-4A7A-9E5A-118D60237FAE}"/>
-              </a:ext>
-            </a:extLst>
-          </p:cNvPr>
-          <p:cNvSpPr txBox="1"/>
-          <p:nvPr/>
-        </p:nvSpPr>
-        <p:spPr>
-          <a:xfrm>
-            <a:off x="307389" y="5600319"/>
-            <a:ext cx="3417944" cy="230832"/>
-          </a:xfrm>
-          <a:prstGeom prst="rect">
-            <a:avLst/>
-          </a:prstGeom>
-          <a:noFill/>
-        </p:spPr>
-        <p:txBody>
-          <a:bodyPr wrap="square" rtlCol="0">
-            <a:spAutoFit/>
-          </a:bodyPr>
-          <a:lstStyle/>
-          <a:p>
-            <a:r>
-              <a:rPr lang="en-US" sz="900">
-                <a:hlinkClick r:id="rId3" tooltip="http://www.soil-net.com/album/plants/woods_forest/coniferous%20woodland/slides/Tree%20Forestry%20Logs%2004.html"/>
-              </a:rPr>
-              <a:t>This Photo</a:t>
-            </a:r>
-            <a:r>
-              <a:rPr lang="en-US" sz="900"/>
-              <a:t> by Unknown Author is licensed under </a:t>
-            </a:r>
-            <a:r>
-              <a:rPr lang="en-US" sz="900">
-                <a:hlinkClick r:id="rId4" tooltip="https://creativecommons.org/licenses/by-nc-sa/3.0/"/>
-              </a:rPr>
-              <a:t>CC BY-SA-NC</a:t>
-            </a:r>
-            <a:endParaRPr lang="en-US" sz="900"/>
-          </a:p>
-        </p:txBody>
-      </p:sp>
       <p:pic>
         <p:nvPicPr>
           <p:cNvPr id="8" name="Picture 7">
@@ -4000,13 +6518,13 @@
           <p:nvPr/>
         </p:nvPicPr>
         <p:blipFill>
-          <a:blip r:embed="rId5">
+          <a:blip r:embed="rId4">
             <a:extLst>
               <a:ext uri="{28A0092B-C50C-407E-A947-70E740481C1C}">
                 <a14:useLocalDpi xmlns:a14="http://schemas.microsoft.com/office/drawing/2010/main" val="0"/>
               </a:ext>
               <a:ext uri="{837473B0-CC2E-450A-ABE3-18F120FF3D39}">
-                <a1611:picAttrSrcUrl xmlns:a1611="http://schemas.microsoft.com/office/drawing/2016/11/main" r:id="rId6"/>
+                <a1611:picAttrSrcUrl xmlns:a1611="http://schemas.microsoft.com/office/drawing/2016/11/main" r:id="rId5"/>
               </a:ext>
             </a:extLst>
           </a:blip>
@@ -4024,54 +6542,6 @@
           </a:prstGeom>
         </p:spPr>
       </p:pic>
-      <p:sp>
-        <p:nvSpPr>
-          <p:cNvPr id="9" name="TextBox 8">
-            <a:extLst>
-              <a:ext uri="{FF2B5EF4-FFF2-40B4-BE49-F238E27FC236}">
-                <a16:creationId xmlns:a16="http://schemas.microsoft.com/office/drawing/2014/main" id="{5A837098-DD55-4E35-A9DF-0ED95600E404}"/>
-              </a:ext>
-            </a:extLst>
-          </p:cNvPr>
-          <p:cNvSpPr txBox="1"/>
-          <p:nvPr/>
-        </p:nvSpPr>
-        <p:spPr>
-          <a:xfrm>
-            <a:off x="6506527" y="5934582"/>
-            <a:ext cx="4044056" cy="230832"/>
-          </a:xfrm>
-          <a:prstGeom prst="rect">
-            <a:avLst/>
-          </a:prstGeom>
-          <a:noFill/>
-        </p:spPr>
-        <p:txBody>
-          <a:bodyPr wrap="square" rtlCol="0">
-            <a:spAutoFit/>
-          </a:bodyPr>
-          <a:lstStyle/>
-          <a:p>
-            <a:r>
-              <a:rPr lang="en-US" sz="900">
-                <a:hlinkClick r:id="rId6" tooltip="http://qivc.org/news"/>
-              </a:rPr>
-              <a:t>This Photo</a:t>
-            </a:r>
-            <a:r>
-              <a:rPr lang="en-US" sz="900"/>
-              <a:t> by Unknown Author is licensed under </a:t>
-            </a:r>
-            <a:r>
-              <a:rPr lang="en-US" sz="900">
-                <a:hlinkClick r:id="rId4" tooltip="https://creativecommons.org/licenses/by-nc-sa/3.0/"/>
-              </a:rPr>
-              <a:t>CC BY-SA-NC</a:t>
-            </a:r>
-            <a:endParaRPr lang="en-US" sz="900"/>
-          </a:p>
-        </p:txBody>
-      </p:sp>
     </p:spTree>
     <p:extLst>
       <p:ext uri="{BB962C8B-B14F-4D97-AF65-F5344CB8AC3E}">
@@ -4124,7 +6594,11 @@
           <a:lstStyle/>
           <a:p>
             <a:r>
-              <a:rPr lang="en-US" dirty="0"/>
+              <a:rPr lang="en-US" dirty="0">
+                <a:solidFill>
+                  <a:schemeClr val="tx1"/>
+                </a:solidFill>
+              </a:rPr>
               <a:t>Not those logs, these logs:</a:t>
             </a:r>
           </a:p>
@@ -4163,59 +6637,11 @@
         </p:blipFill>
         <p:spPr>
           <a:xfrm>
-            <a:off x="182271" y="1456721"/>
-            <a:ext cx="5431968" cy="4186237"/>
+            <a:off x="-66675" y="1459608"/>
+            <a:ext cx="6213830" cy="4788792"/>
           </a:xfrm>
         </p:spPr>
       </p:pic>
-      <p:sp>
-        <p:nvSpPr>
-          <p:cNvPr id="6" name="TextBox 5">
-            <a:extLst>
-              <a:ext uri="{FF2B5EF4-FFF2-40B4-BE49-F238E27FC236}">
-                <a16:creationId xmlns:a16="http://schemas.microsoft.com/office/drawing/2014/main" id="{829A8C34-3C78-477D-A3E8-3F657AD084C3}"/>
-              </a:ext>
-            </a:extLst>
-          </p:cNvPr>
-          <p:cNvSpPr txBox="1"/>
-          <p:nvPr/>
-        </p:nvSpPr>
-        <p:spPr>
-          <a:xfrm>
-            <a:off x="2357392" y="5120879"/>
-            <a:ext cx="2199257" cy="369332"/>
-          </a:xfrm>
-          <a:prstGeom prst="rect">
-            <a:avLst/>
-          </a:prstGeom>
-          <a:noFill/>
-        </p:spPr>
-        <p:txBody>
-          <a:bodyPr wrap="square" rtlCol="0">
-            <a:spAutoFit/>
-          </a:bodyPr>
-          <a:lstStyle/>
-          <a:p>
-            <a:r>
-              <a:rPr lang="en-US" sz="900" dirty="0">
-                <a:hlinkClick r:id="rId3" tooltip="http://unix.stackexchange.com/questions/8414/how-to-have-tail-f-show-colored-output"/>
-              </a:rPr>
-              <a:t>This Photo</a:t>
-            </a:r>
-            <a:r>
-              <a:rPr lang="en-US" sz="900" dirty="0"/>
-              <a:t> by Unknown Author is licensed under </a:t>
-            </a:r>
-            <a:r>
-              <a:rPr lang="en-US" sz="900" dirty="0">
-                <a:hlinkClick r:id="rId4" tooltip="https://creativecommons.org/licenses/by-sa/3.0/"/>
-              </a:rPr>
-              <a:t>CC BY-SA</a:t>
-            </a:r>
-            <a:endParaRPr lang="en-US" sz="900" dirty="0"/>
-          </a:p>
-        </p:txBody>
-      </p:sp>
       <p:pic>
         <p:nvPicPr>
           <p:cNvPr id="8" name="Picture 7">
@@ -4231,13 +6657,13 @@
           <p:nvPr/>
         </p:nvPicPr>
         <p:blipFill>
-          <a:blip r:embed="rId5">
+          <a:blip r:embed="rId4">
             <a:extLst>
               <a:ext uri="{28A0092B-C50C-407E-A947-70E740481C1C}">
                 <a14:useLocalDpi xmlns:a14="http://schemas.microsoft.com/office/drawing/2010/main" val="0"/>
               </a:ext>
               <a:ext uri="{837473B0-CC2E-450A-ABE3-18F120FF3D39}">
-                <a1611:picAttrSrcUrl xmlns:a1611="http://schemas.microsoft.com/office/drawing/2016/11/main" r:id="rId6"/>
+                <a1611:picAttrSrcUrl xmlns:a1611="http://schemas.microsoft.com/office/drawing/2016/11/main" r:id="rId5"/>
               </a:ext>
             </a:extLst>
           </a:blip>
@@ -4247,7 +6673,7 @@
         </p:blipFill>
         <p:spPr>
           <a:xfrm>
-            <a:off x="5952116" y="1409699"/>
+            <a:off x="6096000" y="1743074"/>
             <a:ext cx="5956696" cy="3924301"/>
           </a:xfrm>
           <a:prstGeom prst="rect">
@@ -4255,54 +6681,6 @@
           </a:prstGeom>
         </p:spPr>
       </p:pic>
-      <p:sp>
-        <p:nvSpPr>
-          <p:cNvPr id="9" name="TextBox 8">
-            <a:extLst>
-              <a:ext uri="{FF2B5EF4-FFF2-40B4-BE49-F238E27FC236}">
-                <a16:creationId xmlns:a16="http://schemas.microsoft.com/office/drawing/2014/main" id="{8BE4CEE7-7FD6-4B39-AC92-ABDFD4FD0E26}"/>
-              </a:ext>
-            </a:extLst>
-          </p:cNvPr>
-          <p:cNvSpPr txBox="1"/>
-          <p:nvPr/>
-        </p:nvSpPr>
-        <p:spPr>
-          <a:xfrm>
-            <a:off x="6672263" y="5401279"/>
-            <a:ext cx="4054715" cy="230832"/>
-          </a:xfrm>
-          <a:prstGeom prst="rect">
-            <a:avLst/>
-          </a:prstGeom>
-          <a:noFill/>
-        </p:spPr>
-        <p:txBody>
-          <a:bodyPr wrap="square" rtlCol="0">
-            <a:spAutoFit/>
-          </a:bodyPr>
-          <a:lstStyle/>
-          <a:p>
-            <a:r>
-              <a:rPr lang="en-US" sz="900" dirty="0">
-                <a:hlinkClick r:id="rId6" tooltip="https://stackoverflow.com/questions/23714217/renaming-log-files-program-beginner"/>
-              </a:rPr>
-              <a:t>This Photo</a:t>
-            </a:r>
-            <a:r>
-              <a:rPr lang="en-US" sz="900" dirty="0"/>
-              <a:t> by Unknown Author is licensed under </a:t>
-            </a:r>
-            <a:r>
-              <a:rPr lang="en-US" sz="900" dirty="0">
-                <a:hlinkClick r:id="rId4" tooltip="https://creativecommons.org/licenses/by-sa/3.0/"/>
-              </a:rPr>
-              <a:t>CC BY-SA</a:t>
-            </a:r>
-            <a:endParaRPr lang="en-US" sz="900" dirty="0"/>
-          </a:p>
-        </p:txBody>
-      </p:sp>
     </p:spTree>
     <p:extLst>
       <p:ext uri="{BB962C8B-B14F-4D97-AF65-F5344CB8AC3E}">
@@ -4355,8 +6733,12 @@
           <a:lstStyle/>
           <a:p>
             <a:r>
-              <a:rPr lang="en-US" dirty="0"/>
-              <a:t>Common log practices</a:t>
+              <a:rPr lang="en-US" dirty="0">
+                <a:solidFill>
+                  <a:schemeClr val="tx1"/>
+                </a:solidFill>
+              </a:rPr>
+              <a:t>Common Log Practices</a:t>
             </a:r>
           </a:p>
         </p:txBody>
@@ -4379,7 +6761,9 @@
         </p:nvSpPr>
         <p:spPr/>
         <p:txBody>
-          <a:bodyPr/>
+          <a:bodyPr>
+            <a:normAutofit/>
+          </a:bodyPr>
           <a:lstStyle/>
           <a:p>
             <a:r>
@@ -4494,7 +6878,11 @@
           <a:lstStyle/>
           <a:p>
             <a:r>
-              <a:rPr lang="en-US" dirty="0"/>
+              <a:rPr lang="en-US" dirty="0">
+                <a:solidFill>
+                  <a:schemeClr val="tx1"/>
+                </a:solidFill>
+              </a:rPr>
               <a:t>Azure Log Analytics	</a:t>
             </a:r>
           </a:p>
@@ -4544,6 +6932,27 @@
             <a:r>
               <a:rPr lang="en-US" dirty="0"/>
               <a:t>Provides a Data Collector API which can be used with any other source</a:t>
+            </a:r>
+          </a:p>
+          <a:p>
+            <a:pPr lvl="1"/>
+            <a:r>
+              <a:rPr lang="en-US" dirty="0"/>
+              <a:t>Built-in robust alerting</a:t>
+            </a:r>
+          </a:p>
+          <a:p>
+            <a:pPr lvl="1"/>
+            <a:r>
+              <a:rPr lang="en-US" dirty="0"/>
+              <a:t>Flexible for many different data types</a:t>
+            </a:r>
+          </a:p>
+          <a:p>
+            <a:pPr lvl="1"/>
+            <a:r>
+              <a:rPr lang="en-US" dirty="0"/>
+              <a:t>Cost-effective, especially for customers already using other Azure services</a:t>
             </a:r>
           </a:p>
           <a:p>
@@ -4602,7 +7011,14 @@
           <a:bodyPr/>
           <a:lstStyle/>
           <a:p>
-            <a:endParaRPr lang="en-US"/>
+            <a:r>
+              <a:rPr lang="en-US" dirty="0">
+                <a:solidFill>
+                  <a:schemeClr val="tx1"/>
+                </a:solidFill>
+              </a:rPr>
+              <a:t>Demo</a:t>
+            </a:r>
           </a:p>
         </p:txBody>
       </p:sp>
@@ -4627,7 +7043,22 @@
           <a:bodyPr/>
           <a:lstStyle/>
           <a:p>
-            <a:endParaRPr lang="en-US"/>
+            <a:r>
+              <a:rPr lang="en-US" dirty="0"/>
+              <a:t>Go to the GitHub repo at:</a:t>
+            </a:r>
+          </a:p>
+          <a:p>
+            <a:pPr marL="457200" lvl="1" indent="0">
+              <a:buNone/>
+            </a:pPr>
+            <a:r>
+              <a:rPr lang="en-US" sz="3600" dirty="0">
+                <a:hlinkClick r:id="rId2"/>
+              </a:rPr>
+              <a:t>https://github.com/achance/GAB19</a:t>
+            </a:r>
+            <a:endParaRPr lang="en-US" sz="3600" dirty="0"/>
           </a:p>
         </p:txBody>
       </p:sp>
@@ -4645,9 +7076,9 @@
 </file>
 
 <file path=ppt/theme/theme1.xml><?xml version="1.0" encoding="utf-8"?>
-<a:theme xmlns:a="http://schemas.openxmlformats.org/drawingml/2006/main" name="Office Theme">
+<a:theme xmlns:a="http://schemas.openxmlformats.org/drawingml/2006/main" name="Facet">
   <a:themeElements>
-    <a:clrScheme name="Office">
+    <a:clrScheme name="Facet">
       <a:dk1>
         <a:sysClr val="windowText" lastClr="000000"/>
       </a:dk1>
@@ -4655,52 +7086,52 @@
         <a:sysClr val="window" lastClr="FFFFFF"/>
       </a:lt1>
       <a:dk2>
-        <a:srgbClr val="44546A"/>
+        <a:srgbClr val="2C3C43"/>
       </a:dk2>
       <a:lt2>
-        <a:srgbClr val="E7E6E6"/>
+        <a:srgbClr val="EBEBEB"/>
       </a:lt2>
       <a:accent1>
-        <a:srgbClr val="4472C4"/>
+        <a:srgbClr val="5FCBEF"/>
       </a:accent1>
       <a:accent2>
-        <a:srgbClr val="ED7D31"/>
+        <a:srgbClr val="2E83C3"/>
       </a:accent2>
       <a:accent3>
-        <a:srgbClr val="A5A5A5"/>
+        <a:srgbClr val="42D0A2"/>
       </a:accent3>
       <a:accent4>
-        <a:srgbClr val="FFC000"/>
+        <a:srgbClr val="2E946B"/>
       </a:accent4>
       <a:accent5>
-        <a:srgbClr val="5B9BD5"/>
+        <a:srgbClr val="42B051"/>
       </a:accent5>
       <a:accent6>
-        <a:srgbClr val="70AD47"/>
+        <a:srgbClr val="96D141"/>
       </a:accent6>
       <a:hlink>
-        <a:srgbClr val="0563C1"/>
+        <a:srgbClr val="3FCDE7"/>
       </a:hlink>
       <a:folHlink>
-        <a:srgbClr val="954F72"/>
+        <a:srgbClr val="A9D3E1"/>
       </a:folHlink>
     </a:clrScheme>
-    <a:fontScheme name="Office">
+    <a:fontScheme name="Facet">
       <a:majorFont>
-        <a:latin typeface="Calibri Light" panose="020F0302020204030204"/>
+        <a:latin typeface="Trebuchet MS" panose="020B0603020202020204"/>
         <a:ea typeface=""/>
         <a:cs typeface=""/>
-        <a:font script="Jpan" typeface="游ゴシック Light"/>
+        <a:font script="Jpan" typeface="メイリオ"/>
         <a:font script="Hang" typeface="맑은 고딕"/>
-        <a:font script="Hans" typeface="等线 Light"/>
-        <a:font script="Hant" typeface="新細明體"/>
-        <a:font script="Arab" typeface="Times New Roman"/>
-        <a:font script="Hebr" typeface="Times New Roman"/>
-        <a:font script="Thai" typeface="Angsana New"/>
+        <a:font script="Hans" typeface="方正姚体"/>
+        <a:font script="Hant" typeface="微軟正黑體"/>
+        <a:font script="Arab" typeface="Tahoma"/>
+        <a:font script="Hebr" typeface="Arial"/>
+        <a:font script="Thai" typeface="Cordia New"/>
         <a:font script="Ethi" typeface="Nyala"/>
         <a:font script="Beng" typeface="Vrinda"/>
         <a:font script="Gujr" typeface="Shruti"/>
-        <a:font script="Khmr" typeface="MoolBoran"/>
+        <a:font script="Khmr" typeface="DaunPenh"/>
         <a:font script="Knda" typeface="Tunga"/>
         <a:font script="Guru" typeface="Raavi"/>
         <a:font script="Cans" typeface="Euphemia"/>
@@ -4717,38 +7148,21 @@
         <a:font script="Laoo" typeface="DokChampa"/>
         <a:font script="Sinh" typeface="Iskoola Pota"/>
         <a:font script="Mong" typeface="Mongolian Baiti"/>
-        <a:font script="Viet" typeface="Times New Roman"/>
+        <a:font script="Viet" typeface="Tahoma"/>
         <a:font script="Uigh" typeface="Microsoft Uighur"/>
         <a:font script="Geor" typeface="Sylfaen"/>
-        <a:font script="Armn" typeface="Arial"/>
-        <a:font script="Bugi" typeface="Leelawadee UI"/>
-        <a:font script="Bopo" typeface="Microsoft JhengHei"/>
-        <a:font script="Java" typeface="Javanese Text"/>
-        <a:font script="Lisu" typeface="Segoe UI"/>
-        <a:font script="Mymr" typeface="Myanmar Text"/>
-        <a:font script="Nkoo" typeface="Ebrima"/>
-        <a:font script="Olck" typeface="Nirmala UI"/>
-        <a:font script="Osma" typeface="Ebrima"/>
-        <a:font script="Phag" typeface="Phagspa"/>
-        <a:font script="Syrn" typeface="Estrangelo Edessa"/>
-        <a:font script="Syrj" typeface="Estrangelo Edessa"/>
-        <a:font script="Syre" typeface="Estrangelo Edessa"/>
-        <a:font script="Sora" typeface="Nirmala UI"/>
-        <a:font script="Tale" typeface="Microsoft Tai Le"/>
-        <a:font script="Talu" typeface="Microsoft New Tai Lue"/>
-        <a:font script="Tfng" typeface="Ebrima"/>
       </a:majorFont>
       <a:minorFont>
-        <a:latin typeface="Calibri" panose="020F0502020204030204"/>
+        <a:latin typeface="Trebuchet MS" panose="020B0603020202020204"/>
         <a:ea typeface=""/>
         <a:cs typeface=""/>
-        <a:font script="Jpan" typeface="游ゴシック"/>
-        <a:font script="Hang" typeface="맑은 고딕"/>
-        <a:font script="Hans" typeface="等线"/>
-        <a:font script="Hant" typeface="新細明體"/>
-        <a:font script="Arab" typeface="Arial"/>
-        <a:font script="Hebr" typeface="Arial"/>
-        <a:font script="Thai" typeface="Cordia New"/>
+        <a:font script="Jpan" typeface="メイリオ"/>
+        <a:font script="Hang" typeface="HY그래픽M"/>
+        <a:font script="Hans" typeface="华文新魏"/>
+        <a:font script="Hant" typeface="微軟正黑體"/>
+        <a:font script="Arab" typeface="Tahoma"/>
+        <a:font script="Hebr" typeface="Gisha"/>
+        <a:font script="Thai" typeface="IrisUPC"/>
         <a:font script="Ethi" typeface="Nyala"/>
         <a:font script="Beng" typeface="Vrinda"/>
         <a:font script="Gujr" typeface="Shruti"/>
@@ -4772,26 +7186,9 @@
         <a:font script="Viet" typeface="Arial"/>
         <a:font script="Uigh" typeface="Microsoft Uighur"/>
         <a:font script="Geor" typeface="Sylfaen"/>
-        <a:font script="Armn" typeface="Arial"/>
-        <a:font script="Bugi" typeface="Leelawadee UI"/>
-        <a:font script="Bopo" typeface="Microsoft JhengHei"/>
-        <a:font script="Java" typeface="Javanese Text"/>
-        <a:font script="Lisu" typeface="Segoe UI"/>
-        <a:font script="Mymr" typeface="Myanmar Text"/>
-        <a:font script="Nkoo" typeface="Ebrima"/>
-        <a:font script="Olck" typeface="Nirmala UI"/>
-        <a:font script="Osma" typeface="Ebrima"/>
-        <a:font script="Phag" typeface="Phagspa"/>
-        <a:font script="Syrn" typeface="Estrangelo Edessa"/>
-        <a:font script="Syrj" typeface="Estrangelo Edessa"/>
-        <a:font script="Syre" typeface="Estrangelo Edessa"/>
-        <a:font script="Sora" typeface="Nirmala UI"/>
-        <a:font script="Tale" typeface="Microsoft Tai Le"/>
-        <a:font script="Talu" typeface="Microsoft New Tai Lue"/>
-        <a:font script="Tfng" typeface="Ebrima"/>
       </a:minorFont>
     </a:fontScheme>
-    <a:fmtScheme name="Office">
+    <a:fmtScheme name="Facet">
       <a:fillStyleLst>
         <a:solidFill>
           <a:schemeClr val="phClr"/>
@@ -4800,23 +7197,13 @@
           <a:gsLst>
             <a:gs pos="0">
               <a:schemeClr val="phClr">
+                <a:tint val="65000"/>
                 <a:lumMod val="110000"/>
-                <a:satMod val="105000"/>
-                <a:tint val="67000"/>
               </a:schemeClr>
             </a:gs>
-            <a:gs pos="50000">
+            <a:gs pos="88000">
               <a:schemeClr val="phClr">
-                <a:lumMod val="105000"/>
-                <a:satMod val="103000"/>
-                <a:tint val="73000"/>
-              </a:schemeClr>
-            </a:gs>
-            <a:gs pos="100000">
-              <a:schemeClr val="phClr">
-                <a:lumMod val="105000"/>
-                <a:satMod val="109000"/>
-                <a:tint val="81000"/>
+                <a:tint val="90000"/>
               </a:schemeClr>
             </a:gs>
           </a:gsLst>
@@ -4826,23 +7213,14 @@
           <a:gsLst>
             <a:gs pos="0">
               <a:schemeClr val="phClr">
-                <a:satMod val="103000"/>
-                <a:lumMod val="102000"/>
-                <a:tint val="94000"/>
+                <a:tint val="96000"/>
+                <a:lumMod val="100000"/>
               </a:schemeClr>
             </a:gs>
-            <a:gs pos="50000">
+            <a:gs pos="78000">
               <a:schemeClr val="phClr">
-                <a:satMod val="110000"/>
-                <a:lumMod val="100000"/>
-                <a:shade val="100000"/>
-              </a:schemeClr>
-            </a:gs>
-            <a:gs pos="100000">
-              <a:schemeClr val="phClr">
-                <a:lumMod val="99000"/>
-                <a:satMod val="120000"/>
-                <a:shade val="78000"/>
+                <a:shade val="94000"/>
+                <a:lumMod val="94000"/>
               </a:schemeClr>
             </a:gs>
           </a:gsLst>
@@ -4850,26 +7228,23 @@
         </a:gradFill>
       </a:fillStyleLst>
       <a:lnStyleLst>
-        <a:ln w="6350" cap="flat" cmpd="sng" algn="ctr">
+        <a:ln w="12700" cap="rnd" cmpd="sng" algn="ctr">
           <a:solidFill>
             <a:schemeClr val="phClr"/>
           </a:solidFill>
           <a:prstDash val="solid"/>
-          <a:miter lim="800000"/>
         </a:ln>
-        <a:ln w="12700" cap="flat" cmpd="sng" algn="ctr">
+        <a:ln w="19050" cap="rnd" cmpd="sng" algn="ctr">
           <a:solidFill>
             <a:schemeClr val="phClr"/>
           </a:solidFill>
           <a:prstDash val="solid"/>
-          <a:miter lim="800000"/>
         </a:ln>
-        <a:ln w="19050" cap="flat" cmpd="sng" algn="ctr">
+        <a:ln w="25400" cap="rnd" cmpd="sng" algn="ctr">
           <a:solidFill>
             <a:schemeClr val="phClr"/>
           </a:solidFill>
           <a:prstDash val="solid"/>
-          <a:miter lim="800000"/>
         </a:ln>
       </a:lnStyleLst>
       <a:effectStyleLst>
@@ -4877,54 +7252,72 @@
           <a:effectLst/>
         </a:effectStyle>
         <a:effectStyle>
-          <a:effectLst/>
+          <a:effectLst>
+            <a:outerShdw blurRad="38100" dist="25400" dir="5400000" rotWithShape="0">
+              <a:srgbClr val="000000">
+                <a:alpha val="35000"/>
+              </a:srgbClr>
+            </a:outerShdw>
+          </a:effectLst>
         </a:effectStyle>
         <a:effectStyle>
           <a:effectLst>
-            <a:outerShdw blurRad="57150" dist="19050" dir="5400000" algn="ctr" rotWithShape="0">
+            <a:outerShdw blurRad="50800" dist="38100" dir="5400000" rotWithShape="0">
               <a:srgbClr val="000000">
-                <a:alpha val="63000"/>
+                <a:alpha val="35000"/>
               </a:srgbClr>
             </a:outerShdw>
           </a:effectLst>
+          <a:scene3d>
+            <a:camera prst="orthographicFront">
+              <a:rot lat="0" lon="0" rev="0"/>
+            </a:camera>
+            <a:lightRig rig="threePt" dir="tl"/>
+          </a:scene3d>
+          <a:sp3d prstMaterial="plastic">
+            <a:bevelT w="0" h="0"/>
+          </a:sp3d>
         </a:effectStyle>
       </a:effectStyleLst>
       <a:bgFillStyleLst>
         <a:solidFill>
           <a:schemeClr val="phClr"/>
         </a:solidFill>
-        <a:solidFill>
-          <a:schemeClr val="phClr">
-            <a:tint val="95000"/>
-            <a:satMod val="170000"/>
-          </a:schemeClr>
-        </a:solidFill>
         <a:gradFill rotWithShape="1">
           <a:gsLst>
             <a:gs pos="0">
               <a:schemeClr val="phClr">
-                <a:tint val="93000"/>
-                <a:satMod val="150000"/>
-                <a:shade val="98000"/>
-                <a:lumMod val="102000"/>
+                <a:tint val="90000"/>
+                <a:lumMod val="104000"/>
               </a:schemeClr>
             </a:gs>
-            <a:gs pos="50000">
+            <a:gs pos="94000">
               <a:schemeClr val="phClr">
-                <a:tint val="98000"/>
-                <a:satMod val="130000"/>
-                <a:shade val="90000"/>
-                <a:lumMod val="103000"/>
+                <a:shade val="96000"/>
+                <a:lumMod val="82000"/>
+              </a:schemeClr>
+            </a:gs>
+          </a:gsLst>
+          <a:lin ang="5400000" scaled="0"/>
+        </a:gradFill>
+        <a:gradFill rotWithShape="1">
+          <a:gsLst>
+            <a:gs pos="0">
+              <a:schemeClr val="phClr">
+                <a:tint val="90000"/>
+                <a:lumMod val="110000"/>
               </a:schemeClr>
             </a:gs>
             <a:gs pos="100000">
               <a:schemeClr val="phClr">
-                <a:shade val="63000"/>
-                <a:satMod val="120000"/>
+                <a:shade val="94000"/>
+                <a:lumMod val="96000"/>
               </a:schemeClr>
             </a:gs>
           </a:gsLst>
-          <a:lin ang="5400000" scaled="0"/>
+          <a:path path="circle">
+            <a:fillToRect l="50000" t="50000" r="100000" b="100000"/>
+          </a:path>
         </a:gradFill>
       </a:bgFillStyleLst>
     </a:fmtScheme>
@@ -4933,7 +7326,7 @@
   <a:extraClrSchemeLst/>
   <a:extLst>
     <a:ext uri="{05A4C25C-085E-4340-85A3-A5531E510DB2}">
-      <thm15:themeFamily xmlns:thm15="http://schemas.microsoft.com/office/thememl/2012/main" name="Office Theme" id="{62F939B6-93AF-4DB8-9C6B-D6C7DFDC589F}" vid="{4A3C46E8-61CC-4603-A589-7422A47A8E4A}"/>
+      <thm15:themeFamily xmlns:thm15="http://schemas.microsoft.com/office/thememl/2012/main" name="Facet" id="{C0C680CD-088A-49FC-A102-D699147F32B2}" vid="{0B5AB586-D108-4FC1-8368-649FE654B894}"/>
     </a:ext>
   </a:extLst>
 </a:theme>
